--- a/Presentation.pptx
+++ b/Presentation.pptx
@@ -5,16 +5,19 @@
     <p:sldMasterId id="2147483648" r:id="rId1"/>
   </p:sldMasterIdLst>
   <p:notesMasterIdLst>
-    <p:notesMasterId r:id="rId6"/>
+    <p:notesMasterId r:id="rId9"/>
   </p:notesMasterIdLst>
   <p:handoutMasterIdLst>
-    <p:handoutMasterId r:id="rId7"/>
+    <p:handoutMasterId r:id="rId10"/>
   </p:handoutMasterIdLst>
   <p:sldIdLst>
     <p:sldId id="256" r:id="rId2"/>
     <p:sldId id="262" r:id="rId3"/>
     <p:sldId id="260" r:id="rId4"/>
-    <p:sldId id="261" r:id="rId5"/>
+    <p:sldId id="263" r:id="rId5"/>
+    <p:sldId id="264" r:id="rId6"/>
+    <p:sldId id="265" r:id="rId7"/>
+    <p:sldId id="266" r:id="rId8"/>
   </p:sldIdLst>
   <p:sldSz cx="9144000" cy="6858000" type="screen4x3"/>
   <p:notesSz cx="6858000" cy="9144000"/>
@@ -228,7 +231,7 @@
           <a:p>
             <a:fld id="{D9F22B22-81B2-426B-B13F-917D5E416A93}" type="datetimeFigureOut">
               <a:rPr lang="en-US" smtClean="0"/>
-              <a:t>11/18/2018</a:t>
+              <a:t>11/24/2018</a:t>
             </a:fld>
             <a:endParaRPr lang="en-US"/>
           </a:p>
@@ -393,7 +396,7 @@
           <a:p>
             <a:fld id="{545B8DFF-3B96-41A0-9B28-6E55A2E48E01}" type="datetimeFigureOut">
               <a:rPr lang="en-US" smtClean="0"/>
-              <a:t>11/18/2018</a:t>
+              <a:t>11/24/2018</a:t>
             </a:fld>
             <a:endParaRPr lang="en-US"/>
           </a:p>
@@ -865,7 +868,7 @@
             <a:fld id="{53074F12-AA26-4AC8-9962-C36BB8F32554}" type="datetimeFigureOut">
               <a:rPr lang="en-US" smtClean="0"/>
               <a:pPr/>
-              <a:t>11/18/2018</a:t>
+              <a:t>11/24/2018</a:t>
             </a:fld>
             <a:endParaRPr lang="en-US"/>
           </a:p>
@@ -1126,7 +1129,7 @@
             <a:fld id="{53074F12-AA26-4AC8-9962-C36BB8F32554}" type="datetimeFigureOut">
               <a:rPr lang="en-US" smtClean="0"/>
               <a:pPr/>
-              <a:t>11/18/2018</a:t>
+              <a:t>11/24/2018</a:t>
             </a:fld>
             <a:endParaRPr lang="en-US"/>
           </a:p>
@@ -1333,7 +1336,7 @@
             <a:fld id="{53074F12-AA26-4AC8-9962-C36BB8F32554}" type="datetimeFigureOut">
               <a:rPr lang="en-US" smtClean="0"/>
               <a:pPr/>
-              <a:t>11/18/2018</a:t>
+              <a:t>11/24/2018</a:t>
             </a:fld>
             <a:endParaRPr lang="en-US"/>
           </a:p>
@@ -1550,7 +1553,7 @@
             <a:fld id="{53074F12-AA26-4AC8-9962-C36BB8F32554}" type="datetimeFigureOut">
               <a:rPr lang="en-US" smtClean="0"/>
               <a:pPr/>
-              <a:t>11/18/2018</a:t>
+              <a:t>11/24/2018</a:t>
             </a:fld>
             <a:endParaRPr lang="en-US"/>
           </a:p>
@@ -1778,7 +1781,7 @@
             <a:fld id="{53074F12-AA26-4AC8-9962-C36BB8F32554}" type="datetimeFigureOut">
               <a:rPr lang="en-US" smtClean="0"/>
               <a:pPr/>
-              <a:t>11/18/2018</a:t>
+              <a:t>11/24/2018</a:t>
             </a:fld>
             <a:endParaRPr lang="en-US"/>
           </a:p>
@@ -2020,7 +2023,7 @@
             <a:fld id="{53074F12-AA26-4AC8-9962-C36BB8F32554}" type="datetimeFigureOut">
               <a:rPr lang="en-US" smtClean="0"/>
               <a:pPr/>
-              <a:t>11/18/2018</a:t>
+              <a:t>11/24/2018</a:t>
             </a:fld>
             <a:endParaRPr lang="en-US"/>
           </a:p>
@@ -2266,7 +2269,7 @@
             <a:fld id="{53074F12-AA26-4AC8-9962-C36BB8F32554}" type="datetimeFigureOut">
               <a:rPr lang="en-US" smtClean="0"/>
               <a:pPr/>
-              <a:t>11/18/2018</a:t>
+              <a:t>11/24/2018</a:t>
             </a:fld>
             <a:endParaRPr lang="en-US"/>
           </a:p>
@@ -2595,7 +2598,7 @@
             <a:fld id="{53074F12-AA26-4AC8-9962-C36BB8F32554}" type="datetimeFigureOut">
               <a:rPr lang="en-US" smtClean="0"/>
               <a:pPr/>
-              <a:t>11/18/2018</a:t>
+              <a:t>11/24/2018</a:t>
             </a:fld>
             <a:endParaRPr lang="en-US"/>
           </a:p>
@@ -3078,7 +3081,7 @@
             <a:fld id="{53074F12-AA26-4AC8-9962-C36BB8F32554}" type="datetimeFigureOut">
               <a:rPr lang="en-US" smtClean="0"/>
               <a:pPr/>
-              <a:t>11/18/2018</a:t>
+              <a:t>11/24/2018</a:t>
             </a:fld>
             <a:endParaRPr lang="en-US"/>
           </a:p>
@@ -3197,7 +3200,7 @@
             <a:fld id="{53074F12-AA26-4AC8-9962-C36BB8F32554}" type="datetimeFigureOut">
               <a:rPr lang="en-US" smtClean="0"/>
               <a:pPr/>
-              <a:t>11/18/2018</a:t>
+              <a:t>11/24/2018</a:t>
             </a:fld>
             <a:endParaRPr lang="en-US"/>
           </a:p>
@@ -3294,7 +3297,7 @@
             <a:fld id="{53074F12-AA26-4AC8-9962-C36BB8F32554}" type="datetimeFigureOut">
               <a:rPr lang="en-US" smtClean="0"/>
               <a:pPr/>
-              <a:t>11/18/2018</a:t>
+              <a:t>11/24/2018</a:t>
             </a:fld>
             <a:endParaRPr lang="en-US"/>
           </a:p>
@@ -3596,7 +3599,7 @@
             <a:fld id="{53074F12-AA26-4AC8-9962-C36BB8F32554}" type="datetimeFigureOut">
               <a:rPr lang="en-US" smtClean="0"/>
               <a:pPr/>
-              <a:t>11/18/2018</a:t>
+              <a:t>11/24/2018</a:t>
             </a:fld>
             <a:endParaRPr lang="en-US"/>
           </a:p>
@@ -3820,7 +3823,7 @@
             <a:fld id="{53074F12-AA26-4AC8-9962-C36BB8F32554}" type="datetimeFigureOut">
               <a:rPr lang="en-US" smtClean="0"/>
               <a:pPr/>
-              <a:t>11/18/2018</a:t>
+              <a:t>11/24/2018</a:t>
             </a:fld>
             <a:endParaRPr lang="en-US"/>
           </a:p>
@@ -4216,8 +4219,8 @@
         </p:nvSpPr>
         <p:spPr>
           <a:xfrm>
-            <a:off x="3733800" y="4826000"/>
-            <a:ext cx="5029200" cy="1016000"/>
+            <a:off x="3733800" y="685800"/>
+            <a:ext cx="5029200" cy="3810000"/>
           </a:xfrm>
         </p:spPr>
         <p:txBody>
@@ -4227,16 +4230,48 @@
           <a:lstStyle/>
           <a:p>
             <a:r>
-              <a:rPr lang="en-US" sz="3000" dirty="0"/>
+              <a:rPr lang="en-US" sz="4000" dirty="0"/>
               <a:t>NBA Win Rate and</a:t>
+            </a:r>
+            <a:br>
+              <a:rPr lang="en-US" sz="4000" dirty="0"/>
+            </a:br>
+            <a:r>
+              <a:rPr lang="en-US" sz="4000" dirty="0"/>
+              <a:t>Betting Predictions</a:t>
             </a:r>
             <a:br>
               <a:rPr lang="en-US" sz="3000" dirty="0"/>
             </a:br>
-            <a:r>
+            <a:br>
               <a:rPr lang="en-US" sz="3000" dirty="0"/>
-              <a:t>Betting Predictions</a:t>
-            </a:r>
+            </a:br>
+            <a:br>
+              <a:rPr lang="en-US" sz="3000" dirty="0"/>
+            </a:br>
+            <a:r>
+              <a:rPr lang="en-US" sz="3000" dirty="0"/>
+              <a:t>ECE 143 Project</a:t>
+            </a:r>
+            <a:br>
+              <a:rPr lang="en-US" sz="3000" dirty="0"/>
+            </a:br>
+            <a:r>
+              <a:rPr lang="en-US" sz="3000" dirty="0"/>
+              <a:t>Fall 2018</a:t>
+            </a:r>
+            <a:br>
+              <a:rPr lang="en-US" sz="3000" dirty="0"/>
+            </a:br>
+            <a:r>
+              <a:rPr lang="en-US" sz="3000" dirty="0"/>
+              <a:t>Professor José </a:t>
+            </a:r>
+            <a:r>
+              <a:rPr lang="en-US" sz="3000" dirty="0" err="1"/>
+              <a:t>Unpingco</a:t>
+            </a:r>
+            <a:endParaRPr lang="en-US" sz="3000" dirty="0"/>
           </a:p>
         </p:txBody>
       </p:sp>
@@ -4299,7 +4334,12 @@
             <p:ph type="subTitle" idx="1"/>
           </p:nvPr>
         </p:nvSpPr>
-        <p:spPr/>
+        <p:spPr>
+          <a:xfrm>
+            <a:off x="3568990" y="4800600"/>
+            <a:ext cx="4953000" cy="914400"/>
+          </a:xfrm>
+        </p:spPr>
         <p:txBody>
           <a:bodyPr/>
           <a:lstStyle/>
@@ -4307,45 +4347,6 @@
             <a:r>
               <a:rPr lang="en-US" dirty="0"/>
               <a:t>Names here</a:t>
-            </a:r>
-          </a:p>
-        </p:txBody>
-      </p:sp>
-      <p:sp>
-        <p:nvSpPr>
-          <p:cNvPr id="7" name="TextBox 6">
-            <a:extLst>
-              <a:ext uri="{FF2B5EF4-FFF2-40B4-BE49-F238E27FC236}">
-                <a16:creationId xmlns:a16="http://schemas.microsoft.com/office/drawing/2014/main" id="{CB49A2CF-AD55-4917-A763-E83F2EB1DE0B}"/>
-              </a:ext>
-            </a:extLst>
-          </p:cNvPr>
-          <p:cNvSpPr txBox="1"/>
-          <p:nvPr/>
-        </p:nvSpPr>
-        <p:spPr>
-          <a:xfrm>
-            <a:off x="5334000" y="1892112"/>
-            <a:ext cx="2438400" cy="1938992"/>
-          </a:xfrm>
-          <a:prstGeom prst="rect">
-            <a:avLst/>
-          </a:prstGeom>
-          <a:noFill/>
-        </p:spPr>
-        <p:txBody>
-          <a:bodyPr wrap="square" rtlCol="0">
-            <a:spAutoFit/>
-          </a:bodyPr>
-          <a:lstStyle/>
-          <a:p>
-            <a:r>
-              <a:rPr lang="en-US" sz="3000" dirty="0">
-                <a:solidFill>
-                  <a:schemeClr val="bg1"/>
-                </a:solidFill>
-              </a:rPr>
-              <a:t>Picture of graph or something here</a:t>
             </a:r>
           </a:p>
         </p:txBody>
@@ -4396,12 +4397,22 @@
             <p:ph type="title"/>
           </p:nvPr>
         </p:nvSpPr>
-        <p:spPr/>
-        <p:txBody>
-          <a:bodyPr/>
+        <p:spPr>
+          <a:xfrm>
+            <a:off x="2895600" y="390767"/>
+            <a:ext cx="3352800" cy="994870"/>
+          </a:xfrm>
+        </p:spPr>
+        <p:txBody>
+          <a:bodyPr>
+            <a:normAutofit/>
+          </a:bodyPr>
           <a:lstStyle/>
           <a:p>
-            <a:endParaRPr lang="en-US"/>
+            <a:r>
+              <a:rPr lang="en-US" sz="4000" dirty="0"/>
+              <a:t>Background</a:t>
+            </a:r>
           </a:p>
         </p:txBody>
       </p:sp>
@@ -4421,15 +4432,79 @@
             <p:ph idx="1"/>
           </p:nvPr>
         </p:nvSpPr>
-        <p:spPr/>
-        <p:txBody>
-          <a:bodyPr/>
+        <p:spPr>
+          <a:xfrm>
+            <a:off x="491182" y="1443835"/>
+            <a:ext cx="8161635" cy="1985165"/>
+          </a:xfrm>
+        </p:spPr>
+        <p:txBody>
+          <a:bodyPr>
+            <a:normAutofit/>
+          </a:bodyPr>
           <a:lstStyle/>
           <a:p>
-            <a:endParaRPr lang="en-US"/>
-          </a:p>
-        </p:txBody>
-      </p:sp>
+            <a:r>
+              <a:rPr lang="en-US" sz="2400" dirty="0"/>
+              <a:t>The NBA is one of the most popular sports in the world</a:t>
+            </a:r>
+          </a:p>
+          <a:p>
+            <a:r>
+              <a:rPr lang="en-US" sz="2400" dirty="0"/>
+              <a:t>Teams with overall better players do not always win</a:t>
+            </a:r>
+          </a:p>
+          <a:p>
+            <a:r>
+              <a:rPr lang="en-US" sz="2400" dirty="0"/>
+              <a:t>NBA betting is a multibillion dollar industry</a:t>
+            </a:r>
+          </a:p>
+          <a:p>
+            <a:r>
+              <a:rPr lang="en-US" sz="2400" dirty="0"/>
+              <a:t>Every single NBA match has different betting odds</a:t>
+            </a:r>
+          </a:p>
+        </p:txBody>
+      </p:sp>
+      <p:pic>
+        <p:nvPicPr>
+          <p:cNvPr id="8" name="Picture 7">
+            <a:extLst>
+              <a:ext uri="{FF2B5EF4-FFF2-40B4-BE49-F238E27FC236}">
+                <a16:creationId xmlns:a16="http://schemas.microsoft.com/office/drawing/2014/main" id="{DA803A36-E05F-4EE4-8A16-5BF5DF88E41C}"/>
+              </a:ext>
+            </a:extLst>
+          </p:cNvPr>
+          <p:cNvPicPr>
+            <a:picLocks noChangeAspect="1"/>
+          </p:cNvPicPr>
+          <p:nvPr/>
+        </p:nvPicPr>
+        <p:blipFill>
+          <a:blip r:embed="rId2" cstate="print">
+            <a:extLst>
+              <a:ext uri="{28A0092B-C50C-407E-A947-70E740481C1C}">
+                <a14:useLocalDpi xmlns:a14="http://schemas.microsoft.com/office/drawing/2010/main" val="0"/>
+              </a:ext>
+            </a:extLst>
+          </a:blip>
+          <a:stretch>
+            <a:fillRect/>
+          </a:stretch>
+        </p:blipFill>
+        <p:spPr>
+          <a:xfrm>
+            <a:off x="2315121" y="3607598"/>
+            <a:ext cx="4513758" cy="2362200"/>
+          </a:xfrm>
+          <a:prstGeom prst="rect">
+            <a:avLst/>
+          </a:prstGeom>
+        </p:spPr>
+      </p:pic>
     </p:spTree>
     <p:extLst>
       <p:ext uri="{BB962C8B-B14F-4D97-AF65-F5344CB8AC3E}">
@@ -4476,37 +4551,22 @@
             <p:ph type="title"/>
           </p:nvPr>
         </p:nvSpPr>
-        <p:spPr/>
-        <p:txBody>
-          <a:bodyPr/>
+        <p:spPr>
+          <a:xfrm>
+            <a:off x="3117054" y="444809"/>
+            <a:ext cx="2909888" cy="893759"/>
+          </a:xfrm>
+        </p:spPr>
+        <p:txBody>
+          <a:bodyPr>
+            <a:noAutofit/>
+          </a:bodyPr>
           <a:lstStyle/>
           <a:p>
-            <a:endParaRPr lang="en-US"/>
-          </a:p>
-        </p:txBody>
-      </p:sp>
-      <p:sp>
-        <p:nvSpPr>
-          <p:cNvPr id="3" name="Text Placeholder 2">
-            <a:extLst>
-              <a:ext uri="{FF2B5EF4-FFF2-40B4-BE49-F238E27FC236}">
-                <a16:creationId xmlns:a16="http://schemas.microsoft.com/office/drawing/2014/main" id="{CA6A220C-FE6F-410C-9081-0F238CDFBD13}"/>
-              </a:ext>
-            </a:extLst>
-          </p:cNvPr>
-          <p:cNvSpPr>
-            <a:spLocks noGrp="1"/>
-          </p:cNvSpPr>
-          <p:nvPr>
-            <p:ph type="body" idx="1"/>
-          </p:nvPr>
-        </p:nvSpPr>
-        <p:spPr/>
-        <p:txBody>
-          <a:bodyPr/>
-          <a:lstStyle/>
-          <a:p>
-            <a:endParaRPr lang="en-US"/>
+            <a:r>
+              <a:rPr lang="en-US" sz="4000" dirty="0"/>
+              <a:t>Motivation</a:t>
+            </a:r>
           </a:p>
         </p:txBody>
       </p:sp>
@@ -4526,65 +4586,70 @@
             <p:ph sz="half" idx="2"/>
           </p:nvPr>
         </p:nvSpPr>
-        <p:spPr/>
+        <p:spPr>
+          <a:xfrm>
+            <a:off x="438148" y="1452868"/>
+            <a:ext cx="8267701" cy="2395232"/>
+          </a:xfrm>
+        </p:spPr>
         <p:txBody>
           <a:bodyPr/>
           <a:lstStyle/>
           <a:p>
-            <a:endParaRPr lang="en-US"/>
-          </a:p>
-        </p:txBody>
-      </p:sp>
-      <p:sp>
-        <p:nvSpPr>
-          <p:cNvPr id="5" name="Text Placeholder 4">
+            <a:r>
+              <a:rPr lang="en-US" dirty="0"/>
+              <a:t>Correctly predicting match outcomes improves earnings</a:t>
+            </a:r>
+          </a:p>
+          <a:p>
+            <a:r>
+              <a:rPr lang="en-US" dirty="0"/>
+              <a:t>Betting appropriate amounts based on betting odds also improves earnings</a:t>
+            </a:r>
+          </a:p>
+          <a:p>
+            <a:r>
+              <a:rPr lang="en-US" dirty="0"/>
+              <a:t>Not necessarily optimal to always bet on the predicted winning team</a:t>
+            </a:r>
+          </a:p>
+        </p:txBody>
+      </p:sp>
+      <p:pic>
+        <p:nvPicPr>
+          <p:cNvPr id="8" name="Content Placeholder 7">
             <a:extLst>
               <a:ext uri="{FF2B5EF4-FFF2-40B4-BE49-F238E27FC236}">
-                <a16:creationId xmlns:a16="http://schemas.microsoft.com/office/drawing/2014/main" id="{3A2177AF-F437-4727-9C6A-DE89054060D6}"/>
+                <a16:creationId xmlns:a16="http://schemas.microsoft.com/office/drawing/2014/main" id="{890E6803-930E-4707-9F83-4E753748D6A9}"/>
               </a:ext>
             </a:extLst>
           </p:cNvPr>
-          <p:cNvSpPr>
-            <a:spLocks noGrp="1"/>
-          </p:cNvSpPr>
-          <p:nvPr>
-            <p:ph type="body" sz="quarter" idx="3"/>
-          </p:nvPr>
-        </p:nvSpPr>
-        <p:spPr/>
-        <p:txBody>
-          <a:bodyPr/>
-          <a:lstStyle/>
-          <a:p>
-            <a:endParaRPr lang="en-US"/>
-          </a:p>
-        </p:txBody>
-      </p:sp>
-      <p:sp>
-        <p:nvSpPr>
-          <p:cNvPr id="6" name="Content Placeholder 5">
+          <p:cNvPicPr>
+            <a:picLocks noGrp="1" noChangeAspect="1"/>
+          </p:cNvPicPr>
+          <p:nvPr>
+            <p:ph sz="quarter" idx="4"/>
+          </p:nvPr>
+        </p:nvPicPr>
+        <p:blipFill>
+          <a:blip r:embed="rId2">
             <a:extLst>
-              <a:ext uri="{FF2B5EF4-FFF2-40B4-BE49-F238E27FC236}">
-                <a16:creationId xmlns:a16="http://schemas.microsoft.com/office/drawing/2014/main" id="{8642C9CC-CC77-406C-B477-FAC52D71AFF1}"/>
+              <a:ext uri="{28A0092B-C50C-407E-A947-70E740481C1C}">
+                <a14:useLocalDpi xmlns:a14="http://schemas.microsoft.com/office/drawing/2010/main" val="0"/>
               </a:ext>
             </a:extLst>
-          </p:cNvPr>
-          <p:cNvSpPr>
-            <a:spLocks noGrp="1"/>
-          </p:cNvSpPr>
-          <p:nvPr>
-            <p:ph sz="quarter" idx="4"/>
-          </p:nvPr>
-        </p:nvSpPr>
-        <p:spPr/>
-        <p:txBody>
-          <a:bodyPr/>
-          <a:lstStyle/>
-          <a:p>
-            <a:endParaRPr lang="en-US"/>
-          </a:p>
-        </p:txBody>
-      </p:sp>
+          </a:blip>
+          <a:stretch>
+            <a:fillRect/>
+          </a:stretch>
+        </p:blipFill>
+        <p:spPr>
+          <a:xfrm>
+            <a:off x="2743200" y="3886200"/>
+            <a:ext cx="4267200" cy="2080111"/>
+          </a:xfrm>
+        </p:spPr>
+      </p:pic>
     </p:spTree>
     <p:extLst>
       <p:ext uri="{BB962C8B-B14F-4D97-AF65-F5344CB8AC3E}">
@@ -4620,7 +4685,7 @@
           <p:cNvPr id="2" name="Title 1">
             <a:extLst>
               <a:ext uri="{FF2B5EF4-FFF2-40B4-BE49-F238E27FC236}">
-                <a16:creationId xmlns:a16="http://schemas.microsoft.com/office/drawing/2014/main" id="{9D23102D-4BEF-46CF-81D0-451AC35DB0E9}"/>
+                <a16:creationId xmlns:a16="http://schemas.microsoft.com/office/drawing/2014/main" id="{12622C76-1B4D-46DB-91AF-97C1B84A2289}"/>
               </a:ext>
             </a:extLst>
           </p:cNvPr>
@@ -4631,21 +4696,31 @@
             <p:ph type="title"/>
           </p:nvPr>
         </p:nvSpPr>
-        <p:spPr/>
-        <p:txBody>
-          <a:bodyPr/>
+        <p:spPr>
+          <a:xfrm>
+            <a:off x="3295648" y="466393"/>
+            <a:ext cx="2552700" cy="850591"/>
+          </a:xfrm>
+        </p:spPr>
+        <p:txBody>
+          <a:bodyPr>
+            <a:noAutofit/>
+          </a:bodyPr>
           <a:lstStyle/>
           <a:p>
-            <a:endParaRPr lang="en-US"/>
-          </a:p>
-        </p:txBody>
-      </p:sp>
-      <p:sp>
-        <p:nvSpPr>
-          <p:cNvPr id="3" name="Text Placeholder 2">
+            <a:r>
+              <a:rPr lang="en-US" sz="4000" dirty="0"/>
+              <a:t>Objective</a:t>
+            </a:r>
+          </a:p>
+        </p:txBody>
+      </p:sp>
+      <p:sp>
+        <p:nvSpPr>
+          <p:cNvPr id="4" name="Content Placeholder 3">
             <a:extLst>
               <a:ext uri="{FF2B5EF4-FFF2-40B4-BE49-F238E27FC236}">
-                <a16:creationId xmlns:a16="http://schemas.microsoft.com/office/drawing/2014/main" id="{690530A8-6CC7-411B-B9E1-ADCFA68DAE45}"/>
+                <a16:creationId xmlns:a16="http://schemas.microsoft.com/office/drawing/2014/main" id="{B5A51054-75B5-432E-8ABC-5A8E22D51226}"/>
               </a:ext>
             </a:extLst>
           </p:cNvPr>
@@ -4653,15 +4728,129 @@
             <a:spLocks noGrp="1"/>
           </p:cNvSpPr>
           <p:nvPr>
-            <p:ph type="body" idx="1"/>
-          </p:nvPr>
-        </p:nvSpPr>
-        <p:spPr/>
+            <p:ph sz="half" idx="2"/>
+          </p:nvPr>
+        </p:nvSpPr>
+        <p:spPr>
+          <a:xfrm>
+            <a:off x="438148" y="1452868"/>
+            <a:ext cx="8267701" cy="2395232"/>
+          </a:xfrm>
+        </p:spPr>
         <p:txBody>
           <a:bodyPr/>
           <a:lstStyle/>
           <a:p>
-            <a:endParaRPr lang="en-US"/>
+            <a:r>
+              <a:rPr lang="en-US" dirty="0"/>
+              <a:t>Our objective is to calculate each NBA team’s overall win rate for each year, and predict, for any given match, each team’s likelihood of winning based on the team rosters</a:t>
+            </a:r>
+          </a:p>
+          <a:p>
+            <a:r>
+              <a:rPr lang="en-US" dirty="0"/>
+              <a:t>We will also calculate betting odds based on the above likelihood and compare with the betting odds given by actual betting sites to determine the better team to bet</a:t>
+            </a:r>
+          </a:p>
+        </p:txBody>
+      </p:sp>
+      <p:pic>
+        <p:nvPicPr>
+          <p:cNvPr id="8" name="Content Placeholder 7">
+            <a:extLst>
+              <a:ext uri="{FF2B5EF4-FFF2-40B4-BE49-F238E27FC236}">
+                <a16:creationId xmlns:a16="http://schemas.microsoft.com/office/drawing/2014/main" id="{890E6803-930E-4707-9F83-4E753748D6A9}"/>
+              </a:ext>
+            </a:extLst>
+          </p:cNvPr>
+          <p:cNvPicPr>
+            <a:picLocks noGrp="1" noChangeAspect="1"/>
+          </p:cNvPicPr>
+          <p:nvPr>
+            <p:ph sz="quarter" idx="4"/>
+          </p:nvPr>
+        </p:nvPicPr>
+        <p:blipFill>
+          <a:blip r:embed="rId2">
+            <a:extLst>
+              <a:ext uri="{28A0092B-C50C-407E-A947-70E740481C1C}">
+                <a14:useLocalDpi xmlns:a14="http://schemas.microsoft.com/office/drawing/2010/main" val="0"/>
+              </a:ext>
+            </a:extLst>
+          </a:blip>
+          <a:stretch>
+            <a:fillRect/>
+          </a:stretch>
+        </p:blipFill>
+        <p:spPr>
+          <a:xfrm>
+            <a:off x="2819400" y="3983984"/>
+            <a:ext cx="4267200" cy="2080111"/>
+          </a:xfrm>
+        </p:spPr>
+      </p:pic>
+    </p:spTree>
+    <p:extLst>
+      <p:ext uri="{BB962C8B-B14F-4D97-AF65-F5344CB8AC3E}">
+        <p14:creationId xmlns:p14="http://schemas.microsoft.com/office/powerpoint/2010/main" val="1968768848"/>
+      </p:ext>
+    </p:extLst>
+  </p:cSld>
+  <p:clrMapOvr>
+    <a:masterClrMapping/>
+  </p:clrMapOvr>
+</p:sld>
+</file>
+
+<file path=ppt/slides/slide5.xml><?xml version="1.0" encoding="utf-8"?>
+<p:sld xmlns:a="http://schemas.openxmlformats.org/drawingml/2006/main" xmlns:r="http://schemas.openxmlformats.org/officeDocument/2006/relationships" xmlns:p="http://schemas.openxmlformats.org/presentationml/2006/main">
+  <p:cSld>
+    <p:spTree>
+      <p:nvGrpSpPr>
+        <p:cNvPr id="1" name=""/>
+        <p:cNvGrpSpPr/>
+        <p:nvPr/>
+      </p:nvGrpSpPr>
+      <p:grpSpPr>
+        <a:xfrm>
+          <a:off x="0" y="0"/>
+          <a:ext cx="0" cy="0"/>
+          <a:chOff x="0" y="0"/>
+          <a:chExt cx="0" cy="0"/>
+        </a:xfrm>
+      </p:grpSpPr>
+      <p:sp>
+        <p:nvSpPr>
+          <p:cNvPr id="2" name="Title 1">
+            <a:extLst>
+              <a:ext uri="{FF2B5EF4-FFF2-40B4-BE49-F238E27FC236}">
+                <a16:creationId xmlns:a16="http://schemas.microsoft.com/office/drawing/2014/main" id="{12622C76-1B4D-46DB-91AF-97C1B84A2289}"/>
+              </a:ext>
+            </a:extLst>
+          </p:cNvPr>
+          <p:cNvSpPr>
+            <a:spLocks noGrp="1"/>
+          </p:cNvSpPr>
+          <p:nvPr>
+            <p:ph type="title"/>
+          </p:nvPr>
+        </p:nvSpPr>
+        <p:spPr>
+          <a:xfrm>
+            <a:off x="2828922" y="466393"/>
+            <a:ext cx="3486152" cy="850591"/>
+          </a:xfrm>
+        </p:spPr>
+        <p:txBody>
+          <a:bodyPr>
+            <a:noAutofit/>
+          </a:bodyPr>
+          <a:lstStyle/>
+          <a:p>
+            <a:r>
+              <a:rPr lang="en-US" sz="4000" dirty="0"/>
+              <a:t>Methodology</a:t>
+            </a:r>
           </a:p>
         </p:txBody>
       </p:sp>
@@ -4670,7 +4859,7 @@
           <p:cNvPr id="4" name="Content Placeholder 3">
             <a:extLst>
               <a:ext uri="{FF2B5EF4-FFF2-40B4-BE49-F238E27FC236}">
-                <a16:creationId xmlns:a16="http://schemas.microsoft.com/office/drawing/2014/main" id="{C5073CC2-DE6D-4AD8-9313-F3A5892CB1BC}"/>
+                <a16:creationId xmlns:a16="http://schemas.microsoft.com/office/drawing/2014/main" id="{B5A51054-75B5-432E-8ABC-5A8E22D51226}"/>
               </a:ext>
             </a:extLst>
           </p:cNvPr>
@@ -4681,21 +4870,91 @@
             <p:ph sz="half" idx="2"/>
           </p:nvPr>
         </p:nvSpPr>
-        <p:spPr/>
-        <p:txBody>
-          <a:bodyPr/>
+        <p:spPr>
+          <a:xfrm>
+            <a:off x="438147" y="1452868"/>
+            <a:ext cx="8267701" cy="4566932"/>
+          </a:xfrm>
+        </p:spPr>
+        <p:txBody>
+          <a:bodyPr>
+            <a:normAutofit/>
+          </a:bodyPr>
           <a:lstStyle/>
           <a:p>
-            <a:endParaRPr lang="en-US"/>
-          </a:p>
-        </p:txBody>
-      </p:sp>
-      <p:sp>
-        <p:nvSpPr>
-          <p:cNvPr id="5" name="Text Placeholder 4">
+            <a:r>
+              <a:rPr lang="en-US" dirty="0"/>
+              <a:t>Scrape NBA players’ statistics, each match’s outcome, and each NBA team’s overall win rate for each of the last 30 years</a:t>
+            </a:r>
+          </a:p>
+          <a:p>
+            <a:r>
+              <a:rPr lang="en-US" dirty="0"/>
+              <a:t>Scrape historical betting odds for the last 10 years</a:t>
+            </a:r>
+          </a:p>
+          <a:p>
+            <a:r>
+              <a:rPr lang="en-US" dirty="0"/>
+              <a:t>Calculate the most impactful advanced player metric</a:t>
+            </a:r>
+          </a:p>
+          <a:p>
+            <a:r>
+              <a:rPr lang="en-US" dirty="0"/>
+              <a:t>Predict team’s overall yearly win rate based on players’ contributions</a:t>
+            </a:r>
+          </a:p>
+          <a:p>
+            <a:r>
+              <a:rPr lang="en-US" dirty="0"/>
+              <a:t>Predict each team’s win probability for every match in a given year</a:t>
+            </a:r>
+          </a:p>
+          <a:p>
+            <a:r>
+              <a:rPr lang="en-US" dirty="0"/>
+              <a:t>Calculate betting odds and compare with actual betting odds to recommend the optimal team to bet on</a:t>
+            </a:r>
+          </a:p>
+        </p:txBody>
+      </p:sp>
+    </p:spTree>
+    <p:extLst>
+      <p:ext uri="{BB962C8B-B14F-4D97-AF65-F5344CB8AC3E}">
+        <p14:creationId xmlns:p14="http://schemas.microsoft.com/office/powerpoint/2010/main" val="536605063"/>
+      </p:ext>
+    </p:extLst>
+  </p:cSld>
+  <p:clrMapOvr>
+    <a:masterClrMapping/>
+  </p:clrMapOvr>
+</p:sld>
+</file>
+
+<file path=ppt/slides/slide6.xml><?xml version="1.0" encoding="utf-8"?>
+<p:sld xmlns:a="http://schemas.openxmlformats.org/drawingml/2006/main" xmlns:r="http://schemas.openxmlformats.org/officeDocument/2006/relationships" xmlns:p="http://schemas.openxmlformats.org/presentationml/2006/main">
+  <p:cSld>
+    <p:spTree>
+      <p:nvGrpSpPr>
+        <p:cNvPr id="1" name=""/>
+        <p:cNvGrpSpPr/>
+        <p:nvPr/>
+      </p:nvGrpSpPr>
+      <p:grpSpPr>
+        <a:xfrm>
+          <a:off x="0" y="0"/>
+          <a:ext cx="0" cy="0"/>
+          <a:chOff x="0" y="0"/>
+          <a:chExt cx="0" cy="0"/>
+        </a:xfrm>
+      </p:grpSpPr>
+      <p:sp>
+        <p:nvSpPr>
+          <p:cNvPr id="2" name="Title 1">
             <a:extLst>
               <a:ext uri="{FF2B5EF4-FFF2-40B4-BE49-F238E27FC236}">
-                <a16:creationId xmlns:a16="http://schemas.microsoft.com/office/drawing/2014/main" id="{4E2D3B02-7548-49D0-AF70-F25EBD13AD69}"/>
+                <a16:creationId xmlns:a16="http://schemas.microsoft.com/office/drawing/2014/main" id="{12622C76-1B4D-46DB-91AF-97C1B84A2289}"/>
               </a:ext>
             </a:extLst>
           </p:cNvPr>
@@ -4703,47 +4962,213 @@
             <a:spLocks noGrp="1"/>
           </p:cNvSpPr>
           <p:nvPr>
-            <p:ph type="body" sz="quarter" idx="3"/>
-          </p:nvPr>
-        </p:nvSpPr>
-        <p:spPr/>
-        <p:txBody>
-          <a:bodyPr/>
+            <p:ph type="title"/>
+          </p:nvPr>
+        </p:nvSpPr>
+        <p:spPr>
+          <a:xfrm>
+            <a:off x="1490662" y="457200"/>
+            <a:ext cx="6162676" cy="685800"/>
+          </a:xfrm>
+        </p:spPr>
+        <p:txBody>
+          <a:bodyPr>
+            <a:noAutofit/>
+          </a:bodyPr>
           <a:lstStyle/>
           <a:p>
-            <a:endParaRPr lang="en-US"/>
-          </a:p>
-        </p:txBody>
-      </p:sp>
-      <p:sp>
-        <p:nvSpPr>
-          <p:cNvPr id="6" name="Content Placeholder 5">
+            <a:pPr algn="ctr"/>
+            <a:r>
+              <a:rPr lang="en-US" sz="4000" dirty="0"/>
+              <a:t>Advanced Player Stats</a:t>
+            </a:r>
+          </a:p>
+        </p:txBody>
+      </p:sp>
+      <p:pic>
+        <p:nvPicPr>
+          <p:cNvPr id="7" name="Picture 6">
             <a:extLst>
               <a:ext uri="{FF2B5EF4-FFF2-40B4-BE49-F238E27FC236}">
-                <a16:creationId xmlns:a16="http://schemas.microsoft.com/office/drawing/2014/main" id="{12D98F55-A6EF-48AC-AE99-875F4D066D46}"/>
+                <a16:creationId xmlns:a16="http://schemas.microsoft.com/office/drawing/2014/main" id="{F6F568AD-CD2E-4603-A76B-0D6629EBE245}"/>
               </a:ext>
             </a:extLst>
           </p:cNvPr>
-          <p:cNvSpPr>
-            <a:spLocks noGrp="1"/>
-          </p:cNvSpPr>
-          <p:nvPr>
-            <p:ph sz="quarter" idx="4"/>
-          </p:nvPr>
-        </p:nvSpPr>
-        <p:spPr/>
-        <p:txBody>
-          <a:bodyPr/>
+          <p:cNvPicPr>
+            <a:picLocks noChangeAspect="1"/>
+          </p:cNvPicPr>
+          <p:nvPr/>
+        </p:nvPicPr>
+        <p:blipFill>
+          <a:blip r:embed="rId2">
+            <a:extLst>
+              <a:ext uri="{28A0092B-C50C-407E-A947-70E740481C1C}">
+                <a14:useLocalDpi xmlns:a14="http://schemas.microsoft.com/office/drawing/2010/main" val="0"/>
+              </a:ext>
+            </a:extLst>
+          </a:blip>
+          <a:stretch>
+            <a:fillRect/>
+          </a:stretch>
+        </p:blipFill>
+        <p:spPr>
+          <a:xfrm>
+            <a:off x="3322608" y="1143000"/>
+            <a:ext cx="5364192" cy="5076825"/>
+          </a:xfrm>
+          <a:prstGeom prst="rect">
+            <a:avLst/>
+          </a:prstGeom>
+        </p:spPr>
+      </p:pic>
+      <p:sp>
+        <p:nvSpPr>
+          <p:cNvPr id="9" name="Content Placeholder 3">
+            <a:extLst>
+              <a:ext uri="{FF2B5EF4-FFF2-40B4-BE49-F238E27FC236}">
+                <a16:creationId xmlns:a16="http://schemas.microsoft.com/office/drawing/2014/main" id="{571828D7-AA7A-4F42-AFCE-35573AED3DC4}"/>
+              </a:ext>
+            </a:extLst>
+          </p:cNvPr>
+          <p:cNvSpPr>
+            <a:spLocks noGrp="1"/>
+          </p:cNvSpPr>
+          <p:nvPr>
+            <p:ph sz="half" idx="2"/>
+          </p:nvPr>
+        </p:nvSpPr>
+        <p:spPr>
+          <a:xfrm>
+            <a:off x="457200" y="1143000"/>
+            <a:ext cx="2609853" cy="5076824"/>
+          </a:xfrm>
+        </p:spPr>
+        <p:txBody>
+          <a:bodyPr>
+            <a:normAutofit/>
+          </a:bodyPr>
           <a:lstStyle/>
           <a:p>
-            <a:endParaRPr lang="en-US"/>
+            <a:r>
+              <a:rPr lang="en-US" dirty="0"/>
+              <a:t>Highest weighted: PER (Player Efficiency Rating), TRB% (Total Rebounds %)</a:t>
+            </a:r>
+          </a:p>
+          <a:p>
+            <a:endParaRPr lang="en-US" dirty="0"/>
+          </a:p>
+          <a:p>
+            <a:r>
+              <a:rPr lang="en-US" dirty="0"/>
+              <a:t>2 graphs?</a:t>
+            </a:r>
           </a:p>
         </p:txBody>
       </p:sp>
     </p:spTree>
     <p:extLst>
       <p:ext uri="{BB962C8B-B14F-4D97-AF65-F5344CB8AC3E}">
-        <p14:creationId xmlns:p14="http://schemas.microsoft.com/office/powerpoint/2010/main" val="1237840337"/>
+        <p14:creationId xmlns:p14="http://schemas.microsoft.com/office/powerpoint/2010/main" val="3381711502"/>
+      </p:ext>
+    </p:extLst>
+  </p:cSld>
+  <p:clrMapOvr>
+    <a:masterClrMapping/>
+  </p:clrMapOvr>
+</p:sld>
+</file>
+
+<file path=ppt/slides/slide7.xml><?xml version="1.0" encoding="utf-8"?>
+<p:sld xmlns:a="http://schemas.openxmlformats.org/drawingml/2006/main" xmlns:r="http://schemas.openxmlformats.org/officeDocument/2006/relationships" xmlns:p="http://schemas.openxmlformats.org/presentationml/2006/main">
+  <p:cSld>
+    <p:spTree>
+      <p:nvGrpSpPr>
+        <p:cNvPr id="1" name=""/>
+        <p:cNvGrpSpPr/>
+        <p:nvPr/>
+      </p:nvGrpSpPr>
+      <p:grpSpPr>
+        <a:xfrm>
+          <a:off x="0" y="0"/>
+          <a:ext cx="0" cy="0"/>
+          <a:chOff x="0" y="0"/>
+          <a:chExt cx="0" cy="0"/>
+        </a:xfrm>
+      </p:grpSpPr>
+      <p:sp>
+        <p:nvSpPr>
+          <p:cNvPr id="2" name="Title 1">
+            <a:extLst>
+              <a:ext uri="{FF2B5EF4-FFF2-40B4-BE49-F238E27FC236}">
+                <a16:creationId xmlns:a16="http://schemas.microsoft.com/office/drawing/2014/main" id="{12622C76-1B4D-46DB-91AF-97C1B84A2289}"/>
+              </a:ext>
+            </a:extLst>
+          </p:cNvPr>
+          <p:cNvSpPr>
+            <a:spLocks noGrp="1"/>
+          </p:cNvSpPr>
+          <p:nvPr>
+            <p:ph type="title"/>
+          </p:nvPr>
+        </p:nvSpPr>
+        <p:spPr>
+          <a:xfrm>
+            <a:off x="1181098" y="447343"/>
+            <a:ext cx="6781800" cy="850591"/>
+          </a:xfrm>
+        </p:spPr>
+        <p:txBody>
+          <a:bodyPr>
+            <a:noAutofit/>
+          </a:bodyPr>
+          <a:lstStyle/>
+          <a:p>
+            <a:r>
+              <a:rPr lang="en-US" sz="4000" dirty="0"/>
+              <a:t>Predicted Teams Win Rates</a:t>
+            </a:r>
+          </a:p>
+        </p:txBody>
+      </p:sp>
+      <p:pic>
+        <p:nvPicPr>
+          <p:cNvPr id="7" name="Content Placeholder 6">
+            <a:extLst>
+              <a:ext uri="{FF2B5EF4-FFF2-40B4-BE49-F238E27FC236}">
+                <a16:creationId xmlns:a16="http://schemas.microsoft.com/office/drawing/2014/main" id="{53DFA651-82AE-4586-85A8-744BC984A204}"/>
+              </a:ext>
+            </a:extLst>
+          </p:cNvPr>
+          <p:cNvPicPr>
+            <a:picLocks noGrp="1" noChangeAspect="1"/>
+          </p:cNvPicPr>
+          <p:nvPr>
+            <p:ph sz="half" idx="2"/>
+          </p:nvPr>
+        </p:nvPicPr>
+        <p:blipFill>
+          <a:blip r:embed="rId2">
+            <a:extLst>
+              <a:ext uri="{28A0092B-C50C-407E-A947-70E740481C1C}">
+                <a14:useLocalDpi xmlns:a14="http://schemas.microsoft.com/office/drawing/2010/main" val="0"/>
+              </a:ext>
+            </a:extLst>
+          </a:blip>
+          <a:stretch>
+            <a:fillRect/>
+          </a:stretch>
+        </p:blipFill>
+        <p:spPr>
+          <a:xfrm>
+            <a:off x="3733800" y="1297934"/>
+            <a:ext cx="4972050" cy="4793412"/>
+          </a:xfrm>
+        </p:spPr>
+      </p:pic>
+    </p:spTree>
+    <p:extLst>
+      <p:ext uri="{BB962C8B-B14F-4D97-AF65-F5344CB8AC3E}">
+        <p14:creationId xmlns:p14="http://schemas.microsoft.com/office/powerpoint/2010/main" val="4082703639"/>
       </p:ext>
     </p:extLst>
   </p:cSld>

--- a/Presentation.pptx
+++ b/Presentation.pptx
@@ -5,10 +5,10 @@
     <p:sldMasterId id="2147483648" r:id="rId1"/>
   </p:sldMasterIdLst>
   <p:notesMasterIdLst>
-    <p:notesMasterId r:id="rId9"/>
+    <p:notesMasterId r:id="rId14"/>
   </p:notesMasterIdLst>
   <p:handoutMasterIdLst>
-    <p:handoutMasterId r:id="rId10"/>
+    <p:handoutMasterId r:id="rId15"/>
   </p:handoutMasterIdLst>
   <p:sldIdLst>
     <p:sldId id="256" r:id="rId2"/>
@@ -16,8 +16,13 @@
     <p:sldId id="260" r:id="rId4"/>
     <p:sldId id="263" r:id="rId5"/>
     <p:sldId id="264" r:id="rId6"/>
-    <p:sldId id="265" r:id="rId7"/>
+    <p:sldId id="267" r:id="rId7"/>
     <p:sldId id="266" r:id="rId8"/>
+    <p:sldId id="274" r:id="rId9"/>
+    <p:sldId id="270" r:id="rId10"/>
+    <p:sldId id="271" r:id="rId11"/>
+    <p:sldId id="272" r:id="rId12"/>
+    <p:sldId id="273" r:id="rId13"/>
   </p:sldIdLst>
   <p:sldSz cx="9144000" cy="6858000" type="screen4x3"/>
   <p:notesSz cx="6858000" cy="9144000"/>
@@ -231,7 +236,7 @@
           <a:p>
             <a:fld id="{D9F22B22-81B2-426B-B13F-917D5E416A93}" type="datetimeFigureOut">
               <a:rPr lang="en-US" smtClean="0"/>
-              <a:t>11/24/2018</a:t>
+              <a:t>11/26/2018</a:t>
             </a:fld>
             <a:endParaRPr lang="en-US"/>
           </a:p>
@@ -396,7 +401,7 @@
           <a:p>
             <a:fld id="{545B8DFF-3B96-41A0-9B28-6E55A2E48E01}" type="datetimeFigureOut">
               <a:rPr lang="en-US" smtClean="0"/>
-              <a:t>11/24/2018</a:t>
+              <a:t>11/26/2018</a:t>
             </a:fld>
             <a:endParaRPr lang="en-US"/>
           </a:p>
@@ -865,10 +870,9 @@
           <a:bodyPr/>
           <a:lstStyle/>
           <a:p>
-            <a:fld id="{53074F12-AA26-4AC8-9962-C36BB8F32554}" type="datetimeFigureOut">
+            <a:fld id="{52A8A3B5-A89D-4720-99BE-E8228072A383}" type="datetime1">
               <a:rPr lang="en-US" smtClean="0"/>
-              <a:pPr/>
-              <a:t>11/24/2018</a:t>
+              <a:t>11/26/2018</a:t>
             </a:fld>
             <a:endParaRPr lang="en-US"/>
           </a:p>
@@ -906,14 +910,22 @@
         <p:spPr/>
         <p:txBody>
           <a:bodyPr/>
-          <a:lstStyle/>
+          <a:lstStyle>
+            <a:lvl1pPr>
+              <a:defRPr sz="1400">
+                <a:solidFill>
+                  <a:schemeClr val="bg1"/>
+                </a:solidFill>
+              </a:defRPr>
+            </a:lvl1pPr>
+          </a:lstStyle>
           <a:p>
             <a:fld id="{B82CCC60-E8CD-4174-8B1A-7DF615B22EEF}" type="slidenum">
               <a:rPr lang="en-US" smtClean="0"/>
               <a:pPr/>
               <a:t>‹#›</a:t>
             </a:fld>
-            <a:endParaRPr lang="en-US"/>
+            <a:endParaRPr lang="en-US" dirty="0"/>
           </a:p>
         </p:txBody>
       </p:sp>
@@ -927,6 +939,13 @@
   <p:clrMapOvr>
     <a:masterClrMapping/>
   </p:clrMapOvr>
+  <p:timing>
+    <p:tnLst>
+      <p:par>
+        <p:cTn id="1" dur="indefinite" restart="never" nodeType="tmRoot"/>
+      </p:par>
+    </p:tnLst>
+  </p:timing>
 </p:sldLayout>
 </file>
 
@@ -1126,10 +1145,9 @@
           <a:bodyPr/>
           <a:lstStyle/>
           <a:p>
-            <a:fld id="{53074F12-AA26-4AC8-9962-C36BB8F32554}" type="datetimeFigureOut">
+            <a:fld id="{060188E8-13B8-4502-ADDA-818E563F924C}" type="datetime1">
               <a:rPr lang="en-US" smtClean="0"/>
-              <a:pPr/>
-              <a:t>11/24/2018</a:t>
+              <a:t>11/26/2018</a:t>
             </a:fld>
             <a:endParaRPr lang="en-US"/>
           </a:p>
@@ -1333,10 +1351,9 @@
           <a:bodyPr/>
           <a:lstStyle/>
           <a:p>
-            <a:fld id="{53074F12-AA26-4AC8-9962-C36BB8F32554}" type="datetimeFigureOut">
+            <a:fld id="{653D1967-DC9D-4CBC-9000-169C0B401FD7}" type="datetime1">
               <a:rPr lang="en-US" smtClean="0"/>
-              <a:pPr/>
-              <a:t>11/24/2018</a:t>
+              <a:t>11/26/2018</a:t>
             </a:fld>
             <a:endParaRPr lang="en-US"/>
           </a:p>
@@ -1550,10 +1567,9 @@
           <a:bodyPr/>
           <a:lstStyle/>
           <a:p>
-            <a:fld id="{53074F12-AA26-4AC8-9962-C36BB8F32554}" type="datetimeFigureOut">
+            <a:fld id="{E3BADE23-AD5F-4E2B-AB48-4A48F9A6C24C}" type="datetime1">
               <a:rPr lang="en-US" smtClean="0"/>
-              <a:pPr/>
-              <a:t>11/24/2018</a:t>
+              <a:t>11/26/2018</a:t>
             </a:fld>
             <a:endParaRPr lang="en-US"/>
           </a:p>
@@ -1778,10 +1794,9 @@
           <a:bodyPr/>
           <a:lstStyle/>
           <a:p>
-            <a:fld id="{53074F12-AA26-4AC8-9962-C36BB8F32554}" type="datetimeFigureOut">
+            <a:fld id="{226F779D-FD8F-474D-84E8-B7FD44D8EA93}" type="datetime1">
               <a:rPr lang="en-US" smtClean="0"/>
-              <a:pPr/>
-              <a:t>11/24/2018</a:t>
+              <a:t>11/26/2018</a:t>
             </a:fld>
             <a:endParaRPr lang="en-US"/>
           </a:p>
@@ -2020,10 +2035,9 @@
           <a:bodyPr/>
           <a:lstStyle/>
           <a:p>
-            <a:fld id="{53074F12-AA26-4AC8-9962-C36BB8F32554}" type="datetimeFigureOut">
+            <a:fld id="{A4141C93-4665-487C-8712-10DCF8DA738F}" type="datetime1">
               <a:rPr lang="en-US" smtClean="0"/>
-              <a:pPr/>
-              <a:t>11/24/2018</a:t>
+              <a:t>11/26/2018</a:t>
             </a:fld>
             <a:endParaRPr lang="en-US"/>
           </a:p>
@@ -2266,10 +2280,9 @@
           <a:bodyPr/>
           <a:lstStyle/>
           <a:p>
-            <a:fld id="{53074F12-AA26-4AC8-9962-C36BB8F32554}" type="datetimeFigureOut">
+            <a:fld id="{6AE33190-D744-4FC1-98F6-F6F9B2A3FB6E}" type="datetime1">
               <a:rPr lang="en-US" smtClean="0"/>
-              <a:pPr/>
-              <a:t>11/24/2018</a:t>
+              <a:t>11/26/2018</a:t>
             </a:fld>
             <a:endParaRPr lang="en-US"/>
           </a:p>
@@ -2595,10 +2608,9 @@
           <a:bodyPr/>
           <a:lstStyle/>
           <a:p>
-            <a:fld id="{53074F12-AA26-4AC8-9962-C36BB8F32554}" type="datetimeFigureOut">
+            <a:fld id="{2CA280FD-E627-4057-ADBA-4E97494F3D12}" type="datetime1">
               <a:rPr lang="en-US" smtClean="0"/>
-              <a:pPr/>
-              <a:t>11/24/2018</a:t>
+              <a:t>11/26/2018</a:t>
             </a:fld>
             <a:endParaRPr lang="en-US"/>
           </a:p>
@@ -3078,10 +3090,9 @@
           <a:bodyPr/>
           <a:lstStyle/>
           <a:p>
-            <a:fld id="{53074F12-AA26-4AC8-9962-C36BB8F32554}" type="datetimeFigureOut">
+            <a:fld id="{B473FB74-BFAC-4751-95FD-42CF827C2A51}" type="datetime1">
               <a:rPr lang="en-US" smtClean="0"/>
-              <a:pPr/>
-              <a:t>11/24/2018</a:t>
+              <a:t>11/26/2018</a:t>
             </a:fld>
             <a:endParaRPr lang="en-US"/>
           </a:p>
@@ -3116,17 +3127,30 @@
             <p:ph type="sldNum" sz="quarter" idx="12"/>
           </p:nvPr>
         </p:nvSpPr>
-        <p:spPr/>
+        <p:spPr>
+          <a:xfrm>
+            <a:off x="6694941" y="6319579"/>
+            <a:ext cx="2133600" cy="365125"/>
+          </a:xfrm>
+        </p:spPr>
         <p:txBody>
           <a:bodyPr/>
-          <a:lstStyle/>
+          <a:lstStyle>
+            <a:lvl1pPr>
+              <a:defRPr sz="1600">
+                <a:solidFill>
+                  <a:schemeClr val="bg1"/>
+                </a:solidFill>
+              </a:defRPr>
+            </a:lvl1pPr>
+          </a:lstStyle>
           <a:p>
             <a:fld id="{B82CCC60-E8CD-4174-8B1A-7DF615B22EEF}" type="slidenum">
               <a:rPr lang="en-US" smtClean="0"/>
               <a:pPr/>
               <a:t>‹#›</a:t>
             </a:fld>
-            <a:endParaRPr lang="en-US"/>
+            <a:endParaRPr lang="en-US" dirty="0"/>
           </a:p>
         </p:txBody>
       </p:sp>
@@ -3140,6 +3164,13 @@
   <p:clrMapOvr>
     <a:masterClrMapping/>
   </p:clrMapOvr>
+  <p:timing>
+    <p:tnLst>
+      <p:par>
+        <p:cTn id="1" dur="indefinite" restart="never" nodeType="tmRoot"/>
+      </p:par>
+    </p:tnLst>
+  </p:timing>
 </p:sldLayout>
 </file>
 
@@ -3197,10 +3228,9 @@
           <a:bodyPr/>
           <a:lstStyle/>
           <a:p>
-            <a:fld id="{53074F12-AA26-4AC8-9962-C36BB8F32554}" type="datetimeFigureOut">
+            <a:fld id="{19F22DEC-5725-4AC3-821A-0742989A29C8}" type="datetime1">
               <a:rPr lang="en-US" smtClean="0"/>
-              <a:pPr/>
-              <a:t>11/24/2018</a:t>
+              <a:t>11/26/2018</a:t>
             </a:fld>
             <a:endParaRPr lang="en-US"/>
           </a:p>
@@ -3294,10 +3324,9 @@
           <a:bodyPr/>
           <a:lstStyle/>
           <a:p>
-            <a:fld id="{53074F12-AA26-4AC8-9962-C36BB8F32554}" type="datetimeFigureOut">
+            <a:fld id="{50E9D054-F64D-48ED-8628-175793F934BA}" type="datetime1">
               <a:rPr lang="en-US" smtClean="0"/>
-              <a:pPr/>
-              <a:t>11/24/2018</a:t>
+              <a:t>11/26/2018</a:t>
             </a:fld>
             <a:endParaRPr lang="en-US"/>
           </a:p>
@@ -3596,10 +3625,9 @@
           <a:bodyPr/>
           <a:lstStyle/>
           <a:p>
-            <a:fld id="{53074F12-AA26-4AC8-9962-C36BB8F32554}" type="datetimeFigureOut">
+            <a:fld id="{19047D84-D046-4F12-BC2B-66A1B322559B}" type="datetime1">
               <a:rPr lang="en-US" smtClean="0"/>
-              <a:pPr/>
-              <a:t>11/24/2018</a:t>
+              <a:t>11/26/2018</a:t>
             </a:fld>
             <a:endParaRPr lang="en-US"/>
           </a:p>
@@ -3820,10 +3848,9 @@
             </a:lvl1pPr>
           </a:lstStyle>
           <a:p>
-            <a:fld id="{53074F12-AA26-4AC8-9962-C36BB8F32554}" type="datetimeFigureOut">
+            <a:fld id="{6A3D4D7F-EF61-4823-A143-1357BB2E1111}" type="datetime1">
               <a:rPr lang="en-US" smtClean="0"/>
-              <a:pPr/>
-              <a:t>11/24/2018</a:t>
+              <a:t>11/26/2018</a:t>
             </a:fld>
             <a:endParaRPr lang="en-US"/>
           </a:p>
@@ -3930,6 +3957,14 @@
     <p:sldLayoutId id="2147483658" r:id="rId11"/>
     <p:sldLayoutId id="2147483659" r:id="rId12"/>
   </p:sldLayoutIdLst>
+  <p:timing>
+    <p:tnLst>
+      <p:par>
+        <p:cTn id="1" dur="indefinite" restart="never" nodeType="tmRoot"/>
+      </p:par>
+    </p:tnLst>
+  </p:timing>
+  <p:hf hdr="0" ftr="0" dt="0"/>
   <p:txStyles>
     <p:titleStyle>
       <a:lvl1pPr algn="ctr" defTabSz="914400" rtl="0" eaLnBrk="1" latinLnBrk="0" hangingPunct="1">
@@ -4230,22 +4265,34 @@
           <a:lstStyle/>
           <a:p>
             <a:r>
-              <a:rPr lang="en-US" sz="4000" dirty="0"/>
+              <a:rPr lang="en-US" sz="4200" dirty="0"/>
               <a:t>NBA Win Rate and</a:t>
             </a:r>
             <a:br>
-              <a:rPr lang="en-US" sz="4000" dirty="0"/>
+              <a:rPr lang="en-US" sz="4200" dirty="0"/>
             </a:br>
             <a:r>
-              <a:rPr lang="en-US" sz="4000" dirty="0"/>
+              <a:rPr lang="en-US" sz="4200" dirty="0"/>
               <a:t>Betting Predictions</a:t>
+            </a:r>
+            <a:r>
+              <a:rPr lang="en-US" sz="3000" dirty="0"/>
+              <a:t/>
             </a:r>
             <a:br>
               <a:rPr lang="en-US" sz="3000" dirty="0"/>
             </a:br>
+            <a:r>
+              <a:rPr lang="en-US" sz="3000" dirty="0"/>
+              <a:t/>
+            </a:r>
             <a:br>
               <a:rPr lang="en-US" sz="3000" dirty="0"/>
             </a:br>
+            <a:r>
+              <a:rPr lang="en-US" sz="3000" dirty="0"/>
+              <a:t/>
+            </a:r>
             <a:br>
               <a:rPr lang="en-US" sz="3000" dirty="0"/>
             </a:br>
@@ -4275,49 +4322,6 @@
           </a:p>
         </p:txBody>
       </p:sp>
-      <p:pic>
-        <p:nvPicPr>
-          <p:cNvPr id="4" name="Picture 2" descr="E:\cloud\drive\websites\ppttemplate\ppt\logo-ppttemplate.png">
-            <a:hlinkClick r:id="rId2"/>
-          </p:cNvPr>
-          <p:cNvPicPr>
-            <a:picLocks noChangeAspect="1" noChangeArrowheads="1"/>
-          </p:cNvPicPr>
-          <p:nvPr/>
-        </p:nvPicPr>
-        <p:blipFill>
-          <a:blip r:embed="rId3" cstate="print">
-            <a:extLst>
-              <a:ext uri="{28A0092B-C50C-407E-A947-70E740481C1C}">
-                <a14:useLocalDpi xmlns:a14="http://schemas.microsoft.com/office/drawing/2010/main" val="0"/>
-              </a:ext>
-            </a:extLst>
-          </a:blip>
-          <a:srcRect/>
-          <a:stretch>
-            <a:fillRect/>
-          </a:stretch>
-        </p:blipFill>
-        <p:spPr bwMode="auto">
-          <a:xfrm>
-            <a:off x="7976181" y="6606315"/>
-            <a:ext cx="1167819" cy="251685"/>
-          </a:xfrm>
-          <a:prstGeom prst="rect">
-            <a:avLst/>
-          </a:prstGeom>
-          <a:noFill/>
-          <a:extLst>
-            <a:ext uri="{909E8E84-426E-40DD-AFC4-6F175D3DCCD1}">
-              <a14:hiddenFill xmlns:a14="http://schemas.microsoft.com/office/drawing/2010/main">
-                <a:solidFill>
-                  <a:srgbClr val="FFFFFF"/>
-                </a:solidFill>
-              </a14:hiddenFill>
-            </a:ext>
-          </a:extLst>
-        </p:spPr>
-      </p:pic>
       <p:sp>
         <p:nvSpPr>
           <p:cNvPr id="6" name="Subtitle 5">
@@ -4336,18 +4340,250 @@
         </p:nvSpPr>
         <p:spPr>
           <a:xfrm>
-            <a:off x="3568990" y="4800600"/>
-            <a:ext cx="4953000" cy="914400"/>
+            <a:off x="6019800" y="4938253"/>
+            <a:ext cx="2648597" cy="773543"/>
           </a:xfrm>
         </p:spPr>
         <p:txBody>
+          <a:bodyPr>
+            <a:normAutofit/>
+          </a:bodyPr>
+          <a:lstStyle/>
+          <a:p>
+            <a:r>
+              <a:rPr lang="en-US" dirty="0" smtClean="0"/>
+              <a:t>Jeffrey Yeung</a:t>
+            </a:r>
+          </a:p>
+          <a:p>
+            <a:r>
+              <a:rPr lang="en-US" dirty="0" err="1" smtClean="0"/>
+              <a:t>Yidi</a:t>
+            </a:r>
+            <a:r>
+              <a:rPr lang="en-US" dirty="0" smtClean="0"/>
+              <a:t> Zhu</a:t>
+            </a:r>
+            <a:endParaRPr lang="en-US" dirty="0"/>
+          </a:p>
+        </p:txBody>
+      </p:sp>
+      <p:sp>
+        <p:nvSpPr>
+          <p:cNvPr id="5" name="Subtitle 5">
+            <a:extLst>
+              <a:ext uri="{FF2B5EF4-FFF2-40B4-BE49-F238E27FC236}">
+                <a16:creationId xmlns:a16="http://schemas.microsoft.com/office/drawing/2014/main" id="{D35F07C7-CC32-4E53-A2D2-89E1C3F9748A}"/>
+              </a:ext>
+            </a:extLst>
+          </p:cNvPr>
+          <p:cNvSpPr txBox="1">
+            <a:spLocks/>
+          </p:cNvSpPr>
+          <p:nvPr/>
+        </p:nvSpPr>
+        <p:spPr>
+          <a:xfrm>
+            <a:off x="3886200" y="4938252"/>
+            <a:ext cx="2648597" cy="773543"/>
+          </a:xfrm>
+          <a:prstGeom prst="rect">
+            <a:avLst/>
+          </a:prstGeom>
+        </p:spPr>
+        <p:txBody>
+          <a:bodyPr vert="horz" lIns="91440" tIns="45720" rIns="91440" bIns="45720" rtlCol="0">
+            <a:normAutofit/>
+          </a:bodyPr>
+          <a:lstStyle>
+            <a:lvl1pPr marL="0" indent="0" algn="ctr" defTabSz="914400" rtl="0" eaLnBrk="1" latinLnBrk="0" hangingPunct="1">
+              <a:spcBef>
+                <a:spcPct val="20000"/>
+              </a:spcBef>
+              <a:buFont typeface="Arial" pitchFamily="34" charset="0"/>
+              <a:buNone/>
+              <a:defRPr sz="2000" kern="1200">
+                <a:solidFill>
+                  <a:schemeClr val="bg1"/>
+                </a:solidFill>
+                <a:latin typeface="Microsoft New Tai Lue" pitchFamily="34" charset="0"/>
+                <a:ea typeface="+mn-ea"/>
+                <a:cs typeface="Microsoft New Tai Lue" pitchFamily="34" charset="0"/>
+              </a:defRPr>
+            </a:lvl1pPr>
+            <a:lvl2pPr marL="457200" indent="0" algn="ctr" defTabSz="914400" rtl="0" eaLnBrk="1" latinLnBrk="0" hangingPunct="1">
+              <a:spcBef>
+                <a:spcPct val="20000"/>
+              </a:spcBef>
+              <a:buFont typeface="Arial" pitchFamily="34" charset="0"/>
+              <a:buNone/>
+              <a:defRPr sz="2400" kern="1200">
+                <a:solidFill>
+                  <a:schemeClr val="tx1">
+                    <a:tint val="75000"/>
+                  </a:schemeClr>
+                </a:solidFill>
+                <a:latin typeface="Microsoft New Tai Lue" pitchFamily="34" charset="0"/>
+                <a:ea typeface="+mn-ea"/>
+                <a:cs typeface="Microsoft New Tai Lue" pitchFamily="34" charset="0"/>
+              </a:defRPr>
+            </a:lvl2pPr>
+            <a:lvl3pPr marL="914400" indent="0" algn="ctr" defTabSz="914400" rtl="0" eaLnBrk="1" latinLnBrk="0" hangingPunct="1">
+              <a:spcBef>
+                <a:spcPct val="20000"/>
+              </a:spcBef>
+              <a:buFont typeface="Arial" pitchFamily="34" charset="0"/>
+              <a:buNone/>
+              <a:defRPr sz="2000" kern="1200">
+                <a:solidFill>
+                  <a:schemeClr val="tx1">
+                    <a:tint val="75000"/>
+                  </a:schemeClr>
+                </a:solidFill>
+                <a:latin typeface="Microsoft New Tai Lue" pitchFamily="34" charset="0"/>
+                <a:ea typeface="+mn-ea"/>
+                <a:cs typeface="Microsoft New Tai Lue" pitchFamily="34" charset="0"/>
+              </a:defRPr>
+            </a:lvl3pPr>
+            <a:lvl4pPr marL="1371600" indent="0" algn="ctr" defTabSz="914400" rtl="0" eaLnBrk="1" latinLnBrk="0" hangingPunct="1">
+              <a:spcBef>
+                <a:spcPct val="20000"/>
+              </a:spcBef>
+              <a:buFont typeface="Arial" pitchFamily="34" charset="0"/>
+              <a:buNone/>
+              <a:defRPr sz="1800" kern="1200">
+                <a:solidFill>
+                  <a:schemeClr val="tx1">
+                    <a:tint val="75000"/>
+                  </a:schemeClr>
+                </a:solidFill>
+                <a:latin typeface="Microsoft New Tai Lue" pitchFamily="34" charset="0"/>
+                <a:ea typeface="+mn-ea"/>
+                <a:cs typeface="Microsoft New Tai Lue" pitchFamily="34" charset="0"/>
+              </a:defRPr>
+            </a:lvl4pPr>
+            <a:lvl5pPr marL="1828800" indent="0" algn="ctr" defTabSz="914400" rtl="0" eaLnBrk="1" latinLnBrk="0" hangingPunct="1">
+              <a:spcBef>
+                <a:spcPct val="20000"/>
+              </a:spcBef>
+              <a:buFont typeface="Arial" pitchFamily="34" charset="0"/>
+              <a:buNone/>
+              <a:defRPr sz="1800" kern="1200">
+                <a:solidFill>
+                  <a:schemeClr val="tx1">
+                    <a:tint val="75000"/>
+                  </a:schemeClr>
+                </a:solidFill>
+                <a:latin typeface="Microsoft New Tai Lue" pitchFamily="34" charset="0"/>
+                <a:ea typeface="+mn-ea"/>
+                <a:cs typeface="Microsoft New Tai Lue" pitchFamily="34" charset="0"/>
+              </a:defRPr>
+            </a:lvl5pPr>
+            <a:lvl6pPr marL="2286000" indent="0" algn="ctr" defTabSz="914400" rtl="0" eaLnBrk="1" latinLnBrk="0" hangingPunct="1">
+              <a:spcBef>
+                <a:spcPct val="20000"/>
+              </a:spcBef>
+              <a:buFont typeface="Arial" pitchFamily="34" charset="0"/>
+              <a:buNone/>
+              <a:defRPr sz="2000" kern="1200">
+                <a:solidFill>
+                  <a:schemeClr val="tx1">
+                    <a:tint val="75000"/>
+                  </a:schemeClr>
+                </a:solidFill>
+                <a:latin typeface="+mn-lt"/>
+                <a:ea typeface="+mn-ea"/>
+                <a:cs typeface="+mn-cs"/>
+              </a:defRPr>
+            </a:lvl6pPr>
+            <a:lvl7pPr marL="2743200" indent="0" algn="ctr" defTabSz="914400" rtl="0" eaLnBrk="1" latinLnBrk="0" hangingPunct="1">
+              <a:spcBef>
+                <a:spcPct val="20000"/>
+              </a:spcBef>
+              <a:buFont typeface="Arial" pitchFamily="34" charset="0"/>
+              <a:buNone/>
+              <a:defRPr sz="2000" kern="1200">
+                <a:solidFill>
+                  <a:schemeClr val="tx1">
+                    <a:tint val="75000"/>
+                  </a:schemeClr>
+                </a:solidFill>
+                <a:latin typeface="+mn-lt"/>
+                <a:ea typeface="+mn-ea"/>
+                <a:cs typeface="+mn-cs"/>
+              </a:defRPr>
+            </a:lvl7pPr>
+            <a:lvl8pPr marL="3200400" indent="0" algn="ctr" defTabSz="914400" rtl="0" eaLnBrk="1" latinLnBrk="0" hangingPunct="1">
+              <a:spcBef>
+                <a:spcPct val="20000"/>
+              </a:spcBef>
+              <a:buFont typeface="Arial" pitchFamily="34" charset="0"/>
+              <a:buNone/>
+              <a:defRPr sz="2000" kern="1200">
+                <a:solidFill>
+                  <a:schemeClr val="tx1">
+                    <a:tint val="75000"/>
+                  </a:schemeClr>
+                </a:solidFill>
+                <a:latin typeface="+mn-lt"/>
+                <a:ea typeface="+mn-ea"/>
+                <a:cs typeface="+mn-cs"/>
+              </a:defRPr>
+            </a:lvl8pPr>
+            <a:lvl9pPr marL="3657600" indent="0" algn="ctr" defTabSz="914400" rtl="0" eaLnBrk="1" latinLnBrk="0" hangingPunct="1">
+              <a:spcBef>
+                <a:spcPct val="20000"/>
+              </a:spcBef>
+              <a:buFont typeface="Arial" pitchFamily="34" charset="0"/>
+              <a:buNone/>
+              <a:defRPr sz="2000" kern="1200">
+                <a:solidFill>
+                  <a:schemeClr val="tx1">
+                    <a:tint val="75000"/>
+                  </a:schemeClr>
+                </a:solidFill>
+                <a:latin typeface="+mn-lt"/>
+                <a:ea typeface="+mn-ea"/>
+                <a:cs typeface="+mn-cs"/>
+              </a:defRPr>
+            </a:lvl9pPr>
+          </a:lstStyle>
+          <a:p>
+            <a:r>
+              <a:rPr lang="en-US" dirty="0" smtClean="0"/>
+              <a:t>name</a:t>
+            </a:r>
+          </a:p>
+          <a:p>
+            <a:r>
+              <a:rPr lang="en-US" dirty="0" smtClean="0"/>
+              <a:t>name</a:t>
+            </a:r>
+            <a:endParaRPr lang="en-US" dirty="0"/>
+          </a:p>
+        </p:txBody>
+      </p:sp>
+      <p:sp>
+        <p:nvSpPr>
+          <p:cNvPr id="3" name="Slide Number Placeholder 2"/>
+          <p:cNvSpPr>
+            <a:spLocks noGrp="1"/>
+          </p:cNvSpPr>
+          <p:nvPr>
+            <p:ph type="sldNum" sz="quarter" idx="12"/>
+          </p:nvPr>
+        </p:nvSpPr>
+        <p:spPr/>
+        <p:txBody>
           <a:bodyPr/>
           <a:lstStyle/>
           <a:p>
-            <a:r>
-              <a:rPr lang="en-US" dirty="0"/>
-              <a:t>Names here</a:t>
-            </a:r>
+            <a:fld id="{B82CCC60-E8CD-4174-8B1A-7DF615B22EEF}" type="slidenum">
+              <a:rPr lang="en-US" smtClean="0"/>
+              <a:pPr/>
+              <a:t>1</a:t>
+            </a:fld>
+            <a:endParaRPr lang="en-US"/>
           </a:p>
         </p:txBody>
       </p:sp>
@@ -4361,6 +4597,439 @@
   <p:clrMapOvr>
     <a:masterClrMapping/>
   </p:clrMapOvr>
+  <p:timing>
+    <p:tnLst>
+      <p:par>
+        <p:cTn id="1" dur="indefinite" restart="never" nodeType="tmRoot"/>
+      </p:par>
+    </p:tnLst>
+  </p:timing>
+</p:sld>
+</file>
+
+<file path=ppt/slides/slide10.xml><?xml version="1.0" encoding="utf-8"?>
+<p:sld xmlns:a="http://schemas.openxmlformats.org/drawingml/2006/main" xmlns:r="http://schemas.openxmlformats.org/officeDocument/2006/relationships" xmlns:p="http://schemas.openxmlformats.org/presentationml/2006/main">
+  <p:cSld>
+    <p:spTree>
+      <p:nvGrpSpPr>
+        <p:cNvPr id="1" name=""/>
+        <p:cNvGrpSpPr/>
+        <p:nvPr/>
+      </p:nvGrpSpPr>
+      <p:grpSpPr>
+        <a:xfrm>
+          <a:off x="0" y="0"/>
+          <a:ext cx="0" cy="0"/>
+          <a:chOff x="0" y="0"/>
+          <a:chExt cx="0" cy="0"/>
+        </a:xfrm>
+      </p:grpSpPr>
+      <p:sp>
+        <p:nvSpPr>
+          <p:cNvPr id="2" name="Title 1">
+            <a:extLst>
+              <a:ext uri="{FF2B5EF4-FFF2-40B4-BE49-F238E27FC236}">
+                <a16:creationId xmlns:a16="http://schemas.microsoft.com/office/drawing/2014/main" id="{12622C76-1B4D-46DB-91AF-97C1B84A2289}"/>
+              </a:ext>
+            </a:extLst>
+          </p:cNvPr>
+          <p:cNvSpPr>
+            <a:spLocks noGrp="1"/>
+          </p:cNvSpPr>
+          <p:nvPr>
+            <p:ph type="title"/>
+          </p:nvPr>
+        </p:nvSpPr>
+        <p:spPr>
+          <a:xfrm>
+            <a:off x="1228772" y="457200"/>
+            <a:ext cx="6815138" cy="685800"/>
+          </a:xfrm>
+        </p:spPr>
+        <p:txBody>
+          <a:bodyPr>
+            <a:noAutofit/>
+          </a:bodyPr>
+          <a:lstStyle/>
+          <a:p>
+            <a:pPr algn="ctr"/>
+            <a:r>
+              <a:rPr lang="en-US" sz="4000" dirty="0" smtClean="0"/>
+              <a:t>Slide about how good our recommendations are</a:t>
+            </a:r>
+            <a:endParaRPr lang="en-US" sz="4000" dirty="0"/>
+          </a:p>
+        </p:txBody>
+      </p:sp>
+      <p:sp>
+        <p:nvSpPr>
+          <p:cNvPr id="9" name="Content Placeholder 3">
+            <a:extLst>
+              <a:ext uri="{FF2B5EF4-FFF2-40B4-BE49-F238E27FC236}">
+                <a16:creationId xmlns:a16="http://schemas.microsoft.com/office/drawing/2014/main" id="{571828D7-AA7A-4F42-AFCE-35573AED3DC4}"/>
+              </a:ext>
+            </a:extLst>
+          </p:cNvPr>
+          <p:cNvSpPr>
+            <a:spLocks noGrp="1"/>
+          </p:cNvSpPr>
+          <p:nvPr>
+            <p:ph sz="half" idx="2"/>
+          </p:nvPr>
+        </p:nvSpPr>
+        <p:spPr>
+          <a:xfrm>
+            <a:off x="457200" y="1143000"/>
+            <a:ext cx="8229600" cy="2209800"/>
+          </a:xfrm>
+        </p:spPr>
+        <p:txBody>
+          <a:bodyPr>
+            <a:normAutofit/>
+          </a:bodyPr>
+          <a:lstStyle/>
+          <a:p>
+            <a:r>
+              <a:rPr lang="en-US" dirty="0" smtClean="0"/>
+              <a:t>Text</a:t>
+            </a:r>
+          </a:p>
+          <a:p>
+            <a:r>
+              <a:rPr lang="en-US" dirty="0" smtClean="0"/>
+              <a:t>Text</a:t>
+            </a:r>
+          </a:p>
+          <a:p>
+            <a:endParaRPr lang="en-US" dirty="0"/>
+          </a:p>
+        </p:txBody>
+      </p:sp>
+      <p:sp>
+        <p:nvSpPr>
+          <p:cNvPr id="3" name="Slide Number Placeholder 2"/>
+          <p:cNvSpPr>
+            <a:spLocks noGrp="1"/>
+          </p:cNvSpPr>
+          <p:nvPr>
+            <p:ph type="sldNum" sz="quarter" idx="12"/>
+          </p:nvPr>
+        </p:nvSpPr>
+        <p:spPr/>
+        <p:txBody>
+          <a:bodyPr/>
+          <a:lstStyle/>
+          <a:p>
+            <a:fld id="{B82CCC60-E8CD-4174-8B1A-7DF615B22EEF}" type="slidenum">
+              <a:rPr lang="en-US" smtClean="0"/>
+              <a:pPr/>
+              <a:t>10</a:t>
+            </a:fld>
+            <a:endParaRPr lang="en-US"/>
+          </a:p>
+        </p:txBody>
+      </p:sp>
+    </p:spTree>
+    <p:extLst>
+      <p:ext uri="{BB962C8B-B14F-4D97-AF65-F5344CB8AC3E}">
+        <p14:creationId xmlns:p14="http://schemas.microsoft.com/office/powerpoint/2010/main" val="1169549698"/>
+      </p:ext>
+    </p:extLst>
+  </p:cSld>
+  <p:clrMapOvr>
+    <a:masterClrMapping/>
+  </p:clrMapOvr>
+  <p:timing>
+    <p:tnLst>
+      <p:par>
+        <p:cTn id="1" dur="indefinite" restart="never" nodeType="tmRoot"/>
+      </p:par>
+    </p:tnLst>
+  </p:timing>
+</p:sld>
+</file>
+
+<file path=ppt/slides/slide11.xml><?xml version="1.0" encoding="utf-8"?>
+<p:sld xmlns:a="http://schemas.openxmlformats.org/drawingml/2006/main" xmlns:r="http://schemas.openxmlformats.org/officeDocument/2006/relationships" xmlns:p="http://schemas.openxmlformats.org/presentationml/2006/main">
+  <p:cSld>
+    <p:spTree>
+      <p:nvGrpSpPr>
+        <p:cNvPr id="1" name=""/>
+        <p:cNvGrpSpPr/>
+        <p:nvPr/>
+      </p:nvGrpSpPr>
+      <p:grpSpPr>
+        <a:xfrm>
+          <a:off x="0" y="0"/>
+          <a:ext cx="0" cy="0"/>
+          <a:chOff x="0" y="0"/>
+          <a:chExt cx="0" cy="0"/>
+        </a:xfrm>
+      </p:grpSpPr>
+      <p:sp>
+        <p:nvSpPr>
+          <p:cNvPr id="2" name="Title 1">
+            <a:extLst>
+              <a:ext uri="{FF2B5EF4-FFF2-40B4-BE49-F238E27FC236}">
+                <a16:creationId xmlns:a16="http://schemas.microsoft.com/office/drawing/2014/main" id="{12622C76-1B4D-46DB-91AF-97C1B84A2289}"/>
+              </a:ext>
+            </a:extLst>
+          </p:cNvPr>
+          <p:cNvSpPr>
+            <a:spLocks noGrp="1"/>
+          </p:cNvSpPr>
+          <p:nvPr>
+            <p:ph type="title"/>
+          </p:nvPr>
+        </p:nvSpPr>
+        <p:spPr>
+          <a:xfrm>
+            <a:off x="1228772" y="457200"/>
+            <a:ext cx="6815138" cy="685800"/>
+          </a:xfrm>
+        </p:spPr>
+        <p:txBody>
+          <a:bodyPr>
+            <a:noAutofit/>
+          </a:bodyPr>
+          <a:lstStyle/>
+          <a:p>
+            <a:pPr algn="ctr"/>
+            <a:r>
+              <a:rPr lang="en-US" sz="4000" dirty="0" smtClean="0"/>
+              <a:t>Slide about other methods (greedy)</a:t>
+            </a:r>
+            <a:endParaRPr lang="en-US" sz="4000" dirty="0"/>
+          </a:p>
+        </p:txBody>
+      </p:sp>
+      <p:sp>
+        <p:nvSpPr>
+          <p:cNvPr id="9" name="Content Placeholder 3">
+            <a:extLst>
+              <a:ext uri="{FF2B5EF4-FFF2-40B4-BE49-F238E27FC236}">
+                <a16:creationId xmlns:a16="http://schemas.microsoft.com/office/drawing/2014/main" id="{571828D7-AA7A-4F42-AFCE-35573AED3DC4}"/>
+              </a:ext>
+            </a:extLst>
+          </p:cNvPr>
+          <p:cNvSpPr>
+            <a:spLocks noGrp="1"/>
+          </p:cNvSpPr>
+          <p:nvPr>
+            <p:ph sz="half" idx="2"/>
+          </p:nvPr>
+        </p:nvSpPr>
+        <p:spPr>
+          <a:xfrm>
+            <a:off x="457200" y="1143000"/>
+            <a:ext cx="8229600" cy="2209800"/>
+          </a:xfrm>
+        </p:spPr>
+        <p:txBody>
+          <a:bodyPr>
+            <a:normAutofit/>
+          </a:bodyPr>
+          <a:lstStyle/>
+          <a:p>
+            <a:r>
+              <a:rPr lang="en-US" dirty="0" smtClean="0"/>
+              <a:t>Text</a:t>
+            </a:r>
+          </a:p>
+          <a:p>
+            <a:r>
+              <a:rPr lang="en-US" dirty="0" smtClean="0"/>
+              <a:t>Text</a:t>
+            </a:r>
+          </a:p>
+          <a:p>
+            <a:endParaRPr lang="en-US" dirty="0"/>
+          </a:p>
+        </p:txBody>
+      </p:sp>
+      <p:sp>
+        <p:nvSpPr>
+          <p:cNvPr id="3" name="Slide Number Placeholder 2"/>
+          <p:cNvSpPr>
+            <a:spLocks noGrp="1"/>
+          </p:cNvSpPr>
+          <p:nvPr>
+            <p:ph type="sldNum" sz="quarter" idx="12"/>
+          </p:nvPr>
+        </p:nvSpPr>
+        <p:spPr/>
+        <p:txBody>
+          <a:bodyPr/>
+          <a:lstStyle/>
+          <a:p>
+            <a:fld id="{B82CCC60-E8CD-4174-8B1A-7DF615B22EEF}" type="slidenum">
+              <a:rPr lang="en-US" smtClean="0"/>
+              <a:pPr/>
+              <a:t>11</a:t>
+            </a:fld>
+            <a:endParaRPr lang="en-US"/>
+          </a:p>
+        </p:txBody>
+      </p:sp>
+    </p:spTree>
+    <p:extLst>
+      <p:ext uri="{BB962C8B-B14F-4D97-AF65-F5344CB8AC3E}">
+        <p14:creationId xmlns:p14="http://schemas.microsoft.com/office/powerpoint/2010/main" val="3386165299"/>
+      </p:ext>
+    </p:extLst>
+  </p:cSld>
+  <p:clrMapOvr>
+    <a:masterClrMapping/>
+  </p:clrMapOvr>
+  <p:timing>
+    <p:tnLst>
+      <p:par>
+        <p:cTn id="1" dur="indefinite" restart="never" nodeType="tmRoot"/>
+      </p:par>
+    </p:tnLst>
+  </p:timing>
+</p:sld>
+</file>
+
+<file path=ppt/slides/slide12.xml><?xml version="1.0" encoding="utf-8"?>
+<p:sld xmlns:a="http://schemas.openxmlformats.org/drawingml/2006/main" xmlns:r="http://schemas.openxmlformats.org/officeDocument/2006/relationships" xmlns:p="http://schemas.openxmlformats.org/presentationml/2006/main">
+  <p:cSld>
+    <p:spTree>
+      <p:nvGrpSpPr>
+        <p:cNvPr id="1" name=""/>
+        <p:cNvGrpSpPr/>
+        <p:nvPr/>
+      </p:nvGrpSpPr>
+      <p:grpSpPr>
+        <a:xfrm>
+          <a:off x="0" y="0"/>
+          <a:ext cx="0" cy="0"/>
+          <a:chOff x="0" y="0"/>
+          <a:chExt cx="0" cy="0"/>
+        </a:xfrm>
+      </p:grpSpPr>
+      <p:sp>
+        <p:nvSpPr>
+          <p:cNvPr id="2" name="Title 1">
+            <a:extLst>
+              <a:ext uri="{FF2B5EF4-FFF2-40B4-BE49-F238E27FC236}">
+                <a16:creationId xmlns:a16="http://schemas.microsoft.com/office/drawing/2014/main" id="{12622C76-1B4D-46DB-91AF-97C1B84A2289}"/>
+              </a:ext>
+            </a:extLst>
+          </p:cNvPr>
+          <p:cNvSpPr>
+            <a:spLocks noGrp="1"/>
+          </p:cNvSpPr>
+          <p:nvPr>
+            <p:ph type="title"/>
+          </p:nvPr>
+        </p:nvSpPr>
+        <p:spPr>
+          <a:xfrm>
+            <a:off x="1228772" y="457200"/>
+            <a:ext cx="6815138" cy="685800"/>
+          </a:xfrm>
+        </p:spPr>
+        <p:txBody>
+          <a:bodyPr>
+            <a:noAutofit/>
+          </a:bodyPr>
+          <a:lstStyle/>
+          <a:p>
+            <a:pPr algn="ctr"/>
+            <a:r>
+              <a:rPr lang="en-US" sz="4000" dirty="0" smtClean="0"/>
+              <a:t>Randomly picking bets</a:t>
+            </a:r>
+            <a:endParaRPr lang="en-US" sz="4000" dirty="0"/>
+          </a:p>
+        </p:txBody>
+      </p:sp>
+      <p:sp>
+        <p:nvSpPr>
+          <p:cNvPr id="9" name="Content Placeholder 3">
+            <a:extLst>
+              <a:ext uri="{FF2B5EF4-FFF2-40B4-BE49-F238E27FC236}">
+                <a16:creationId xmlns:a16="http://schemas.microsoft.com/office/drawing/2014/main" id="{571828D7-AA7A-4F42-AFCE-35573AED3DC4}"/>
+              </a:ext>
+            </a:extLst>
+          </p:cNvPr>
+          <p:cNvSpPr>
+            <a:spLocks noGrp="1"/>
+          </p:cNvSpPr>
+          <p:nvPr>
+            <p:ph sz="half" idx="2"/>
+          </p:nvPr>
+        </p:nvSpPr>
+        <p:spPr>
+          <a:xfrm>
+            <a:off x="457200" y="1143000"/>
+            <a:ext cx="8229600" cy="2209800"/>
+          </a:xfrm>
+        </p:spPr>
+        <p:txBody>
+          <a:bodyPr>
+            <a:normAutofit/>
+          </a:bodyPr>
+          <a:lstStyle/>
+          <a:p>
+            <a:r>
+              <a:rPr lang="en-US" dirty="0" smtClean="0"/>
+              <a:t>Text</a:t>
+            </a:r>
+          </a:p>
+          <a:p>
+            <a:r>
+              <a:rPr lang="en-US" dirty="0" smtClean="0"/>
+              <a:t>Text</a:t>
+            </a:r>
+          </a:p>
+          <a:p>
+            <a:endParaRPr lang="en-US" dirty="0"/>
+          </a:p>
+        </p:txBody>
+      </p:sp>
+      <p:sp>
+        <p:nvSpPr>
+          <p:cNvPr id="3" name="Slide Number Placeholder 2"/>
+          <p:cNvSpPr>
+            <a:spLocks noGrp="1"/>
+          </p:cNvSpPr>
+          <p:nvPr>
+            <p:ph type="sldNum" sz="quarter" idx="12"/>
+          </p:nvPr>
+        </p:nvSpPr>
+        <p:spPr/>
+        <p:txBody>
+          <a:bodyPr/>
+          <a:lstStyle/>
+          <a:p>
+            <a:fld id="{B82CCC60-E8CD-4174-8B1A-7DF615B22EEF}" type="slidenum">
+              <a:rPr lang="en-US" smtClean="0"/>
+              <a:pPr/>
+              <a:t>12</a:t>
+            </a:fld>
+            <a:endParaRPr lang="en-US"/>
+          </a:p>
+        </p:txBody>
+      </p:sp>
+    </p:spTree>
+    <p:extLst>
+      <p:ext uri="{BB962C8B-B14F-4D97-AF65-F5344CB8AC3E}">
+        <p14:creationId xmlns:p14="http://schemas.microsoft.com/office/powerpoint/2010/main" val="1847374215"/>
+      </p:ext>
+    </p:extLst>
+  </p:cSld>
+  <p:clrMapOvr>
+    <a:masterClrMapping/>
+  </p:clrMapOvr>
+  <p:timing>
+    <p:tnLst>
+      <p:par>
+        <p:cTn id="1" dur="indefinite" restart="never" nodeType="tmRoot"/>
+      </p:par>
+    </p:tnLst>
+  </p:timing>
 </p:sld>
 </file>
 
@@ -4505,6 +5174,43 @@
           </a:prstGeom>
         </p:spPr>
       </p:pic>
+      <p:sp>
+        <p:nvSpPr>
+          <p:cNvPr id="4" name="Slide Number Placeholder 3"/>
+          <p:cNvSpPr>
+            <a:spLocks noGrp="1"/>
+          </p:cNvSpPr>
+          <p:nvPr>
+            <p:ph type="sldNum" sz="quarter" idx="12"/>
+          </p:nvPr>
+        </p:nvSpPr>
+        <p:spPr>
+          <a:xfrm>
+            <a:off x="6705600" y="6324600"/>
+            <a:ext cx="2133600" cy="365125"/>
+          </a:xfrm>
+        </p:spPr>
+        <p:txBody>
+          <a:bodyPr/>
+          <a:lstStyle/>
+          <a:p>
+            <a:fld id="{B82CCC60-E8CD-4174-8B1A-7DF615B22EEF}" type="slidenum">
+              <a:rPr lang="en-US" sz="1400" smtClean="0">
+                <a:solidFill>
+                  <a:schemeClr val="bg1"/>
+                </a:solidFill>
+              </a:rPr>
+              <a:pPr/>
+              <a:t>2</a:t>
+            </a:fld>
+            <a:endParaRPr lang="en-US" sz="1400" dirty="0">
+              <a:solidFill>
+                <a:schemeClr val="bg1"/>
+              </a:solidFill>
+            </a:endParaRPr>
+          </a:p>
+        </p:txBody>
+      </p:sp>
     </p:spTree>
     <p:extLst>
       <p:ext uri="{BB962C8B-B14F-4D97-AF65-F5344CB8AC3E}">
@@ -4515,6 +5221,13 @@
   <p:clrMapOvr>
     <a:masterClrMapping/>
   </p:clrMapOvr>
+  <p:timing>
+    <p:tnLst>
+      <p:par>
+        <p:cTn id="1" dur="indefinite" restart="never" nodeType="tmRoot"/>
+      </p:par>
+    </p:tnLst>
+  </p:timing>
 </p:sld>
 </file>
 
@@ -4588,29 +5301,51 @@
         </p:nvSpPr>
         <p:spPr>
           <a:xfrm>
-            <a:off x="438148" y="1452868"/>
+            <a:off x="438147" y="1338568"/>
             <a:ext cx="8267701" cy="2395232"/>
           </a:xfrm>
         </p:spPr>
         <p:txBody>
-          <a:bodyPr/>
+          <a:bodyPr>
+            <a:normAutofit lnSpcReduction="10000"/>
+          </a:bodyPr>
           <a:lstStyle/>
           <a:p>
             <a:r>
               <a:rPr lang="en-US" dirty="0"/>
-              <a:t>Correctly predicting match outcomes improves earnings</a:t>
-            </a:r>
+              <a:t>Correctly predicting match </a:t>
+            </a:r>
+            <a:r>
+              <a:rPr lang="en-US" dirty="0" smtClean="0"/>
+              <a:t>outcomes provides more information for betting decisions</a:t>
+            </a:r>
+            <a:endParaRPr lang="en-US" dirty="0"/>
+          </a:p>
+          <a:p>
+            <a:r>
+              <a:rPr lang="en-US" dirty="0" smtClean="0"/>
+              <a:t>Betting on the appropriate team improves earnings</a:t>
+            </a:r>
+          </a:p>
+          <a:p>
+            <a:r>
+              <a:rPr lang="en-US" dirty="0" smtClean="0"/>
+              <a:t>Real world application of winning or losing money</a:t>
+            </a:r>
+            <a:endParaRPr lang="en-US" dirty="0"/>
           </a:p>
           <a:p>
             <a:r>
               <a:rPr lang="en-US" dirty="0"/>
-              <a:t>Betting appropriate amounts based on betting odds also improves earnings</a:t>
-            </a:r>
-          </a:p>
-          <a:p>
+              <a:t>Not necessarily optimal to always bet on the </a:t>
+            </a:r>
+            <a:r>
+              <a:rPr lang="en-US" dirty="0" smtClean="0"/>
+              <a:t>better </a:t>
+            </a:r>
             <a:r>
               <a:rPr lang="en-US" dirty="0"/>
-              <a:t>Not necessarily optimal to always bet on the predicted winning team</a:t>
+              <a:t>winning team</a:t>
             </a:r>
           </a:p>
         </p:txBody>
@@ -4650,6 +5385,38 @@
           </a:xfrm>
         </p:spPr>
       </p:pic>
+      <p:sp>
+        <p:nvSpPr>
+          <p:cNvPr id="3" name="Slide Number Placeholder 2"/>
+          <p:cNvSpPr>
+            <a:spLocks noGrp="1"/>
+          </p:cNvSpPr>
+          <p:nvPr>
+            <p:ph type="sldNum" sz="quarter" idx="12"/>
+          </p:nvPr>
+        </p:nvSpPr>
+        <p:spPr/>
+        <p:txBody>
+          <a:bodyPr/>
+          <a:lstStyle/>
+          <a:p>
+            <a:fld id="{B82CCC60-E8CD-4174-8B1A-7DF615B22EEF}" type="slidenum">
+              <a:rPr lang="en-US" smtClean="0">
+                <a:solidFill>
+                  <a:schemeClr val="bg1"/>
+                </a:solidFill>
+              </a:rPr>
+              <a:pPr/>
+              <a:t>3</a:t>
+            </a:fld>
+            <a:endParaRPr lang="en-US" dirty="0">
+              <a:solidFill>
+                <a:schemeClr val="bg1"/>
+              </a:solidFill>
+            </a:endParaRPr>
+          </a:p>
+        </p:txBody>
+      </p:sp>
     </p:spTree>
     <p:extLst>
       <p:ext uri="{BB962C8B-B14F-4D97-AF65-F5344CB8AC3E}">
@@ -4660,6 +5427,13 @@
   <p:clrMapOvr>
     <a:masterClrMapping/>
   </p:clrMapOvr>
+  <p:timing>
+    <p:tnLst>
+      <p:par>
+        <p:cTn id="1" dur="indefinite" restart="never" nodeType="tmRoot"/>
+      </p:par>
+    </p:tnLst>
+  </p:timing>
 </p:sld>
 </file>
 
@@ -4733,42 +5507,65 @@
         </p:nvSpPr>
         <p:spPr>
           <a:xfrm>
-            <a:off x="438148" y="1452868"/>
+            <a:off x="438147" y="1371600"/>
             <a:ext cx="8267701" cy="2395232"/>
           </a:xfrm>
         </p:spPr>
         <p:txBody>
-          <a:bodyPr/>
-          <a:lstStyle/>
-          <a:p>
+          <a:bodyPr>
+            <a:normAutofit fontScale="92500"/>
+          </a:bodyPr>
+          <a:lstStyle/>
+          <a:p>
+            <a:r>
+              <a:rPr lang="en-US" dirty="0" smtClean="0"/>
+              <a:t>Our </a:t>
+            </a:r>
             <a:r>
               <a:rPr lang="en-US" dirty="0"/>
-              <a:t>Our objective is to calculate each NBA team’s overall win rate for each year, and predict, for any given match, each team’s likelihood of winning based on the team rosters</a:t>
-            </a:r>
-          </a:p>
-          <a:p>
+              <a:t>objective is to </a:t>
+            </a:r>
+            <a:r>
+              <a:rPr lang="en-US" dirty="0" smtClean="0"/>
+              <a:t>predict </a:t>
+            </a:r>
             <a:r>
               <a:rPr lang="en-US" dirty="0"/>
-              <a:t>We will also calculate betting odds based on the above likelihood and compare with the betting odds given by actual betting sites to determine the better team to bet</a:t>
-            </a:r>
+              <a:t>each NBA team’s </a:t>
+            </a:r>
+            <a:r>
+              <a:rPr lang="en-US" dirty="0" smtClean="0"/>
+              <a:t>overall yearly win rate, </a:t>
+            </a:r>
+            <a:r>
+              <a:rPr lang="en-US" dirty="0"/>
+              <a:t>and predict, for any given match, each team’s likelihood of winning based on the team rosters</a:t>
+            </a:r>
+          </a:p>
+          <a:p>
+            <a:r>
+              <a:rPr lang="en-US" dirty="0"/>
+              <a:t>We will also </a:t>
+            </a:r>
+            <a:r>
+              <a:rPr lang="en-US" dirty="0" smtClean="0"/>
+              <a:t>calculate the optimal team to bet on based on actual betting odds given by </a:t>
+            </a:r>
+            <a:r>
+              <a:rPr lang="en-US" dirty="0" smtClean="0"/>
+              <a:t>betting sites and our predicted win probability of each of the two teams for any given match</a:t>
+            </a:r>
+            <a:endParaRPr lang="en-US" dirty="0"/>
           </a:p>
         </p:txBody>
       </p:sp>
       <p:pic>
         <p:nvPicPr>
-          <p:cNvPr id="8" name="Content Placeholder 7">
-            <a:extLst>
-              <a:ext uri="{FF2B5EF4-FFF2-40B4-BE49-F238E27FC236}">
-                <a16:creationId xmlns:a16="http://schemas.microsoft.com/office/drawing/2014/main" id="{890E6803-930E-4707-9F83-4E753748D6A9}"/>
-              </a:ext>
-            </a:extLst>
-          </p:cNvPr>
+          <p:cNvPr id="5" name="Picture 4"/>
           <p:cNvPicPr>
-            <a:picLocks noGrp="1" noChangeAspect="1"/>
+            <a:picLocks noChangeAspect="1"/>
           </p:cNvPicPr>
-          <p:nvPr>
-            <p:ph sz="quarter" idx="4"/>
-          </p:nvPr>
+          <p:nvPr/>
         </p:nvPicPr>
         <p:blipFill>
           <a:blip r:embed="rId2">
@@ -4784,11 +5581,38 @@
         </p:blipFill>
         <p:spPr>
           <a:xfrm>
-            <a:off x="2819400" y="3983984"/>
-            <a:ext cx="4267200" cy="2080111"/>
+            <a:off x="2362200" y="3732254"/>
+            <a:ext cx="4572000" cy="2299771"/>
           </a:xfrm>
+          <a:prstGeom prst="rect">
+            <a:avLst/>
+          </a:prstGeom>
         </p:spPr>
       </p:pic>
+      <p:sp>
+        <p:nvSpPr>
+          <p:cNvPr id="6" name="Slide Number Placeholder 5"/>
+          <p:cNvSpPr>
+            <a:spLocks noGrp="1"/>
+          </p:cNvSpPr>
+          <p:nvPr>
+            <p:ph type="sldNum" sz="quarter" idx="12"/>
+          </p:nvPr>
+        </p:nvSpPr>
+        <p:spPr/>
+        <p:txBody>
+          <a:bodyPr/>
+          <a:lstStyle/>
+          <a:p>
+            <a:fld id="{B82CCC60-E8CD-4174-8B1A-7DF615B22EEF}" type="slidenum">
+              <a:rPr lang="en-US" smtClean="0"/>
+              <a:pPr/>
+              <a:t>4</a:t>
+            </a:fld>
+            <a:endParaRPr lang="en-US"/>
+          </a:p>
+        </p:txBody>
+      </p:sp>
     </p:spTree>
     <p:extLst>
       <p:ext uri="{BB962C8B-B14F-4D97-AF65-F5344CB8AC3E}">
@@ -4799,6 +5623,13 @@
   <p:clrMapOvr>
     <a:masterClrMapping/>
   </p:clrMapOvr>
+  <p:timing>
+    <p:tnLst>
+      <p:par>
+        <p:cTn id="1" dur="indefinite" restart="never" nodeType="tmRoot"/>
+      </p:par>
+    </p:tnLst>
+  </p:timing>
 </p:sld>
 </file>
 
@@ -4884,38 +5715,102 @@
           <a:p>
             <a:r>
               <a:rPr lang="en-US" dirty="0"/>
-              <a:t>Scrape NBA players’ statistics, each match’s outcome, and each NBA team’s overall win rate for each of the last 30 years</a:t>
-            </a:r>
-          </a:p>
-          <a:p>
+              <a:t>Scrape NBA players’ </a:t>
+            </a:r>
+            <a:r>
+              <a:rPr lang="en-US" dirty="0" smtClean="0"/>
+              <a:t>stats, </a:t>
+            </a:r>
             <a:r>
               <a:rPr lang="en-US" dirty="0"/>
-              <a:t>Scrape historical betting odds for the last 10 years</a:t>
-            </a:r>
+              <a:t>each match’s outcome, and each NBA team’s overall win rate for each of the last 30 </a:t>
+            </a:r>
+            <a:r>
+              <a:rPr lang="en-US" dirty="0" smtClean="0"/>
+              <a:t>years and split into training, validation, and testing sets</a:t>
+            </a:r>
+            <a:endParaRPr lang="en-US" dirty="0"/>
           </a:p>
           <a:p>
             <a:r>
               <a:rPr lang="en-US" dirty="0"/>
-              <a:t>Calculate the most impactful advanced player metric</a:t>
-            </a:r>
-          </a:p>
-          <a:p>
+              <a:t>Scrape </a:t>
+            </a:r>
+            <a:r>
+              <a:rPr lang="en-US" dirty="0" smtClean="0"/>
+              <a:t>actual historical </a:t>
+            </a:r>
             <a:r>
               <a:rPr lang="en-US" dirty="0"/>
-              <a:t>Predict team’s overall yearly win rate based on players’ contributions</a:t>
+              <a:t>betting odds for the last 10 years</a:t>
             </a:r>
           </a:p>
           <a:p>
             <a:r>
               <a:rPr lang="en-US" dirty="0"/>
-              <a:t>Predict each team’s win probability for every match in a given year</a:t>
-            </a:r>
+              <a:t>Calculate the most impactful advanced player </a:t>
+            </a:r>
+            <a:r>
+              <a:rPr lang="en-US" dirty="0" smtClean="0"/>
+              <a:t>metrics</a:t>
+            </a:r>
+            <a:endParaRPr lang="en-US" dirty="0"/>
           </a:p>
           <a:p>
             <a:r>
               <a:rPr lang="en-US" dirty="0"/>
-              <a:t>Calculate betting odds and compare with actual betting odds to recommend the optimal team to bet on</a:t>
-            </a:r>
+              <a:t>Predict team’s overall yearly win rate based on </a:t>
+            </a:r>
+            <a:r>
+              <a:rPr lang="en-US" dirty="0" smtClean="0"/>
+              <a:t>each player’s contributions to the team</a:t>
+            </a:r>
+            <a:endParaRPr lang="en-US" dirty="0"/>
+          </a:p>
+          <a:p>
+            <a:r>
+              <a:rPr lang="en-US" dirty="0" smtClean="0"/>
+              <a:t>Calculate </a:t>
+            </a:r>
+            <a:r>
+              <a:rPr lang="en-US" dirty="0"/>
+              <a:t>each team’s win probability for </a:t>
+            </a:r>
+            <a:r>
+              <a:rPr lang="en-US" dirty="0" smtClean="0"/>
+              <a:t>every match</a:t>
+            </a:r>
+          </a:p>
+          <a:p>
+            <a:r>
+              <a:rPr lang="en-US" dirty="0" smtClean="0"/>
+              <a:t>Recommend the optimal team to bet on win probability and actual betting odds</a:t>
+            </a:r>
+            <a:endParaRPr lang="en-US" dirty="0"/>
+          </a:p>
+        </p:txBody>
+      </p:sp>
+      <p:sp>
+        <p:nvSpPr>
+          <p:cNvPr id="3" name="Slide Number Placeholder 2"/>
+          <p:cNvSpPr>
+            <a:spLocks noGrp="1"/>
+          </p:cNvSpPr>
+          <p:nvPr>
+            <p:ph type="sldNum" sz="quarter" idx="12"/>
+          </p:nvPr>
+        </p:nvSpPr>
+        <p:spPr/>
+        <p:txBody>
+          <a:bodyPr/>
+          <a:lstStyle/>
+          <a:p>
+            <a:fld id="{B82CCC60-E8CD-4174-8B1A-7DF615B22EEF}" type="slidenum">
+              <a:rPr lang="en-US" smtClean="0"/>
+              <a:pPr/>
+              <a:t>5</a:t>
+            </a:fld>
+            <a:endParaRPr lang="en-US" dirty="0"/>
           </a:p>
         </p:txBody>
       </p:sp>
@@ -4929,6 +5824,13 @@
   <p:clrMapOvr>
     <a:masterClrMapping/>
   </p:clrMapOvr>
+  <p:timing>
+    <p:tnLst>
+      <p:par>
+        <p:cTn id="1" dur="indefinite" restart="never" nodeType="tmRoot"/>
+      </p:par>
+    </p:tnLst>
+  </p:timing>
 </p:sld>
 </file>
 
@@ -4985,15 +5887,75 @@
           </a:p>
         </p:txBody>
       </p:sp>
-      <p:pic>
-        <p:nvPicPr>
-          <p:cNvPr id="7" name="Picture 6">
+      <p:sp>
+        <p:nvSpPr>
+          <p:cNvPr id="9" name="Content Placeholder 3">
             <a:extLst>
               <a:ext uri="{FF2B5EF4-FFF2-40B4-BE49-F238E27FC236}">
-                <a16:creationId xmlns:a16="http://schemas.microsoft.com/office/drawing/2014/main" id="{F6F568AD-CD2E-4603-A76B-0D6629EBE245}"/>
+                <a16:creationId xmlns:a16="http://schemas.microsoft.com/office/drawing/2014/main" id="{571828D7-AA7A-4F42-AFCE-35573AED3DC4}"/>
               </a:ext>
             </a:extLst>
           </p:cNvPr>
+          <p:cNvSpPr>
+            <a:spLocks noGrp="1"/>
+          </p:cNvSpPr>
+          <p:nvPr>
+            <p:ph sz="half" idx="2"/>
+          </p:nvPr>
+        </p:nvSpPr>
+        <p:spPr>
+          <a:xfrm>
+            <a:off x="176092" y="1169255"/>
+            <a:ext cx="3657600" cy="5076824"/>
+          </a:xfrm>
+        </p:spPr>
+        <p:txBody>
+          <a:bodyPr>
+            <a:normAutofit lnSpcReduction="10000"/>
+          </a:bodyPr>
+          <a:lstStyle/>
+          <a:p>
+            <a:r>
+              <a:rPr lang="en-US" dirty="0"/>
+              <a:t>Most important metrics: </a:t>
+            </a:r>
+          </a:p>
+          <a:p>
+            <a:pPr lvl="1"/>
+            <a:r>
+              <a:rPr lang="en-US" dirty="0"/>
+              <a:t>PER (Player Efficiency Rating)</a:t>
+            </a:r>
+          </a:p>
+          <a:p>
+            <a:pPr lvl="1"/>
+            <a:r>
+              <a:rPr lang="en-US" dirty="0"/>
+              <a:t>TRB%/DRB% (Total/Defensive Rebounds Percentage)</a:t>
+            </a:r>
+          </a:p>
+          <a:p>
+            <a:pPr lvl="1"/>
+            <a:r>
+              <a:rPr lang="en-US" dirty="0"/>
+              <a:t>USG% (Usage Rate)</a:t>
+            </a:r>
+          </a:p>
+          <a:p>
+            <a:r>
+              <a:rPr lang="en-US" dirty="0" smtClean="0"/>
+              <a:t>Incorporated all metrics for our model because even the relatively low-weighted stats contribute to a team’s performance</a:t>
+            </a:r>
+          </a:p>
+          <a:p>
+            <a:pPr lvl="1"/>
+            <a:endParaRPr lang="en-US" dirty="0"/>
+          </a:p>
+        </p:txBody>
+      </p:sp>
+      <p:pic>
+        <p:nvPicPr>
+          <p:cNvPr id="5" name="Picture 4"/>
           <p:cNvPicPr>
             <a:picLocks noChangeAspect="1"/>
           </p:cNvPicPr>
@@ -5013,8 +5975,8 @@
         </p:blipFill>
         <p:spPr>
           <a:xfrm>
-            <a:off x="3322608" y="1143000"/>
-            <a:ext cx="5364192" cy="5076825"/>
+            <a:off x="3810000" y="1169255"/>
+            <a:ext cx="5105400" cy="5066386"/>
           </a:xfrm>
           <a:prstGeom prst="rect">
             <a:avLst/>
@@ -5023,58 +5985,45 @@
       </p:pic>
       <p:sp>
         <p:nvSpPr>
-          <p:cNvPr id="9" name="Content Placeholder 3">
-            <a:extLst>
-              <a:ext uri="{FF2B5EF4-FFF2-40B4-BE49-F238E27FC236}">
-                <a16:creationId xmlns:a16="http://schemas.microsoft.com/office/drawing/2014/main" id="{571828D7-AA7A-4F42-AFCE-35573AED3DC4}"/>
-              </a:ext>
-            </a:extLst>
-          </p:cNvPr>
-          <p:cNvSpPr>
-            <a:spLocks noGrp="1"/>
-          </p:cNvSpPr>
-          <p:nvPr>
-            <p:ph sz="half" idx="2"/>
-          </p:nvPr>
-        </p:nvSpPr>
-        <p:spPr>
-          <a:xfrm>
-            <a:off x="457200" y="1143000"/>
-            <a:ext cx="2609853" cy="5076824"/>
-          </a:xfrm>
-        </p:spPr>
-        <p:txBody>
-          <a:bodyPr>
-            <a:normAutofit/>
-          </a:bodyPr>
-          <a:lstStyle/>
-          <a:p>
-            <a:r>
-              <a:rPr lang="en-US" dirty="0"/>
-              <a:t>Highest weighted: PER (Player Efficiency Rating), TRB% (Total Rebounds %)</a:t>
-            </a:r>
-          </a:p>
-          <a:p>
-            <a:endParaRPr lang="en-US" dirty="0"/>
-          </a:p>
-          <a:p>
-            <a:r>
-              <a:rPr lang="en-US" dirty="0"/>
-              <a:t>2 graphs?</a:t>
-            </a:r>
+          <p:cNvPr id="6" name="Slide Number Placeholder 5"/>
+          <p:cNvSpPr>
+            <a:spLocks noGrp="1"/>
+          </p:cNvSpPr>
+          <p:nvPr>
+            <p:ph type="sldNum" sz="quarter" idx="12"/>
+          </p:nvPr>
+        </p:nvSpPr>
+        <p:spPr/>
+        <p:txBody>
+          <a:bodyPr/>
+          <a:lstStyle/>
+          <a:p>
+            <a:fld id="{B82CCC60-E8CD-4174-8B1A-7DF615B22EEF}" type="slidenum">
+              <a:rPr lang="en-US" smtClean="0"/>
+              <a:pPr/>
+              <a:t>6</a:t>
+            </a:fld>
+            <a:endParaRPr lang="en-US"/>
           </a:p>
         </p:txBody>
       </p:sp>
     </p:spTree>
     <p:extLst>
       <p:ext uri="{BB962C8B-B14F-4D97-AF65-F5344CB8AC3E}">
-        <p14:creationId xmlns:p14="http://schemas.microsoft.com/office/powerpoint/2010/main" val="3381711502"/>
+        <p14:creationId xmlns:p14="http://schemas.microsoft.com/office/powerpoint/2010/main" val="1997937437"/>
       </p:ext>
     </p:extLst>
   </p:cSld>
   <p:clrMapOvr>
     <a:masterClrMapping/>
   </p:clrMapOvr>
+  <p:timing>
+    <p:tnLst>
+      <p:par>
+        <p:cTn id="1" dur="indefinite" restart="never" nodeType="tmRoot"/>
+      </p:par>
+    </p:tnLst>
+  </p:timing>
 </p:sld>
 </file>
 
@@ -5130,21 +6079,86 @@
           </a:p>
         </p:txBody>
       </p:sp>
-      <p:pic>
-        <p:nvPicPr>
-          <p:cNvPr id="7" name="Content Placeholder 6">
+      <p:sp>
+        <p:nvSpPr>
+          <p:cNvPr id="4" name="Content Placeholder 3">
             <a:extLst>
               <a:ext uri="{FF2B5EF4-FFF2-40B4-BE49-F238E27FC236}">
-                <a16:creationId xmlns:a16="http://schemas.microsoft.com/office/drawing/2014/main" id="{53DFA651-82AE-4586-85A8-744BC984A204}"/>
+                <a16:creationId xmlns:a16="http://schemas.microsoft.com/office/drawing/2014/main" id="{571828D7-AA7A-4F42-AFCE-35573AED3DC4}"/>
               </a:ext>
             </a:extLst>
           </p:cNvPr>
+          <p:cNvSpPr>
+            <a:spLocks noGrp="1"/>
+          </p:cNvSpPr>
+          <p:nvPr>
+            <p:ph sz="half" idx="2"/>
+          </p:nvPr>
+        </p:nvSpPr>
+        <p:spPr>
+          <a:xfrm>
+            <a:off x="381000" y="1752600"/>
+            <a:ext cx="3352800" cy="3505200"/>
+          </a:xfrm>
+        </p:spPr>
+        <p:txBody>
+          <a:bodyPr>
+            <a:normAutofit fontScale="92500"/>
+          </a:bodyPr>
+          <a:lstStyle/>
+          <a:p>
+            <a:r>
+              <a:rPr lang="en-US" dirty="0" smtClean="0"/>
+              <a:t>Each colored dot represents a different team</a:t>
+            </a:r>
+          </a:p>
+          <a:p>
+            <a:r>
+              <a:rPr lang="en-US" dirty="0" smtClean="0"/>
+              <a:t>Compared our predicted win rate for every team to the actual win rate (2018)</a:t>
+            </a:r>
+            <a:endParaRPr lang="en-US" dirty="0" smtClean="0"/>
+          </a:p>
+          <a:p>
+            <a:r>
+              <a:rPr lang="en-US" dirty="0" smtClean="0"/>
+              <a:t>Mean squared error 0.1162</a:t>
+            </a:r>
+            <a:endParaRPr lang="en-US" dirty="0" smtClean="0"/>
+          </a:p>
+        </p:txBody>
+      </p:sp>
+      <p:sp>
+        <p:nvSpPr>
+          <p:cNvPr id="5" name="Slide Number Placeholder 4"/>
+          <p:cNvSpPr>
+            <a:spLocks noGrp="1"/>
+          </p:cNvSpPr>
+          <p:nvPr>
+            <p:ph type="sldNum" sz="quarter" idx="12"/>
+          </p:nvPr>
+        </p:nvSpPr>
+        <p:spPr/>
+        <p:txBody>
+          <a:bodyPr/>
+          <a:lstStyle/>
+          <a:p>
+            <a:fld id="{B82CCC60-E8CD-4174-8B1A-7DF615B22EEF}" type="slidenum">
+              <a:rPr lang="en-US" smtClean="0"/>
+              <a:pPr/>
+              <a:t>7</a:t>
+            </a:fld>
+            <a:endParaRPr lang="en-US"/>
+          </a:p>
+        </p:txBody>
+      </p:sp>
+      <p:pic>
+        <p:nvPicPr>
+          <p:cNvPr id="6" name="Picture 5"/>
           <p:cNvPicPr>
-            <a:picLocks noGrp="1" noChangeAspect="1"/>
+            <a:picLocks noChangeAspect="1"/>
           </p:cNvPicPr>
-          <p:nvPr>
-            <p:ph sz="half" idx="2"/>
-          </p:nvPr>
+          <p:nvPr/>
         </p:nvPicPr>
         <p:blipFill>
           <a:blip r:embed="rId2">
@@ -5160,9 +6174,12 @@
         </p:blipFill>
         <p:spPr>
           <a:xfrm>
-            <a:off x="3733800" y="1297934"/>
-            <a:ext cx="4972050" cy="4793412"/>
+            <a:off x="3810000" y="1361663"/>
+            <a:ext cx="4827516" cy="4735563"/>
           </a:xfrm>
+          <a:prstGeom prst="rect">
+            <a:avLst/>
+          </a:prstGeom>
         </p:spPr>
       </p:pic>
     </p:spTree>
@@ -5175,6 +6192,521 @@
   <p:clrMapOvr>
     <a:masterClrMapping/>
   </p:clrMapOvr>
+  <p:timing>
+    <p:tnLst>
+      <p:par>
+        <p:cTn id="1" dur="indefinite" restart="never" nodeType="tmRoot"/>
+      </p:par>
+    </p:tnLst>
+  </p:timing>
+</p:sld>
+</file>
+
+<file path=ppt/slides/slide8.xml><?xml version="1.0" encoding="utf-8"?>
+<p:sld xmlns:a="http://schemas.openxmlformats.org/drawingml/2006/main" xmlns:r="http://schemas.openxmlformats.org/officeDocument/2006/relationships" xmlns:p="http://schemas.openxmlformats.org/presentationml/2006/main">
+  <p:cSld>
+    <p:spTree>
+      <p:nvGrpSpPr>
+        <p:cNvPr id="1" name=""/>
+        <p:cNvGrpSpPr/>
+        <p:nvPr/>
+      </p:nvGrpSpPr>
+      <p:grpSpPr>
+        <a:xfrm>
+          <a:off x="0" y="0"/>
+          <a:ext cx="0" cy="0"/>
+          <a:chOff x="0" y="0"/>
+          <a:chExt cx="0" cy="0"/>
+        </a:xfrm>
+      </p:grpSpPr>
+      <p:sp>
+        <p:nvSpPr>
+          <p:cNvPr id="2" name="Title 1">
+            <a:extLst>
+              <a:ext uri="{FF2B5EF4-FFF2-40B4-BE49-F238E27FC236}">
+                <a16:creationId xmlns:a16="http://schemas.microsoft.com/office/drawing/2014/main" id="{12622C76-1B4D-46DB-91AF-97C1B84A2289}"/>
+              </a:ext>
+            </a:extLst>
+          </p:cNvPr>
+          <p:cNvSpPr>
+            <a:spLocks noGrp="1"/>
+          </p:cNvSpPr>
+          <p:nvPr>
+            <p:ph type="title"/>
+          </p:nvPr>
+        </p:nvSpPr>
+        <p:spPr>
+          <a:xfrm>
+            <a:off x="1181098" y="447343"/>
+            <a:ext cx="6781800" cy="850591"/>
+          </a:xfrm>
+        </p:spPr>
+        <p:txBody>
+          <a:bodyPr>
+            <a:noAutofit/>
+          </a:bodyPr>
+          <a:lstStyle/>
+          <a:p>
+            <a:r>
+              <a:rPr lang="en-US" sz="4000" dirty="0"/>
+              <a:t>Predicted Teams Win Rates</a:t>
+            </a:r>
+          </a:p>
+        </p:txBody>
+      </p:sp>
+      <p:sp>
+        <p:nvSpPr>
+          <p:cNvPr id="5" name="Slide Number Placeholder 4"/>
+          <p:cNvSpPr>
+            <a:spLocks noGrp="1"/>
+          </p:cNvSpPr>
+          <p:nvPr>
+            <p:ph type="sldNum" sz="quarter" idx="12"/>
+          </p:nvPr>
+        </p:nvSpPr>
+        <p:spPr/>
+        <p:txBody>
+          <a:bodyPr/>
+          <a:lstStyle/>
+          <a:p>
+            <a:fld id="{B82CCC60-E8CD-4174-8B1A-7DF615B22EEF}" type="slidenum">
+              <a:rPr lang="en-US" smtClean="0"/>
+              <a:pPr/>
+              <a:t>8</a:t>
+            </a:fld>
+            <a:endParaRPr lang="en-US"/>
+          </a:p>
+        </p:txBody>
+      </p:sp>
+      <p:pic>
+        <p:nvPicPr>
+          <p:cNvPr id="8" name="Picture 7"/>
+          <p:cNvPicPr>
+            <a:picLocks noChangeAspect="1"/>
+          </p:cNvPicPr>
+          <p:nvPr/>
+        </p:nvPicPr>
+        <p:blipFill>
+          <a:blip r:embed="rId2">
+            <a:extLst>
+              <a:ext uri="{28A0092B-C50C-407E-A947-70E740481C1C}">
+                <a14:useLocalDpi xmlns:a14="http://schemas.microsoft.com/office/drawing/2010/main" val="0"/>
+              </a:ext>
+            </a:extLst>
+          </a:blip>
+          <a:stretch>
+            <a:fillRect/>
+          </a:stretch>
+        </p:blipFill>
+        <p:spPr>
+          <a:xfrm>
+            <a:off x="3467102" y="1219200"/>
+            <a:ext cx="5135772" cy="5054943"/>
+          </a:xfrm>
+          <a:prstGeom prst="rect">
+            <a:avLst/>
+          </a:prstGeom>
+        </p:spPr>
+      </p:pic>
+      <p:sp>
+        <p:nvSpPr>
+          <p:cNvPr id="9" name="Content Placeholder 3">
+            <a:extLst>
+              <a:ext uri="{FF2B5EF4-FFF2-40B4-BE49-F238E27FC236}">
+                <a16:creationId xmlns:a16="http://schemas.microsoft.com/office/drawing/2014/main" id="{571828D7-AA7A-4F42-AFCE-35573AED3DC4}"/>
+              </a:ext>
+            </a:extLst>
+          </p:cNvPr>
+          <p:cNvSpPr>
+            <a:spLocks noGrp="1"/>
+          </p:cNvSpPr>
+          <p:nvPr>
+            <p:ph sz="half" idx="2"/>
+          </p:nvPr>
+        </p:nvSpPr>
+        <p:spPr>
+          <a:xfrm>
+            <a:off x="876302" y="1600200"/>
+            <a:ext cx="2590800" cy="332362"/>
+          </a:xfrm>
+        </p:spPr>
+        <p:txBody>
+          <a:bodyPr>
+            <a:normAutofit fontScale="92500" lnSpcReduction="20000"/>
+          </a:bodyPr>
+          <a:lstStyle/>
+          <a:p>
+            <a:pPr marL="0" indent="0">
+              <a:buNone/>
+            </a:pPr>
+            <a:r>
+              <a:rPr lang="en-US" sz="2000" dirty="0" smtClean="0"/>
+              <a:t>Mean Squared Errors</a:t>
+            </a:r>
+          </a:p>
+        </p:txBody>
+      </p:sp>
+      <p:graphicFrame>
+        <p:nvGraphicFramePr>
+          <p:cNvPr id="11" name="Table 10"/>
+          <p:cNvGraphicFramePr>
+            <a:graphicFrameLocks noGrp="1"/>
+          </p:cNvGraphicFramePr>
+          <p:nvPr>
+            <p:extLst>
+              <p:ext uri="{D42A27DB-BD31-4B8C-83A1-F6EECF244321}">
+                <p14:modId xmlns:p14="http://schemas.microsoft.com/office/powerpoint/2010/main" val="2780299610"/>
+              </p:ext>
+            </p:extLst>
+          </p:nvPr>
+        </p:nvGraphicFramePr>
+        <p:xfrm>
+          <a:off x="1295400" y="1981200"/>
+          <a:ext cx="1524000" cy="1463040"/>
+        </p:xfrm>
+        <a:graphic>
+          <a:graphicData uri="http://schemas.openxmlformats.org/drawingml/2006/table">
+            <a:tbl>
+              <a:tblPr>
+                <a:tableStyleId>{69CF1AB2-1976-4502-BF36-3FF5EA218861}</a:tableStyleId>
+              </a:tblPr>
+              <a:tblGrid>
+                <a:gridCol w="762000">
+                  <a:extLst>
+                    <a:ext uri="{9D8B030D-6E8A-4147-A177-3AD203B41FA5}">
+                      <a16:colId xmlns:a16="http://schemas.microsoft.com/office/drawing/2014/main" val="3184341465"/>
+                    </a:ext>
+                  </a:extLst>
+                </a:gridCol>
+                <a:gridCol w="762000">
+                  <a:extLst>
+                    <a:ext uri="{9D8B030D-6E8A-4147-A177-3AD203B41FA5}">
+                      <a16:colId xmlns:a16="http://schemas.microsoft.com/office/drawing/2014/main" val="244801048"/>
+                    </a:ext>
+                  </a:extLst>
+                </a:gridCol>
+              </a:tblGrid>
+              <a:tr h="350589">
+                <a:tc>
+                  <a:txBody>
+                    <a:bodyPr/>
+                    <a:lstStyle/>
+                    <a:p>
+                      <a:r>
+                        <a:rPr lang="en-US" dirty="0" smtClean="0"/>
+                        <a:t>2014</a:t>
+                      </a:r>
+                      <a:endParaRPr lang="en-US" dirty="0"/>
+                    </a:p>
+                  </a:txBody>
+                  <a:tcPr/>
+                </a:tc>
+                <a:tc>
+                  <a:txBody>
+                    <a:bodyPr/>
+                    <a:lstStyle/>
+                    <a:p>
+                      <a:endParaRPr lang="en-US" dirty="0"/>
+                    </a:p>
+                  </a:txBody>
+                  <a:tcPr/>
+                </a:tc>
+                <a:extLst>
+                  <a:ext uri="{0D108BD9-81ED-4DB2-BD59-A6C34878D82A}">
+                    <a16:rowId xmlns:a16="http://schemas.microsoft.com/office/drawing/2014/main" val="3792209279"/>
+                  </a:ext>
+                </a:extLst>
+              </a:tr>
+              <a:tr h="361950">
+                <a:tc>
+                  <a:txBody>
+                    <a:bodyPr/>
+                    <a:lstStyle/>
+                    <a:p>
+                      <a:r>
+                        <a:rPr lang="en-US" dirty="0" smtClean="0"/>
+                        <a:t>2015</a:t>
+                      </a:r>
+                      <a:endParaRPr lang="en-US" dirty="0"/>
+                    </a:p>
+                  </a:txBody>
+                  <a:tcPr/>
+                </a:tc>
+                <a:tc>
+                  <a:txBody>
+                    <a:bodyPr/>
+                    <a:lstStyle/>
+                    <a:p>
+                      <a:endParaRPr lang="en-US" dirty="0"/>
+                    </a:p>
+                  </a:txBody>
+                  <a:tcPr/>
+                </a:tc>
+                <a:extLst>
+                  <a:ext uri="{0D108BD9-81ED-4DB2-BD59-A6C34878D82A}">
+                    <a16:rowId xmlns:a16="http://schemas.microsoft.com/office/drawing/2014/main" val="2937231779"/>
+                  </a:ext>
+                </a:extLst>
+              </a:tr>
+              <a:tr h="361950">
+                <a:tc>
+                  <a:txBody>
+                    <a:bodyPr/>
+                    <a:lstStyle/>
+                    <a:p>
+                      <a:r>
+                        <a:rPr lang="en-US" dirty="0" smtClean="0"/>
+                        <a:t>2016</a:t>
+                      </a:r>
+                      <a:endParaRPr lang="en-US" dirty="0"/>
+                    </a:p>
+                  </a:txBody>
+                  <a:tcPr/>
+                </a:tc>
+                <a:tc>
+                  <a:txBody>
+                    <a:bodyPr/>
+                    <a:lstStyle/>
+                    <a:p>
+                      <a:endParaRPr lang="en-US"/>
+                    </a:p>
+                  </a:txBody>
+                  <a:tcPr/>
+                </a:tc>
+                <a:extLst>
+                  <a:ext uri="{0D108BD9-81ED-4DB2-BD59-A6C34878D82A}">
+                    <a16:rowId xmlns:a16="http://schemas.microsoft.com/office/drawing/2014/main" val="2679218077"/>
+                  </a:ext>
+                </a:extLst>
+              </a:tr>
+              <a:tr h="361950">
+                <a:tc>
+                  <a:txBody>
+                    <a:bodyPr/>
+                    <a:lstStyle/>
+                    <a:p>
+                      <a:r>
+                        <a:rPr lang="en-US" dirty="0" smtClean="0"/>
+                        <a:t>2017</a:t>
+                      </a:r>
+                      <a:endParaRPr lang="en-US" dirty="0"/>
+                    </a:p>
+                  </a:txBody>
+                  <a:tcPr/>
+                </a:tc>
+                <a:tc>
+                  <a:txBody>
+                    <a:bodyPr/>
+                    <a:lstStyle/>
+                    <a:p>
+                      <a:endParaRPr lang="en-US" dirty="0"/>
+                    </a:p>
+                  </a:txBody>
+                  <a:tcPr/>
+                </a:tc>
+                <a:extLst>
+                  <a:ext uri="{0D108BD9-81ED-4DB2-BD59-A6C34878D82A}">
+                    <a16:rowId xmlns:a16="http://schemas.microsoft.com/office/drawing/2014/main" val="3816339255"/>
+                  </a:ext>
+                </a:extLst>
+              </a:tr>
+            </a:tbl>
+          </a:graphicData>
+        </a:graphic>
+      </p:graphicFrame>
+    </p:spTree>
+    <p:extLst>
+      <p:ext uri="{BB962C8B-B14F-4D97-AF65-F5344CB8AC3E}">
+        <p14:creationId xmlns:p14="http://schemas.microsoft.com/office/powerpoint/2010/main" val="2306964785"/>
+      </p:ext>
+    </p:extLst>
+  </p:cSld>
+  <p:clrMapOvr>
+    <a:masterClrMapping/>
+  </p:clrMapOvr>
+  <p:timing>
+    <p:tnLst>
+      <p:par>
+        <p:cTn id="1" dur="indefinite" restart="never" nodeType="tmRoot"/>
+      </p:par>
+    </p:tnLst>
+  </p:timing>
+</p:sld>
+</file>
+
+<file path=ppt/slides/slide9.xml><?xml version="1.0" encoding="utf-8"?>
+<p:sld xmlns:a="http://schemas.openxmlformats.org/drawingml/2006/main" xmlns:r="http://schemas.openxmlformats.org/officeDocument/2006/relationships" xmlns:p="http://schemas.openxmlformats.org/presentationml/2006/main">
+  <p:cSld>
+    <p:spTree>
+      <p:nvGrpSpPr>
+        <p:cNvPr id="1" name=""/>
+        <p:cNvGrpSpPr/>
+        <p:nvPr/>
+      </p:nvGrpSpPr>
+      <p:grpSpPr>
+        <a:xfrm>
+          <a:off x="0" y="0"/>
+          <a:ext cx="0" cy="0"/>
+          <a:chOff x="0" y="0"/>
+          <a:chExt cx="0" cy="0"/>
+        </a:xfrm>
+      </p:grpSpPr>
+      <p:sp>
+        <p:nvSpPr>
+          <p:cNvPr id="2" name="Title 1">
+            <a:extLst>
+              <a:ext uri="{FF2B5EF4-FFF2-40B4-BE49-F238E27FC236}">
+                <a16:creationId xmlns:a16="http://schemas.microsoft.com/office/drawing/2014/main" id="{12622C76-1B4D-46DB-91AF-97C1B84A2289}"/>
+              </a:ext>
+            </a:extLst>
+          </p:cNvPr>
+          <p:cNvSpPr>
+            <a:spLocks noGrp="1"/>
+          </p:cNvSpPr>
+          <p:nvPr>
+            <p:ph type="title"/>
+          </p:nvPr>
+        </p:nvSpPr>
+        <p:spPr>
+          <a:xfrm>
+            <a:off x="1228772" y="457200"/>
+            <a:ext cx="6815138" cy="685800"/>
+          </a:xfrm>
+        </p:spPr>
+        <p:txBody>
+          <a:bodyPr>
+            <a:noAutofit/>
+          </a:bodyPr>
+          <a:lstStyle/>
+          <a:p>
+            <a:pPr algn="ctr"/>
+            <a:r>
+              <a:rPr lang="en-US" sz="4000" dirty="0" smtClean="0"/>
+              <a:t>Betting Recommendations</a:t>
+            </a:r>
+            <a:endParaRPr lang="en-US" sz="4000" dirty="0"/>
+          </a:p>
+        </p:txBody>
+      </p:sp>
+      <p:sp>
+        <p:nvSpPr>
+          <p:cNvPr id="9" name="Content Placeholder 3">
+            <a:extLst>
+              <a:ext uri="{FF2B5EF4-FFF2-40B4-BE49-F238E27FC236}">
+                <a16:creationId xmlns:a16="http://schemas.microsoft.com/office/drawing/2014/main" id="{571828D7-AA7A-4F42-AFCE-35573AED3DC4}"/>
+              </a:ext>
+            </a:extLst>
+          </p:cNvPr>
+          <p:cNvSpPr>
+            <a:spLocks noGrp="1"/>
+          </p:cNvSpPr>
+          <p:nvPr>
+            <p:ph sz="half" idx="2"/>
+          </p:nvPr>
+        </p:nvSpPr>
+        <p:spPr>
+          <a:xfrm>
+            <a:off x="457200" y="1143000"/>
+            <a:ext cx="8229600" cy="2209800"/>
+          </a:xfrm>
+        </p:spPr>
+        <p:txBody>
+          <a:bodyPr>
+            <a:normAutofit fontScale="92500"/>
+          </a:bodyPr>
+          <a:lstStyle/>
+          <a:p>
+            <a:r>
+              <a:rPr lang="en-US" dirty="0" smtClean="0"/>
+              <a:t>For every match in a year, we recommend the optimal team to bet on based on their predicted win rates and the actual betting odds</a:t>
+            </a:r>
+          </a:p>
+          <a:p>
+            <a:r>
+              <a:rPr lang="en-US" dirty="0" smtClean="0"/>
+              <a:t>We can see that although in general it is better to bet on the predicted winning team, sometimes it is optimal to bet on the predicted losing team if the odds are favorable</a:t>
+            </a:r>
+            <a:endParaRPr lang="en-US" dirty="0" smtClean="0"/>
+          </a:p>
+          <a:p>
+            <a:endParaRPr lang="en-US" dirty="0"/>
+          </a:p>
+          <a:p>
+            <a:endParaRPr lang="en-US" dirty="0"/>
+          </a:p>
+        </p:txBody>
+      </p:sp>
+      <p:sp>
+        <p:nvSpPr>
+          <p:cNvPr id="5" name="Slide Number Placeholder 4"/>
+          <p:cNvSpPr>
+            <a:spLocks noGrp="1"/>
+          </p:cNvSpPr>
+          <p:nvPr>
+            <p:ph type="sldNum" sz="quarter" idx="12"/>
+          </p:nvPr>
+        </p:nvSpPr>
+        <p:spPr/>
+        <p:txBody>
+          <a:bodyPr/>
+          <a:lstStyle/>
+          <a:p>
+            <a:fld id="{B82CCC60-E8CD-4174-8B1A-7DF615B22EEF}" type="slidenum">
+              <a:rPr lang="en-US" smtClean="0"/>
+              <a:pPr/>
+              <a:t>9</a:t>
+            </a:fld>
+            <a:endParaRPr lang="en-US"/>
+          </a:p>
+        </p:txBody>
+      </p:sp>
+      <p:pic>
+        <p:nvPicPr>
+          <p:cNvPr id="6" name="Picture 5"/>
+          <p:cNvPicPr>
+            <a:picLocks noChangeAspect="1"/>
+          </p:cNvPicPr>
+          <p:nvPr/>
+        </p:nvPicPr>
+        <p:blipFill>
+          <a:blip r:embed="rId2">
+            <a:extLst>
+              <a:ext uri="{28A0092B-C50C-407E-A947-70E740481C1C}">
+                <a14:useLocalDpi xmlns:a14="http://schemas.microsoft.com/office/drawing/2010/main" val="0"/>
+              </a:ext>
+            </a:extLst>
+          </a:blip>
+          <a:stretch>
+            <a:fillRect/>
+          </a:stretch>
+        </p:blipFill>
+        <p:spPr>
+          <a:xfrm>
+            <a:off x="762000" y="3505200"/>
+            <a:ext cx="7741619" cy="2241867"/>
+          </a:xfrm>
+          <a:prstGeom prst="rect">
+            <a:avLst/>
+          </a:prstGeom>
+        </p:spPr>
+      </p:pic>
+    </p:spTree>
+    <p:extLst>
+      <p:ext uri="{BB962C8B-B14F-4D97-AF65-F5344CB8AC3E}">
+        <p14:creationId xmlns:p14="http://schemas.microsoft.com/office/powerpoint/2010/main" val="2701532853"/>
+      </p:ext>
+    </p:extLst>
+  </p:cSld>
+  <p:clrMapOvr>
+    <a:masterClrMapping/>
+  </p:clrMapOvr>
+  <p:timing>
+    <p:tnLst>
+      <p:par>
+        <p:cTn id="1" dur="indefinite" restart="never" nodeType="tmRoot"/>
+      </p:par>
+    </p:tnLst>
+  </p:timing>
 </p:sld>
 </file>
 

--- a/Presentation.pptx
+++ b/Presentation.pptx
@@ -236,7 +236,7 @@
           <a:p>
             <a:fld id="{D9F22B22-81B2-426B-B13F-917D5E416A93}" type="datetimeFigureOut">
               <a:rPr lang="en-US" smtClean="0"/>
-              <a:t>11/26/2018</a:t>
+              <a:t>11/28/2018</a:t>
             </a:fld>
             <a:endParaRPr lang="en-US"/>
           </a:p>
@@ -401,7 +401,7 @@
           <a:p>
             <a:fld id="{545B8DFF-3B96-41A0-9B28-6E55A2E48E01}" type="datetimeFigureOut">
               <a:rPr lang="en-US" smtClean="0"/>
-              <a:t>11/26/2018</a:t>
+              <a:t>11/28/2018</a:t>
             </a:fld>
             <a:endParaRPr lang="en-US"/>
           </a:p>
@@ -872,7 +872,7 @@
           <a:p>
             <a:fld id="{52A8A3B5-A89D-4720-99BE-E8228072A383}" type="datetime1">
               <a:rPr lang="en-US" smtClean="0"/>
-              <a:t>11/26/2018</a:t>
+              <a:t>11/28/2018</a:t>
             </a:fld>
             <a:endParaRPr lang="en-US"/>
           </a:p>
@@ -939,13 +939,6 @@
   <p:clrMapOvr>
     <a:masterClrMapping/>
   </p:clrMapOvr>
-  <p:timing>
-    <p:tnLst>
-      <p:par>
-        <p:cTn id="1" dur="indefinite" restart="never" nodeType="tmRoot"/>
-      </p:par>
-    </p:tnLst>
-  </p:timing>
 </p:sldLayout>
 </file>
 
@@ -1147,7 +1140,7 @@
           <a:p>
             <a:fld id="{060188E8-13B8-4502-ADDA-818E563F924C}" type="datetime1">
               <a:rPr lang="en-US" smtClean="0"/>
-              <a:t>11/26/2018</a:t>
+              <a:t>11/28/2018</a:t>
             </a:fld>
             <a:endParaRPr lang="en-US"/>
           </a:p>
@@ -1353,7 +1346,7 @@
           <a:p>
             <a:fld id="{653D1967-DC9D-4CBC-9000-169C0B401FD7}" type="datetime1">
               <a:rPr lang="en-US" smtClean="0"/>
-              <a:t>11/26/2018</a:t>
+              <a:t>11/28/2018</a:t>
             </a:fld>
             <a:endParaRPr lang="en-US"/>
           </a:p>
@@ -1569,7 +1562,7 @@
           <a:p>
             <a:fld id="{E3BADE23-AD5F-4E2B-AB48-4A48F9A6C24C}" type="datetime1">
               <a:rPr lang="en-US" smtClean="0"/>
-              <a:t>11/26/2018</a:t>
+              <a:t>11/28/2018</a:t>
             </a:fld>
             <a:endParaRPr lang="en-US"/>
           </a:p>
@@ -1796,7 +1789,7 @@
           <a:p>
             <a:fld id="{226F779D-FD8F-474D-84E8-B7FD44D8EA93}" type="datetime1">
               <a:rPr lang="en-US" smtClean="0"/>
-              <a:t>11/26/2018</a:t>
+              <a:t>11/28/2018</a:t>
             </a:fld>
             <a:endParaRPr lang="en-US"/>
           </a:p>
@@ -2037,7 +2030,7 @@
           <a:p>
             <a:fld id="{A4141C93-4665-487C-8712-10DCF8DA738F}" type="datetime1">
               <a:rPr lang="en-US" smtClean="0"/>
-              <a:t>11/26/2018</a:t>
+              <a:t>11/28/2018</a:t>
             </a:fld>
             <a:endParaRPr lang="en-US"/>
           </a:p>
@@ -2282,7 +2275,7 @@
           <a:p>
             <a:fld id="{6AE33190-D744-4FC1-98F6-F6F9B2A3FB6E}" type="datetime1">
               <a:rPr lang="en-US" smtClean="0"/>
-              <a:t>11/26/2018</a:t>
+              <a:t>11/28/2018</a:t>
             </a:fld>
             <a:endParaRPr lang="en-US"/>
           </a:p>
@@ -2610,7 +2603,7 @@
           <a:p>
             <a:fld id="{2CA280FD-E627-4057-ADBA-4E97494F3D12}" type="datetime1">
               <a:rPr lang="en-US" smtClean="0"/>
-              <a:t>11/26/2018</a:t>
+              <a:t>11/28/2018</a:t>
             </a:fld>
             <a:endParaRPr lang="en-US"/>
           </a:p>
@@ -3092,7 +3085,7 @@
           <a:p>
             <a:fld id="{B473FB74-BFAC-4751-95FD-42CF827C2A51}" type="datetime1">
               <a:rPr lang="en-US" smtClean="0"/>
-              <a:t>11/26/2018</a:t>
+              <a:t>11/28/2018</a:t>
             </a:fld>
             <a:endParaRPr lang="en-US"/>
           </a:p>
@@ -3164,13 +3157,6 @@
   <p:clrMapOvr>
     <a:masterClrMapping/>
   </p:clrMapOvr>
-  <p:timing>
-    <p:tnLst>
-      <p:par>
-        <p:cTn id="1" dur="indefinite" restart="never" nodeType="tmRoot"/>
-      </p:par>
-    </p:tnLst>
-  </p:timing>
 </p:sldLayout>
 </file>
 
@@ -3230,7 +3216,7 @@
           <a:p>
             <a:fld id="{19F22DEC-5725-4AC3-821A-0742989A29C8}" type="datetime1">
               <a:rPr lang="en-US" smtClean="0"/>
-              <a:t>11/26/2018</a:t>
+              <a:t>11/28/2018</a:t>
             </a:fld>
             <a:endParaRPr lang="en-US"/>
           </a:p>
@@ -3326,7 +3312,7 @@
           <a:p>
             <a:fld id="{50E9D054-F64D-48ED-8628-175793F934BA}" type="datetime1">
               <a:rPr lang="en-US" smtClean="0"/>
-              <a:t>11/26/2018</a:t>
+              <a:t>11/28/2018</a:t>
             </a:fld>
             <a:endParaRPr lang="en-US"/>
           </a:p>
@@ -3627,7 +3613,7 @@
           <a:p>
             <a:fld id="{19047D84-D046-4F12-BC2B-66A1B322559B}" type="datetime1">
               <a:rPr lang="en-US" smtClean="0"/>
-              <a:t>11/26/2018</a:t>
+              <a:t>11/28/2018</a:t>
             </a:fld>
             <a:endParaRPr lang="en-US"/>
           </a:p>
@@ -3850,7 +3836,7 @@
           <a:p>
             <a:fld id="{6A3D4D7F-EF61-4823-A143-1357BB2E1111}" type="datetime1">
               <a:rPr lang="en-US" smtClean="0"/>
-              <a:t>11/26/2018</a:t>
+              <a:t>11/28/2018</a:t>
             </a:fld>
             <a:endParaRPr lang="en-US"/>
           </a:p>
@@ -3957,13 +3943,6 @@
     <p:sldLayoutId id="2147483658" r:id="rId11"/>
     <p:sldLayoutId id="2147483659" r:id="rId12"/>
   </p:sldLayoutIdLst>
-  <p:timing>
-    <p:tnLst>
-      <p:par>
-        <p:cTn id="1" dur="indefinite" restart="never" nodeType="tmRoot"/>
-      </p:par>
-    </p:tnLst>
-  </p:timing>
   <p:hf hdr="0" ftr="0" dt="0"/>
   <p:txStyles>
     <p:titleStyle>
@@ -4275,24 +4254,12 @@
               <a:rPr lang="en-US" sz="4200" dirty="0"/>
               <a:t>Betting Predictions</a:t>
             </a:r>
-            <a:r>
-              <a:rPr lang="en-US" sz="3000" dirty="0"/>
-              <a:t/>
-            </a:r>
             <a:br>
               <a:rPr lang="en-US" sz="3000" dirty="0"/>
             </a:br>
-            <a:r>
-              <a:rPr lang="en-US" sz="3000" dirty="0"/>
-              <a:t/>
-            </a:r>
             <a:br>
               <a:rPr lang="en-US" sz="3000" dirty="0"/>
             </a:br>
-            <a:r>
-              <a:rPr lang="en-US" sz="3000" dirty="0"/>
-              <a:t/>
-            </a:r>
             <a:br>
               <a:rPr lang="en-US" sz="3000" dirty="0"/>
             </a:br>
@@ -4351,20 +4318,19 @@
           <a:lstStyle/>
           <a:p>
             <a:r>
-              <a:rPr lang="en-US" dirty="0" smtClean="0"/>
+              <a:rPr lang="en-US" dirty="0"/>
               <a:t>Jeffrey Yeung</a:t>
             </a:r>
           </a:p>
           <a:p>
             <a:r>
-              <a:rPr lang="en-US" dirty="0" err="1" smtClean="0"/>
+              <a:rPr lang="en-US" dirty="0" err="1"/>
               <a:t>Yidi</a:t>
             </a:r>
             <a:r>
-              <a:rPr lang="en-US" dirty="0" smtClean="0"/>
+              <a:rPr lang="en-US" dirty="0"/>
               <a:t> Zhu</a:t>
             </a:r>
-            <a:endParaRPr lang="en-US" dirty="0"/>
           </a:p>
         </p:txBody>
       </p:sp>
@@ -4550,16 +4516,15 @@
           </a:lstStyle>
           <a:p>
             <a:r>
-              <a:rPr lang="en-US" dirty="0" smtClean="0"/>
+              <a:rPr lang="en-US" dirty="0"/>
               <a:t>name</a:t>
             </a:r>
           </a:p>
           <a:p>
             <a:r>
-              <a:rPr lang="en-US" dirty="0" smtClean="0"/>
+              <a:rPr lang="en-US" dirty="0"/>
               <a:t>name</a:t>
             </a:r>
-            <a:endParaRPr lang="en-US" dirty="0"/>
           </a:p>
         </p:txBody>
       </p:sp>
@@ -4597,13 +4562,6 @@
   <p:clrMapOvr>
     <a:masterClrMapping/>
   </p:clrMapOvr>
-  <p:timing>
-    <p:tnLst>
-      <p:par>
-        <p:cTn id="1" dur="indefinite" restart="never" nodeType="tmRoot"/>
-      </p:par>
-    </p:tnLst>
-  </p:timing>
 </p:sld>
 </file>
 
@@ -4654,10 +4612,9 @@
           <a:p>
             <a:pPr algn="ctr"/>
             <a:r>
-              <a:rPr lang="en-US" sz="4000" dirty="0" smtClean="0"/>
+              <a:rPr lang="en-US" sz="4000" dirty="0"/>
               <a:t>Slide about how good our recommendations are</a:t>
             </a:r>
-            <a:endParaRPr lang="en-US" sz="4000" dirty="0"/>
           </a:p>
         </p:txBody>
       </p:sp>
@@ -4690,13 +4647,13 @@
           <a:lstStyle/>
           <a:p>
             <a:r>
-              <a:rPr lang="en-US" dirty="0" smtClean="0"/>
+              <a:rPr lang="en-US" dirty="0"/>
               <a:t>Text</a:t>
             </a:r>
           </a:p>
           <a:p>
             <a:r>
-              <a:rPr lang="en-US" dirty="0" smtClean="0"/>
+              <a:rPr lang="en-US" dirty="0"/>
               <a:t>Text</a:t>
             </a:r>
           </a:p>
@@ -4739,13 +4696,6 @@
   <p:clrMapOvr>
     <a:masterClrMapping/>
   </p:clrMapOvr>
-  <p:timing>
-    <p:tnLst>
-      <p:par>
-        <p:cTn id="1" dur="indefinite" restart="never" nodeType="tmRoot"/>
-      </p:par>
-    </p:tnLst>
-  </p:timing>
 </p:sld>
 </file>
 
@@ -4796,10 +4746,9 @@
           <a:p>
             <a:pPr algn="ctr"/>
             <a:r>
-              <a:rPr lang="en-US" sz="4000" dirty="0" smtClean="0"/>
+              <a:rPr lang="en-US" sz="4000" dirty="0"/>
               <a:t>Slide about other methods (greedy)</a:t>
             </a:r>
-            <a:endParaRPr lang="en-US" sz="4000" dirty="0"/>
           </a:p>
         </p:txBody>
       </p:sp>
@@ -4832,13 +4781,13 @@
           <a:lstStyle/>
           <a:p>
             <a:r>
-              <a:rPr lang="en-US" dirty="0" smtClean="0"/>
+              <a:rPr lang="en-US" dirty="0"/>
               <a:t>Text</a:t>
             </a:r>
           </a:p>
           <a:p>
             <a:r>
-              <a:rPr lang="en-US" dirty="0" smtClean="0"/>
+              <a:rPr lang="en-US" dirty="0"/>
               <a:t>Text</a:t>
             </a:r>
           </a:p>
@@ -4881,13 +4830,6 @@
   <p:clrMapOvr>
     <a:masterClrMapping/>
   </p:clrMapOvr>
-  <p:timing>
-    <p:tnLst>
-      <p:par>
-        <p:cTn id="1" dur="indefinite" restart="never" nodeType="tmRoot"/>
-      </p:par>
-    </p:tnLst>
-  </p:timing>
 </p:sld>
 </file>
 
@@ -4938,10 +4880,9 @@
           <a:p>
             <a:pPr algn="ctr"/>
             <a:r>
-              <a:rPr lang="en-US" sz="4000" dirty="0" smtClean="0"/>
+              <a:rPr lang="en-US" sz="4000" dirty="0"/>
               <a:t>Randomly picking bets</a:t>
             </a:r>
-            <a:endParaRPr lang="en-US" sz="4000" dirty="0"/>
           </a:p>
         </p:txBody>
       </p:sp>
@@ -4974,13 +4915,13 @@
           <a:lstStyle/>
           <a:p>
             <a:r>
-              <a:rPr lang="en-US" dirty="0" smtClean="0"/>
+              <a:rPr lang="en-US" dirty="0"/>
               <a:t>Text</a:t>
             </a:r>
           </a:p>
           <a:p>
             <a:r>
-              <a:rPr lang="en-US" dirty="0" smtClean="0"/>
+              <a:rPr lang="en-US" dirty="0"/>
               <a:t>Text</a:t>
             </a:r>
           </a:p>
@@ -5023,13 +4964,6 @@
   <p:clrMapOvr>
     <a:masterClrMapping/>
   </p:clrMapOvr>
-  <p:timing>
-    <p:tnLst>
-      <p:par>
-        <p:cTn id="1" dur="indefinite" restart="never" nodeType="tmRoot"/>
-      </p:par>
-    </p:tnLst>
-  </p:timing>
 </p:sld>
 </file>
 
@@ -5221,13 +5155,6 @@
   <p:clrMapOvr>
     <a:masterClrMapping/>
   </p:clrMapOvr>
-  <p:timing>
-    <p:tnLst>
-      <p:par>
-        <p:cTn id="1" dur="indefinite" restart="never" nodeType="tmRoot"/>
-      </p:par>
-    </p:tnLst>
-  </p:timing>
 </p:sld>
 </file>
 
@@ -5313,39 +5240,25 @@
           <a:p>
             <a:r>
               <a:rPr lang="en-US" dirty="0"/>
-              <a:t>Correctly predicting match </a:t>
-            </a:r>
-            <a:r>
-              <a:rPr lang="en-US" dirty="0" smtClean="0"/>
-              <a:t>outcomes provides more information for betting decisions</a:t>
-            </a:r>
-            <a:endParaRPr lang="en-US" dirty="0"/>
-          </a:p>
-          <a:p>
-            <a:r>
-              <a:rPr lang="en-US" dirty="0" smtClean="0"/>
+              <a:t>Correctly predicting match outcomes provides more information for betting decisions</a:t>
+            </a:r>
+          </a:p>
+          <a:p>
+            <a:r>
+              <a:rPr lang="en-US" dirty="0"/>
               <a:t>Betting on the appropriate team improves earnings</a:t>
             </a:r>
           </a:p>
           <a:p>
             <a:r>
-              <a:rPr lang="en-US" dirty="0" smtClean="0"/>
+              <a:rPr lang="en-US" dirty="0"/>
               <a:t>Real world application of winning or losing money</a:t>
             </a:r>
-            <a:endParaRPr lang="en-US" dirty="0"/>
           </a:p>
           <a:p>
             <a:r>
               <a:rPr lang="en-US" dirty="0"/>
-              <a:t>Not necessarily optimal to always bet on the </a:t>
-            </a:r>
-            <a:r>
-              <a:rPr lang="en-US" dirty="0" smtClean="0"/>
-              <a:t>better </a:t>
-            </a:r>
-            <a:r>
-              <a:rPr lang="en-US" dirty="0"/>
-              <a:t>winning team</a:t>
+              <a:t>Not necessarily optimal to always bet on the better winning team</a:t>
             </a:r>
           </a:p>
         </p:txBody>
@@ -5427,13 +5340,6 @@
   <p:clrMapOvr>
     <a:masterClrMapping/>
   </p:clrMapOvr>
-  <p:timing>
-    <p:tnLst>
-      <p:par>
-        <p:cTn id="1" dur="indefinite" restart="never" nodeType="tmRoot"/>
-      </p:par>
-    </p:tnLst>
-  </p:timing>
 </p:sld>
 </file>
 
@@ -5518,44 +5424,15 @@
           <a:lstStyle/>
           <a:p>
             <a:r>
-              <a:rPr lang="en-US" dirty="0" smtClean="0"/>
-              <a:t>Our </a:t>
-            </a:r>
-            <a:r>
               <a:rPr lang="en-US" dirty="0"/>
-              <a:t>objective is to </a:t>
-            </a:r>
-            <a:r>
-              <a:rPr lang="en-US" dirty="0" smtClean="0"/>
-              <a:t>predict </a:t>
-            </a:r>
+              <a:t>Our objective is to predict each NBA team’s overall yearly win rate, and predict, for any given match, each team’s likelihood of winning based on the team rosters</a:t>
+            </a:r>
+          </a:p>
+          <a:p>
             <a:r>
               <a:rPr lang="en-US" dirty="0"/>
-              <a:t>each NBA team’s </a:t>
-            </a:r>
-            <a:r>
-              <a:rPr lang="en-US" dirty="0" smtClean="0"/>
-              <a:t>overall yearly win rate, </a:t>
-            </a:r>
-            <a:r>
-              <a:rPr lang="en-US" dirty="0"/>
-              <a:t>and predict, for any given match, each team’s likelihood of winning based on the team rosters</a:t>
-            </a:r>
-          </a:p>
-          <a:p>
-            <a:r>
-              <a:rPr lang="en-US" dirty="0"/>
-              <a:t>We will also </a:t>
-            </a:r>
-            <a:r>
-              <a:rPr lang="en-US" dirty="0" smtClean="0"/>
-              <a:t>calculate the optimal team to bet on based on actual betting odds given by </a:t>
-            </a:r>
-            <a:r>
-              <a:rPr lang="en-US" dirty="0" smtClean="0"/>
-              <a:t>betting sites and our predicted win probability of each of the two teams for any given match</a:t>
-            </a:r>
-            <a:endParaRPr lang="en-US" dirty="0"/>
+              <a:t>We will also calculate the optimal team to bet on based on actual betting odds given by betting sites and our predicted win probability of each of the two teams for any given match</a:t>
+            </a:r>
           </a:p>
         </p:txBody>
       </p:sp>
@@ -5623,13 +5500,6 @@
   <p:clrMapOvr>
     <a:masterClrMapping/>
   </p:clrMapOvr>
-  <p:timing>
-    <p:tnLst>
-      <p:par>
-        <p:cTn id="1" dur="indefinite" restart="never" nodeType="tmRoot"/>
-      </p:par>
-    </p:tnLst>
-  </p:timing>
 </p:sld>
 </file>
 
@@ -5715,78 +5585,38 @@
           <a:p>
             <a:r>
               <a:rPr lang="en-US" dirty="0"/>
-              <a:t>Scrape NBA players’ </a:t>
-            </a:r>
-            <a:r>
-              <a:rPr lang="en-US" dirty="0" smtClean="0"/>
-              <a:t>stats, </a:t>
-            </a:r>
+              <a:t>Scrape NBA players’ stats, each match’s outcome, and each NBA team’s overall win rate for each of the last 30 years and split into training, validation, and testing sets</a:t>
+            </a:r>
+          </a:p>
+          <a:p>
             <a:r>
               <a:rPr lang="en-US" dirty="0"/>
-              <a:t>each match’s outcome, and each NBA team’s overall win rate for each of the last 30 </a:t>
-            </a:r>
-            <a:r>
-              <a:rPr lang="en-US" dirty="0" smtClean="0"/>
-              <a:t>years and split into training, validation, and testing sets</a:t>
-            </a:r>
-            <a:endParaRPr lang="en-US" dirty="0"/>
+              <a:t>Scrape actual historical betting odds for the last 10 years</a:t>
+            </a:r>
           </a:p>
           <a:p>
             <a:r>
               <a:rPr lang="en-US" dirty="0"/>
-              <a:t>Scrape </a:t>
-            </a:r>
-            <a:r>
-              <a:rPr lang="en-US" dirty="0" smtClean="0"/>
-              <a:t>actual historical </a:t>
-            </a:r>
+              <a:t>Calculate the most impactful advanced player metrics</a:t>
+            </a:r>
+          </a:p>
+          <a:p>
             <a:r>
               <a:rPr lang="en-US" dirty="0"/>
-              <a:t>betting odds for the last 10 years</a:t>
+              <a:t>Predict team’s overall yearly win rate based on each player’s contributions to the team</a:t>
             </a:r>
           </a:p>
           <a:p>
             <a:r>
               <a:rPr lang="en-US" dirty="0"/>
-              <a:t>Calculate the most impactful advanced player </a:t>
-            </a:r>
-            <a:r>
-              <a:rPr lang="en-US" dirty="0" smtClean="0"/>
-              <a:t>metrics</a:t>
-            </a:r>
-            <a:endParaRPr lang="en-US" dirty="0"/>
+              <a:t>Calculate each team’s win probability for every match</a:t>
+            </a:r>
           </a:p>
           <a:p>
             <a:r>
               <a:rPr lang="en-US" dirty="0"/>
-              <a:t>Predict team’s overall yearly win rate based on </a:t>
-            </a:r>
-            <a:r>
-              <a:rPr lang="en-US" dirty="0" smtClean="0"/>
-              <a:t>each player’s contributions to the team</a:t>
-            </a:r>
-            <a:endParaRPr lang="en-US" dirty="0"/>
-          </a:p>
-          <a:p>
-            <a:r>
-              <a:rPr lang="en-US" dirty="0" smtClean="0"/>
-              <a:t>Calculate </a:t>
-            </a:r>
-            <a:r>
-              <a:rPr lang="en-US" dirty="0"/>
-              <a:t>each team’s win probability for </a:t>
-            </a:r>
-            <a:r>
-              <a:rPr lang="en-US" dirty="0" smtClean="0"/>
-              <a:t>every match</a:t>
-            </a:r>
-          </a:p>
-          <a:p>
-            <a:r>
-              <a:rPr lang="en-US" dirty="0" smtClean="0"/>
               <a:t>Recommend the optimal team to bet on win probability and actual betting odds</a:t>
             </a:r>
-            <a:endParaRPr lang="en-US" dirty="0"/>
           </a:p>
         </p:txBody>
       </p:sp>
@@ -5824,13 +5654,6 @@
   <p:clrMapOvr>
     <a:masterClrMapping/>
   </p:clrMapOvr>
-  <p:timing>
-    <p:tnLst>
-      <p:par>
-        <p:cTn id="1" dur="indefinite" restart="never" nodeType="tmRoot"/>
-      </p:par>
-    </p:tnLst>
-  </p:timing>
 </p:sld>
 </file>
 
@@ -5943,7 +5766,7 @@
           </a:p>
           <a:p>
             <a:r>
-              <a:rPr lang="en-US" dirty="0" smtClean="0"/>
+              <a:rPr lang="en-US" dirty="0"/>
               <a:t>Incorporated all metrics for our model because even the relatively low-weighted stats contribute to a team’s performance</a:t>
             </a:r>
           </a:p>
@@ -6017,13 +5840,6 @@
   <p:clrMapOvr>
     <a:masterClrMapping/>
   </p:clrMapOvr>
-  <p:timing>
-    <p:tnLst>
-      <p:par>
-        <p:cTn id="1" dur="indefinite" restart="never" nodeType="tmRoot"/>
-      </p:par>
-    </p:tnLst>
-  </p:timing>
 </p:sld>
 </file>
 
@@ -6108,23 +5924,21 @@
           <a:lstStyle/>
           <a:p>
             <a:r>
-              <a:rPr lang="en-US" dirty="0" smtClean="0"/>
+              <a:rPr lang="en-US" dirty="0"/>
               <a:t>Each colored dot represents a different team</a:t>
             </a:r>
           </a:p>
           <a:p>
             <a:r>
-              <a:rPr lang="en-US" dirty="0" smtClean="0"/>
+              <a:rPr lang="en-US" dirty="0"/>
               <a:t>Compared our predicted win rate for every team to the actual win rate (2018)</a:t>
             </a:r>
-            <a:endParaRPr lang="en-US" dirty="0" smtClean="0"/>
-          </a:p>
-          <a:p>
-            <a:r>
-              <a:rPr lang="en-US" dirty="0" smtClean="0"/>
+          </a:p>
+          <a:p>
+            <a:r>
+              <a:rPr lang="en-US" dirty="0"/>
               <a:t>Mean squared error 0.1162</a:t>
             </a:r>
-            <a:endParaRPr lang="en-US" dirty="0" smtClean="0"/>
           </a:p>
         </p:txBody>
       </p:sp>
@@ -6192,13 +6006,6 @@
   <p:clrMapOvr>
     <a:masterClrMapping/>
   </p:clrMapOvr>
-  <p:timing>
-    <p:tnLst>
-      <p:par>
-        <p:cTn id="1" dur="indefinite" restart="never" nodeType="tmRoot"/>
-      </p:par>
-    </p:tnLst>
-  </p:timing>
 </p:sld>
 </file>
 
@@ -6340,7 +6147,7 @@
               <a:buNone/>
             </a:pPr>
             <a:r>
-              <a:rPr lang="en-US" sz="2000" dirty="0" smtClean="0"/>
+              <a:rPr lang="en-US" sz="2000" dirty="0"/>
               <a:t>Mean Squared Errors</a:t>
             </a:r>
           </a:p>
@@ -6393,10 +6200,9 @@
                     <a:lstStyle/>
                     <a:p>
                       <a:r>
-                        <a:rPr lang="en-US" dirty="0" smtClean="0"/>
+                        <a:rPr lang="en-US" dirty="0"/>
                         <a:t>2014</a:t>
                       </a:r>
-                      <a:endParaRPr lang="en-US" dirty="0"/>
                     </a:p>
                   </a:txBody>
                   <a:tcPr/>
@@ -6424,10 +6230,9 @@
                     <a:lstStyle/>
                     <a:p>
                       <a:r>
-                        <a:rPr lang="en-US" dirty="0" smtClean="0"/>
+                        <a:rPr lang="en-US" dirty="0"/>
                         <a:t>2015</a:t>
                       </a:r>
-                      <a:endParaRPr lang="en-US" dirty="0"/>
                     </a:p>
                   </a:txBody>
                   <a:tcPr/>
@@ -6455,10 +6260,9 @@
                     <a:lstStyle/>
                     <a:p>
                       <a:r>
-                        <a:rPr lang="en-US" dirty="0" smtClean="0"/>
+                        <a:rPr lang="en-US" dirty="0"/>
                         <a:t>2016</a:t>
                       </a:r>
-                      <a:endParaRPr lang="en-US" dirty="0"/>
                     </a:p>
                   </a:txBody>
                   <a:tcPr/>
@@ -6486,10 +6290,9 @@
                     <a:lstStyle/>
                     <a:p>
                       <a:r>
-                        <a:rPr lang="en-US" dirty="0" smtClean="0"/>
+                        <a:rPr lang="en-US" dirty="0"/>
                         <a:t>2017</a:t>
                       </a:r>
-                      <a:endParaRPr lang="en-US" dirty="0"/>
                     </a:p>
                   </a:txBody>
                   <a:tcPr/>
@@ -6524,13 +6327,6 @@
   <p:clrMapOvr>
     <a:masterClrMapping/>
   </p:clrMapOvr>
-  <p:timing>
-    <p:tnLst>
-      <p:par>
-        <p:cTn id="1" dur="indefinite" restart="never" nodeType="tmRoot"/>
-      </p:par>
-    </p:tnLst>
-  </p:timing>
 </p:sld>
 </file>
 
@@ -6581,10 +6377,9 @@
           <a:p>
             <a:pPr algn="ctr"/>
             <a:r>
-              <a:rPr lang="en-US" sz="4000" dirty="0" smtClean="0"/>
+              <a:rPr lang="en-US" sz="4000" dirty="0"/>
               <a:t>Betting Recommendations</a:t>
             </a:r>
-            <a:endParaRPr lang="en-US" sz="4000" dirty="0"/>
           </a:p>
         </p:txBody>
       </p:sp>
@@ -6617,16 +6412,15 @@
           <a:lstStyle/>
           <a:p>
             <a:r>
-              <a:rPr lang="en-US" dirty="0" smtClean="0"/>
+              <a:rPr lang="en-US" dirty="0"/>
               <a:t>For every match in a year, we recommend the optimal team to bet on based on their predicted win rates and the actual betting odds</a:t>
             </a:r>
           </a:p>
           <a:p>
             <a:r>
-              <a:rPr lang="en-US" dirty="0" smtClean="0"/>
+              <a:rPr lang="en-US" dirty="0"/>
               <a:t>We can see that although in general it is better to bet on the predicted winning team, sometimes it is optimal to bet on the predicted losing team if the odds are favorable</a:t>
             </a:r>
-            <a:endParaRPr lang="en-US" dirty="0" smtClean="0"/>
           </a:p>
           <a:p>
             <a:endParaRPr lang="en-US" dirty="0"/>
@@ -6700,13 +6494,6 @@
   <p:clrMapOvr>
     <a:masterClrMapping/>
   </p:clrMapOvr>
-  <p:timing>
-    <p:tnLst>
-      <p:par>
-        <p:cTn id="1" dur="indefinite" restart="never" nodeType="tmRoot"/>
-      </p:par>
-    </p:tnLst>
-  </p:timing>
 </p:sld>
 </file>
 

--- a/Presentation.pptx
+++ b/Presentation.pptx
@@ -5,10 +5,10 @@
     <p:sldMasterId id="2147483648" r:id="rId1"/>
   </p:sldMasterIdLst>
   <p:notesMasterIdLst>
-    <p:notesMasterId r:id="rId14"/>
+    <p:notesMasterId r:id="rId13"/>
   </p:notesMasterIdLst>
   <p:handoutMasterIdLst>
-    <p:handoutMasterId r:id="rId15"/>
+    <p:handoutMasterId r:id="rId14"/>
   </p:handoutMasterIdLst>
   <p:sldIdLst>
     <p:sldId id="256" r:id="rId2"/>
@@ -19,10 +19,9 @@
     <p:sldId id="267" r:id="rId7"/>
     <p:sldId id="266" r:id="rId8"/>
     <p:sldId id="274" r:id="rId9"/>
-    <p:sldId id="270" r:id="rId10"/>
-    <p:sldId id="271" r:id="rId11"/>
-    <p:sldId id="272" r:id="rId12"/>
-    <p:sldId id="273" r:id="rId13"/>
+    <p:sldId id="275" r:id="rId10"/>
+    <p:sldId id="270" r:id="rId11"/>
+    <p:sldId id="271" r:id="rId12"/>
   </p:sldIdLst>
   <p:sldSz cx="9144000" cy="6858000" type="screen4x3"/>
   <p:notesSz cx="6858000" cy="9144000"/>
@@ -4254,12 +4253,24 @@
               <a:rPr lang="en-US" sz="4200" dirty="0"/>
               <a:t>Betting Predictions</a:t>
             </a:r>
+            <a:r>
+              <a:rPr lang="en-US" sz="3000" dirty="0"/>
+              <a:t/>
+            </a:r>
             <a:br>
               <a:rPr lang="en-US" sz="3000" dirty="0"/>
             </a:br>
+            <a:r>
+              <a:rPr lang="en-US" sz="3000" dirty="0"/>
+              <a:t/>
+            </a:r>
             <a:br>
               <a:rPr lang="en-US" sz="3000" dirty="0"/>
             </a:br>
+            <a:r>
+              <a:rPr lang="en-US" sz="3000" dirty="0"/>
+              <a:t/>
+            </a:r>
             <a:br>
               <a:rPr lang="en-US" sz="3000" dirty="0"/>
             </a:br>
@@ -4350,7 +4361,7 @@
         </p:nvSpPr>
         <p:spPr>
           <a:xfrm>
-            <a:off x="3886200" y="4938252"/>
+            <a:off x="4191000" y="4927988"/>
             <a:ext cx="2648597" cy="773543"/>
           </a:xfrm>
           <a:prstGeom prst="rect">
@@ -4516,15 +4527,25 @@
           </a:lstStyle>
           <a:p>
             <a:r>
-              <a:rPr lang="en-US" dirty="0"/>
-              <a:t>name</a:t>
-            </a:r>
-          </a:p>
-          <a:p>
-            <a:r>
-              <a:rPr lang="en-US" dirty="0"/>
-              <a:t>name</a:t>
-            </a:r>
+              <a:rPr lang="en-US" dirty="0" err="1" smtClean="0"/>
+              <a:t>Jiachen</a:t>
+            </a:r>
+            <a:r>
+              <a:rPr lang="en-US" dirty="0" smtClean="0"/>
+              <a:t> Li</a:t>
+            </a:r>
+            <a:endParaRPr lang="en-US" dirty="0"/>
+          </a:p>
+          <a:p>
+            <a:r>
+              <a:rPr lang="en-US" dirty="0" err="1" smtClean="0"/>
+              <a:t>Weixin</a:t>
+            </a:r>
+            <a:r>
+              <a:rPr lang="en-US" dirty="0" smtClean="0"/>
+              <a:t> Li</a:t>
+            </a:r>
+            <a:endParaRPr lang="en-US" dirty="0"/>
           </a:p>
         </p:txBody>
       </p:sp>
@@ -4613,7 +4634,7 @@
             <a:pPr algn="ctr"/>
             <a:r>
               <a:rPr lang="en-US" sz="4000" dirty="0"/>
-              <a:t>Slide about how good our recommendations are</a:t>
+              <a:t>Betting Recommendations</a:t>
             </a:r>
           </a:p>
         </p:txBody>
@@ -4642,29 +4663,37 @@
         </p:spPr>
         <p:txBody>
           <a:bodyPr>
-            <a:normAutofit/>
+            <a:normAutofit lnSpcReduction="10000"/>
           </a:bodyPr>
           <a:lstStyle/>
           <a:p>
             <a:r>
               <a:rPr lang="en-US" dirty="0"/>
-              <a:t>Text</a:t>
+              <a:t>For every match in a year, we recommend the optimal team to bet on based on their predicted win rates and the actual betting odds</a:t>
             </a:r>
           </a:p>
           <a:p>
             <a:r>
               <a:rPr lang="en-US" dirty="0"/>
-              <a:t>Text</a:t>
-            </a:r>
-          </a:p>
-          <a:p>
+              <a:t>We can see that although in general it is better to bet on the predicted winning team, sometimes it is optimal to bet on the predicted losing team if the </a:t>
+            </a:r>
+            <a:r>
+              <a:rPr lang="en-US" dirty="0" smtClean="0"/>
+              <a:t>odds are skewed</a:t>
+            </a:r>
             <a:endParaRPr lang="en-US" dirty="0"/>
           </a:p>
-        </p:txBody>
-      </p:sp>
-      <p:sp>
-        <p:nvSpPr>
-          <p:cNvPr id="3" name="Slide Number Placeholder 2"/>
+          <a:p>
+            <a:endParaRPr lang="en-US" dirty="0"/>
+          </a:p>
+          <a:p>
+            <a:endParaRPr lang="en-US" dirty="0"/>
+          </a:p>
+        </p:txBody>
+      </p:sp>
+      <p:sp>
+        <p:nvSpPr>
+          <p:cNvPr id="5" name="Slide Number Placeholder 4"/>
           <p:cNvSpPr>
             <a:spLocks noGrp="1"/>
           </p:cNvSpPr>
@@ -4686,10 +4715,40 @@
           </a:p>
         </p:txBody>
       </p:sp>
+      <p:pic>
+        <p:nvPicPr>
+          <p:cNvPr id="3" name="Picture 2"/>
+          <p:cNvPicPr>
+            <a:picLocks noChangeAspect="1"/>
+          </p:cNvPicPr>
+          <p:nvPr/>
+        </p:nvPicPr>
+        <p:blipFill>
+          <a:blip r:embed="rId2">
+            <a:extLst>
+              <a:ext uri="{28A0092B-C50C-407E-A947-70E740481C1C}">
+                <a14:useLocalDpi xmlns:a14="http://schemas.microsoft.com/office/drawing/2010/main" val="0"/>
+              </a:ext>
+            </a:extLst>
+          </a:blip>
+          <a:stretch>
+            <a:fillRect/>
+          </a:stretch>
+        </p:blipFill>
+        <p:spPr>
+          <a:xfrm>
+            <a:off x="1066800" y="3505200"/>
+            <a:ext cx="7356762" cy="2514600"/>
+          </a:xfrm>
+          <a:prstGeom prst="rect">
+            <a:avLst/>
+          </a:prstGeom>
+        </p:spPr>
+      </p:pic>
     </p:spTree>
     <p:extLst>
       <p:ext uri="{BB962C8B-B14F-4D97-AF65-F5344CB8AC3E}">
-        <p14:creationId xmlns:p14="http://schemas.microsoft.com/office/powerpoint/2010/main" val="1169549698"/>
+        <p14:creationId xmlns:p14="http://schemas.microsoft.com/office/powerpoint/2010/main" val="2701532853"/>
       </p:ext>
     </p:extLst>
   </p:cSld>
@@ -4734,8 +4793,8 @@
         </p:nvSpPr>
         <p:spPr>
           <a:xfrm>
-            <a:off x="1228772" y="457200"/>
-            <a:ext cx="6815138" cy="685800"/>
+            <a:off x="1143000" y="457199"/>
+            <a:ext cx="7305628" cy="685800"/>
           </a:xfrm>
         </p:spPr>
         <p:txBody>
@@ -4746,9 +4805,10 @@
           <a:p>
             <a:pPr algn="ctr"/>
             <a:r>
-              <a:rPr lang="en-US" sz="4000" dirty="0"/>
-              <a:t>Slide about other methods (greedy)</a:t>
-            </a:r>
+              <a:rPr lang="en-US" sz="4000" dirty="0" smtClean="0"/>
+              <a:t>Recommendation Evaluation</a:t>
+            </a:r>
+            <a:endParaRPr lang="en-US" sz="4000" dirty="0"/>
           </a:p>
         </p:txBody>
       </p:sp>
@@ -4770,28 +4830,69 @@
         </p:nvSpPr>
         <p:spPr>
           <a:xfrm>
-            <a:off x="457200" y="1143000"/>
-            <a:ext cx="8229600" cy="2209800"/>
+            <a:off x="381000" y="1295400"/>
+            <a:ext cx="3157076" cy="5176579"/>
           </a:xfrm>
         </p:spPr>
         <p:txBody>
           <a:bodyPr>
-            <a:normAutofit/>
+            <a:normAutofit lnSpcReduction="10000"/>
           </a:bodyPr>
           <a:lstStyle/>
           <a:p>
             <a:r>
-              <a:rPr lang="en-US" dirty="0"/>
-              <a:t>Text</a:t>
-            </a:r>
-          </a:p>
-          <a:p>
-            <a:r>
-              <a:rPr lang="en-US" dirty="0"/>
-              <a:t>Text</a:t>
-            </a:r>
-          </a:p>
-          <a:p>
+              <a:rPr lang="en-US" dirty="0" smtClean="0"/>
+              <a:t>5 Methods:</a:t>
+            </a:r>
+          </a:p>
+          <a:p>
+            <a:pPr lvl="1"/>
+            <a:r>
+              <a:rPr lang="en-US" dirty="0" smtClean="0"/>
+              <a:t>Our model</a:t>
+            </a:r>
+          </a:p>
+          <a:p>
+            <a:pPr lvl="1"/>
+            <a:r>
+              <a:rPr lang="en-US" dirty="0" smtClean="0"/>
+              <a:t>Greedy (Choose most positive)</a:t>
+            </a:r>
+          </a:p>
+          <a:p>
+            <a:pPr lvl="1"/>
+            <a:r>
+              <a:rPr lang="en-US" dirty="0" smtClean="0"/>
+              <a:t>Greedy (Choose most negative)</a:t>
+            </a:r>
+          </a:p>
+          <a:p>
+            <a:pPr lvl="1"/>
+            <a:r>
+              <a:rPr lang="en-US" dirty="0" smtClean="0"/>
+              <a:t>Highest Win % (Choose predicted winner)</a:t>
+            </a:r>
+          </a:p>
+          <a:p>
+            <a:pPr lvl="1"/>
+            <a:r>
+              <a:rPr lang="en-US" dirty="0" smtClean="0"/>
+              <a:t>Random selection</a:t>
+            </a:r>
+            <a:endParaRPr lang="en-US" dirty="0"/>
+          </a:p>
+          <a:p>
+            <a:r>
+              <a:rPr lang="en-US" dirty="0" smtClean="0"/>
+              <a:t>Baseline $656200</a:t>
+            </a:r>
+          </a:p>
+          <a:p>
+            <a:pPr lvl="1"/>
+            <a:r>
+              <a:rPr lang="en-US" dirty="0" smtClean="0"/>
+              <a:t>Amount remaining if zero bets are made in last 5 years)</a:t>
+            </a:r>
             <a:endParaRPr lang="en-US" dirty="0"/>
           </a:p>
         </p:txBody>
@@ -4820,144 +4921,40 @@
           </a:p>
         </p:txBody>
       </p:sp>
+      <p:pic>
+        <p:nvPicPr>
+          <p:cNvPr id="4" name="Picture 3"/>
+          <p:cNvPicPr>
+            <a:picLocks noChangeAspect="1"/>
+          </p:cNvPicPr>
+          <p:nvPr/>
+        </p:nvPicPr>
+        <p:blipFill>
+          <a:blip r:embed="rId2">
+            <a:extLst>
+              <a:ext uri="{28A0092B-C50C-407E-A947-70E740481C1C}">
+                <a14:useLocalDpi xmlns:a14="http://schemas.microsoft.com/office/drawing/2010/main" val="0"/>
+              </a:ext>
+            </a:extLst>
+          </a:blip>
+          <a:stretch>
+            <a:fillRect/>
+          </a:stretch>
+        </p:blipFill>
+        <p:spPr>
+          <a:xfrm>
+            <a:off x="3614276" y="1149402"/>
+            <a:ext cx="5224510" cy="4942253"/>
+          </a:xfrm>
+          <a:prstGeom prst="rect">
+            <a:avLst/>
+          </a:prstGeom>
+        </p:spPr>
+      </p:pic>
     </p:spTree>
     <p:extLst>
       <p:ext uri="{BB962C8B-B14F-4D97-AF65-F5344CB8AC3E}">
-        <p14:creationId xmlns:p14="http://schemas.microsoft.com/office/powerpoint/2010/main" val="3386165299"/>
-      </p:ext>
-    </p:extLst>
-  </p:cSld>
-  <p:clrMapOvr>
-    <a:masterClrMapping/>
-  </p:clrMapOvr>
-</p:sld>
-</file>
-
-<file path=ppt/slides/slide12.xml><?xml version="1.0" encoding="utf-8"?>
-<p:sld xmlns:a="http://schemas.openxmlformats.org/drawingml/2006/main" xmlns:r="http://schemas.openxmlformats.org/officeDocument/2006/relationships" xmlns:p="http://schemas.openxmlformats.org/presentationml/2006/main">
-  <p:cSld>
-    <p:spTree>
-      <p:nvGrpSpPr>
-        <p:cNvPr id="1" name=""/>
-        <p:cNvGrpSpPr/>
-        <p:nvPr/>
-      </p:nvGrpSpPr>
-      <p:grpSpPr>
-        <a:xfrm>
-          <a:off x="0" y="0"/>
-          <a:ext cx="0" cy="0"/>
-          <a:chOff x="0" y="0"/>
-          <a:chExt cx="0" cy="0"/>
-        </a:xfrm>
-      </p:grpSpPr>
-      <p:sp>
-        <p:nvSpPr>
-          <p:cNvPr id="2" name="Title 1">
-            <a:extLst>
-              <a:ext uri="{FF2B5EF4-FFF2-40B4-BE49-F238E27FC236}">
-                <a16:creationId xmlns:a16="http://schemas.microsoft.com/office/drawing/2014/main" id="{12622C76-1B4D-46DB-91AF-97C1B84A2289}"/>
-              </a:ext>
-            </a:extLst>
-          </p:cNvPr>
-          <p:cNvSpPr>
-            <a:spLocks noGrp="1"/>
-          </p:cNvSpPr>
-          <p:nvPr>
-            <p:ph type="title"/>
-          </p:nvPr>
-        </p:nvSpPr>
-        <p:spPr>
-          <a:xfrm>
-            <a:off x="1228772" y="457200"/>
-            <a:ext cx="6815138" cy="685800"/>
-          </a:xfrm>
-        </p:spPr>
-        <p:txBody>
-          <a:bodyPr>
-            <a:noAutofit/>
-          </a:bodyPr>
-          <a:lstStyle/>
-          <a:p>
-            <a:pPr algn="ctr"/>
-            <a:r>
-              <a:rPr lang="en-US" sz="4000" dirty="0"/>
-              <a:t>Randomly picking bets</a:t>
-            </a:r>
-          </a:p>
-        </p:txBody>
-      </p:sp>
-      <p:sp>
-        <p:nvSpPr>
-          <p:cNvPr id="9" name="Content Placeholder 3">
-            <a:extLst>
-              <a:ext uri="{FF2B5EF4-FFF2-40B4-BE49-F238E27FC236}">
-                <a16:creationId xmlns:a16="http://schemas.microsoft.com/office/drawing/2014/main" id="{571828D7-AA7A-4F42-AFCE-35573AED3DC4}"/>
-              </a:ext>
-            </a:extLst>
-          </p:cNvPr>
-          <p:cNvSpPr>
-            <a:spLocks noGrp="1"/>
-          </p:cNvSpPr>
-          <p:nvPr>
-            <p:ph sz="half" idx="2"/>
-          </p:nvPr>
-        </p:nvSpPr>
-        <p:spPr>
-          <a:xfrm>
-            <a:off x="457200" y="1143000"/>
-            <a:ext cx="8229600" cy="2209800"/>
-          </a:xfrm>
-        </p:spPr>
-        <p:txBody>
-          <a:bodyPr>
-            <a:normAutofit/>
-          </a:bodyPr>
-          <a:lstStyle/>
-          <a:p>
-            <a:r>
-              <a:rPr lang="en-US" dirty="0"/>
-              <a:t>Text</a:t>
-            </a:r>
-          </a:p>
-          <a:p>
-            <a:r>
-              <a:rPr lang="en-US" dirty="0"/>
-              <a:t>Text</a:t>
-            </a:r>
-          </a:p>
-          <a:p>
-            <a:endParaRPr lang="en-US" dirty="0"/>
-          </a:p>
-        </p:txBody>
-      </p:sp>
-      <p:sp>
-        <p:nvSpPr>
-          <p:cNvPr id="3" name="Slide Number Placeholder 2"/>
-          <p:cNvSpPr>
-            <a:spLocks noGrp="1"/>
-          </p:cNvSpPr>
-          <p:nvPr>
-            <p:ph type="sldNum" sz="quarter" idx="12"/>
-          </p:nvPr>
-        </p:nvSpPr>
-        <p:spPr/>
-        <p:txBody>
-          <a:bodyPr/>
-          <a:lstStyle/>
-          <a:p>
-            <a:fld id="{B82CCC60-E8CD-4174-8B1A-7DF615B22EEF}" type="slidenum">
-              <a:rPr lang="en-US" smtClean="0"/>
-              <a:pPr/>
-              <a:t>12</a:t>
-            </a:fld>
-            <a:endParaRPr lang="en-US"/>
-          </a:p>
-        </p:txBody>
-      </p:sp>
-    </p:spTree>
-    <p:extLst>
-      <p:ext uri="{BB962C8B-B14F-4D97-AF65-F5344CB8AC3E}">
-        <p14:creationId xmlns:p14="http://schemas.microsoft.com/office/powerpoint/2010/main" val="1847374215"/>
+        <p14:creationId xmlns:p14="http://schemas.microsoft.com/office/powerpoint/2010/main" val="1169549698"/>
       </p:ext>
     </p:extLst>
   </p:cSld>
@@ -5419,7 +5416,7 @@
         </p:spPr>
         <p:txBody>
           <a:bodyPr>
-            <a:normAutofit fontScale="92500"/>
+            <a:normAutofit/>
           </a:bodyPr>
           <a:lstStyle/>
           <a:p>
@@ -5431,8 +5428,21 @@
           <a:p>
             <a:r>
               <a:rPr lang="en-US" dirty="0"/>
-              <a:t>We will also calculate the optimal team to bet on based on actual betting odds given by betting sites and our predicted win probability of each of the two teams for any given match</a:t>
-            </a:r>
+              <a:t>We will also calculate the optimal team to bet on </a:t>
+            </a:r>
+            <a:r>
+              <a:rPr lang="en-US" dirty="0" smtClean="0"/>
+              <a:t>for each match based </a:t>
+            </a:r>
+            <a:r>
+              <a:rPr lang="en-US" dirty="0"/>
+              <a:t>on actual betting odds given by betting sites and our predicted win </a:t>
+            </a:r>
+            <a:r>
+              <a:rPr lang="en-US" dirty="0" smtClean="0"/>
+              <a:t>probabilities</a:t>
+            </a:r>
+            <a:endParaRPr lang="en-US" dirty="0"/>
           </a:p>
         </p:txBody>
       </p:sp>
@@ -5585,13 +5595,21 @@
           <a:p>
             <a:r>
               <a:rPr lang="en-US" dirty="0"/>
-              <a:t>Scrape NBA players’ stats, each match’s outcome, and each NBA team’s overall win rate for each of the last 30 years and split into training, validation, and testing sets</a:t>
-            </a:r>
-          </a:p>
-          <a:p>
+              <a:t>Scrape NBA players’ stats, each match’s outcome, and each NBA team’s overall win rate for each of the last 30 years and </a:t>
+            </a:r>
+            <a:r>
+              <a:rPr lang="en-US" dirty="0" smtClean="0"/>
+              <a:t>split</a:t>
+            </a:r>
+          </a:p>
+          <a:p>
+            <a:r>
+              <a:rPr lang="en-US" dirty="0" smtClean="0"/>
+              <a:t>Scrape </a:t>
+            </a:r>
             <a:r>
               <a:rPr lang="en-US" dirty="0"/>
-              <a:t>Scrape actual historical betting odds for the last 10 years</a:t>
+              <a:t>actual historical betting odds for the last 10 years</a:t>
             </a:r>
           </a:p>
           <a:p>
@@ -5729,56 +5747,100 @@
         <p:spPr>
           <a:xfrm>
             <a:off x="176092" y="1169255"/>
-            <a:ext cx="3657600" cy="5076824"/>
+            <a:ext cx="3329108" cy="5002944"/>
           </a:xfrm>
         </p:spPr>
         <p:txBody>
           <a:bodyPr>
-            <a:normAutofit lnSpcReduction="10000"/>
+            <a:normAutofit/>
           </a:bodyPr>
           <a:lstStyle/>
           <a:p>
             <a:r>
-              <a:rPr lang="en-US" dirty="0"/>
+              <a:rPr lang="en-US" sz="1800" dirty="0"/>
               <a:t>Most important metrics: </a:t>
             </a:r>
           </a:p>
           <a:p>
             <a:pPr lvl="1"/>
             <a:r>
-              <a:rPr lang="en-US" dirty="0"/>
+              <a:rPr lang="en-US" sz="1800" dirty="0"/>
               <a:t>PER (Player Efficiency Rating)</a:t>
             </a:r>
           </a:p>
           <a:p>
             <a:pPr lvl="1"/>
             <a:r>
-              <a:rPr lang="en-US" dirty="0"/>
+              <a:rPr lang="en-US" sz="1800" dirty="0"/>
               <a:t>TRB%/DRB% (Total/Defensive Rebounds Percentage)</a:t>
             </a:r>
           </a:p>
           <a:p>
             <a:pPr lvl="1"/>
             <a:r>
-              <a:rPr lang="en-US" dirty="0"/>
-              <a:t>USG% (Usage Rate)</a:t>
-            </a:r>
-          </a:p>
-          <a:p>
-            <a:r>
-              <a:rPr lang="en-US" dirty="0"/>
-              <a:t>Incorporated all metrics for our model because even the relatively low-weighted stats contribute to a team’s performance</a:t>
+              <a:rPr lang="en-US" sz="1800" dirty="0"/>
+              <a:t>USG% (Usage Rate</a:t>
+            </a:r>
+            <a:r>
+              <a:rPr lang="en-US" sz="1800" dirty="0" smtClean="0"/>
+              <a:t>)</a:t>
             </a:r>
           </a:p>
           <a:p>
             <a:pPr lvl="1"/>
-            <a:endParaRPr lang="en-US" dirty="0"/>
+            <a:r>
+              <a:rPr lang="en-US" sz="1800" dirty="0" smtClean="0"/>
+              <a:t>TOV% (Turnover Rate)</a:t>
+            </a:r>
+            <a:endParaRPr lang="en-US" sz="1800" dirty="0"/>
+          </a:p>
+          <a:p>
+            <a:r>
+              <a:rPr lang="en-US" sz="1800" dirty="0"/>
+              <a:t>Incorporated all metrics for our model because even the relatively low-weighted stats </a:t>
+            </a:r>
+            <a:r>
+              <a:rPr lang="en-US" sz="1800" dirty="0" smtClean="0"/>
+              <a:t>affect a </a:t>
+            </a:r>
+            <a:r>
+              <a:rPr lang="en-US" sz="1800" dirty="0"/>
+              <a:t>team’s performance</a:t>
+            </a:r>
+          </a:p>
+          <a:p>
+            <a:pPr lvl="1"/>
+            <a:endParaRPr lang="en-US" sz="1800" dirty="0"/>
+          </a:p>
+        </p:txBody>
+      </p:sp>
+      <p:sp>
+        <p:nvSpPr>
+          <p:cNvPr id="6" name="Slide Number Placeholder 5"/>
+          <p:cNvSpPr>
+            <a:spLocks noGrp="1"/>
+          </p:cNvSpPr>
+          <p:nvPr>
+            <p:ph type="sldNum" sz="quarter" idx="12"/>
+          </p:nvPr>
+        </p:nvSpPr>
+        <p:spPr/>
+        <p:txBody>
+          <a:bodyPr/>
+          <a:lstStyle/>
+          <a:p>
+            <a:fld id="{B82CCC60-E8CD-4174-8B1A-7DF615B22EEF}" type="slidenum">
+              <a:rPr lang="en-US" smtClean="0"/>
+              <a:pPr/>
+              <a:t>6</a:t>
+            </a:fld>
+            <a:endParaRPr lang="en-US"/>
           </a:p>
         </p:txBody>
       </p:sp>
       <p:pic>
         <p:nvPicPr>
-          <p:cNvPr id="5" name="Picture 4"/>
+          <p:cNvPr id="3" name="Picture 2"/>
           <p:cNvPicPr>
             <a:picLocks noChangeAspect="1"/>
           </p:cNvPicPr>
@@ -5798,38 +5860,14 @@
         </p:blipFill>
         <p:spPr>
           <a:xfrm>
-            <a:off x="3810000" y="1169255"/>
-            <a:ext cx="5105400" cy="5066386"/>
+            <a:off x="3610904" y="1114824"/>
+            <a:ext cx="5338686" cy="5057375"/>
           </a:xfrm>
           <a:prstGeom prst="rect">
             <a:avLst/>
           </a:prstGeom>
         </p:spPr>
       </p:pic>
-      <p:sp>
-        <p:nvSpPr>
-          <p:cNvPr id="6" name="Slide Number Placeholder 5"/>
-          <p:cNvSpPr>
-            <a:spLocks noGrp="1"/>
-          </p:cNvSpPr>
-          <p:nvPr>
-            <p:ph type="sldNum" sz="quarter" idx="12"/>
-          </p:nvPr>
-        </p:nvSpPr>
-        <p:spPr/>
-        <p:txBody>
-          <a:bodyPr/>
-          <a:lstStyle/>
-          <a:p>
-            <a:fld id="{B82CCC60-E8CD-4174-8B1A-7DF615B22EEF}" type="slidenum">
-              <a:rPr lang="en-US" smtClean="0"/>
-              <a:pPr/>
-              <a:t>6</a:t>
-            </a:fld>
-            <a:endParaRPr lang="en-US"/>
-          </a:p>
-        </p:txBody>
-      </p:sp>
     </p:spTree>
     <p:extLst>
       <p:ext uri="{BB962C8B-B14F-4D97-AF65-F5344CB8AC3E}">
@@ -5937,8 +5975,13 @@
           <a:p>
             <a:r>
               <a:rPr lang="en-US" dirty="0"/>
-              <a:t>Mean squared error 0.1162</a:t>
-            </a:r>
+              <a:t>Mean squared error </a:t>
+            </a:r>
+            <a:r>
+              <a:rPr lang="en-US" dirty="0" smtClean="0"/>
+              <a:t>0.1893</a:t>
+            </a:r>
+            <a:endParaRPr lang="en-US" dirty="0"/>
           </a:p>
         </p:txBody>
       </p:sp>
@@ -5968,7 +6011,7 @@
       </p:sp>
       <p:pic>
         <p:nvPicPr>
-          <p:cNvPr id="6" name="Picture 5"/>
+          <p:cNvPr id="3" name="Picture 2"/>
           <p:cNvPicPr>
             <a:picLocks noChangeAspect="1"/>
           </p:cNvPicPr>
@@ -5988,8 +6031,8 @@
         </p:blipFill>
         <p:spPr>
           <a:xfrm>
-            <a:off x="3810000" y="1361663"/>
-            <a:ext cx="4827516" cy="4735563"/>
+            <a:off x="3817804" y="1219200"/>
+            <a:ext cx="5001132" cy="4974879"/>
           </a:xfrm>
           <a:prstGeom prst="rect">
             <a:avLst/>
@@ -6087,11 +6130,13 @@
       </p:sp>
       <p:pic>
         <p:nvPicPr>
-          <p:cNvPr id="8" name="Picture 7"/>
+          <p:cNvPr id="4" name="Content Placeholder 3"/>
           <p:cNvPicPr>
-            <a:picLocks noChangeAspect="1"/>
+            <a:picLocks noGrp="1" noChangeAspect="1"/>
           </p:cNvPicPr>
-          <p:nvPr/>
+          <p:nvPr>
+            <p:ph sz="half" idx="2"/>
+          </p:nvPr>
         </p:nvPicPr>
         <p:blipFill>
           <a:blip r:embed="rId2">
@@ -6107,216 +6152,11 @@
         </p:blipFill>
         <p:spPr>
           <a:xfrm>
-            <a:off x="3467102" y="1219200"/>
-            <a:ext cx="5135772" cy="5054943"/>
+            <a:off x="838200" y="1164922"/>
+            <a:ext cx="7755546" cy="5154657"/>
           </a:xfrm>
-          <a:prstGeom prst="rect">
-            <a:avLst/>
-          </a:prstGeom>
         </p:spPr>
       </p:pic>
-      <p:sp>
-        <p:nvSpPr>
-          <p:cNvPr id="9" name="Content Placeholder 3">
-            <a:extLst>
-              <a:ext uri="{FF2B5EF4-FFF2-40B4-BE49-F238E27FC236}">
-                <a16:creationId xmlns:a16="http://schemas.microsoft.com/office/drawing/2014/main" id="{571828D7-AA7A-4F42-AFCE-35573AED3DC4}"/>
-              </a:ext>
-            </a:extLst>
-          </p:cNvPr>
-          <p:cNvSpPr>
-            <a:spLocks noGrp="1"/>
-          </p:cNvSpPr>
-          <p:nvPr>
-            <p:ph sz="half" idx="2"/>
-          </p:nvPr>
-        </p:nvSpPr>
-        <p:spPr>
-          <a:xfrm>
-            <a:off x="876302" y="1600200"/>
-            <a:ext cx="2590800" cy="332362"/>
-          </a:xfrm>
-        </p:spPr>
-        <p:txBody>
-          <a:bodyPr>
-            <a:normAutofit fontScale="92500" lnSpcReduction="20000"/>
-          </a:bodyPr>
-          <a:lstStyle/>
-          <a:p>
-            <a:pPr marL="0" indent="0">
-              <a:buNone/>
-            </a:pPr>
-            <a:r>
-              <a:rPr lang="en-US" sz="2000" dirty="0"/>
-              <a:t>Mean Squared Errors</a:t>
-            </a:r>
-          </a:p>
-        </p:txBody>
-      </p:sp>
-      <p:graphicFrame>
-        <p:nvGraphicFramePr>
-          <p:cNvPr id="11" name="Table 10"/>
-          <p:cNvGraphicFramePr>
-            <a:graphicFrameLocks noGrp="1"/>
-          </p:cNvGraphicFramePr>
-          <p:nvPr>
-            <p:extLst>
-              <p:ext uri="{D42A27DB-BD31-4B8C-83A1-F6EECF244321}">
-                <p14:modId xmlns:p14="http://schemas.microsoft.com/office/powerpoint/2010/main" val="2780299610"/>
-              </p:ext>
-            </p:extLst>
-          </p:nvPr>
-        </p:nvGraphicFramePr>
-        <p:xfrm>
-          <a:off x="1295400" y="1981200"/>
-          <a:ext cx="1524000" cy="1463040"/>
-        </p:xfrm>
-        <a:graphic>
-          <a:graphicData uri="http://schemas.openxmlformats.org/drawingml/2006/table">
-            <a:tbl>
-              <a:tblPr>
-                <a:tableStyleId>{69CF1AB2-1976-4502-BF36-3FF5EA218861}</a:tableStyleId>
-              </a:tblPr>
-              <a:tblGrid>
-                <a:gridCol w="762000">
-                  <a:extLst>
-                    <a:ext uri="{9D8B030D-6E8A-4147-A177-3AD203B41FA5}">
-                      <a16:colId xmlns:a16="http://schemas.microsoft.com/office/drawing/2014/main" val="3184341465"/>
-                    </a:ext>
-                  </a:extLst>
-                </a:gridCol>
-                <a:gridCol w="762000">
-                  <a:extLst>
-                    <a:ext uri="{9D8B030D-6E8A-4147-A177-3AD203B41FA5}">
-                      <a16:colId xmlns:a16="http://schemas.microsoft.com/office/drawing/2014/main" val="244801048"/>
-                    </a:ext>
-                  </a:extLst>
-                </a:gridCol>
-              </a:tblGrid>
-              <a:tr h="350589">
-                <a:tc>
-                  <a:txBody>
-                    <a:bodyPr/>
-                    <a:lstStyle/>
-                    <a:p>
-                      <a:r>
-                        <a:rPr lang="en-US" dirty="0"/>
-                        <a:t>2014</a:t>
-                      </a:r>
-                    </a:p>
-                  </a:txBody>
-                  <a:tcPr/>
-                </a:tc>
-                <a:tc>
-                  <a:txBody>
-                    <a:bodyPr/>
-                    <a:lstStyle/>
-                    <a:p>
-                      <a:endParaRPr lang="en-US" dirty="0"/>
-                    </a:p>
-                  </a:txBody>
-                  <a:tcPr/>
-                </a:tc>
-                <a:extLst>
-                  <a:ext uri="{0D108BD9-81ED-4DB2-BD59-A6C34878D82A}">
-                    <a16:rowId xmlns:a16="http://schemas.microsoft.com/office/drawing/2014/main" val="3792209279"/>
-                  </a:ext>
-                </a:extLst>
-              </a:tr>
-              <a:tr h="361950">
-                <a:tc>
-                  <a:txBody>
-                    <a:bodyPr/>
-                    <a:lstStyle/>
-                    <a:p>
-                      <a:r>
-                        <a:rPr lang="en-US" dirty="0"/>
-                        <a:t>2015</a:t>
-                      </a:r>
-                    </a:p>
-                  </a:txBody>
-                  <a:tcPr/>
-                </a:tc>
-                <a:tc>
-                  <a:txBody>
-                    <a:bodyPr/>
-                    <a:lstStyle/>
-                    <a:p>
-                      <a:endParaRPr lang="en-US" dirty="0"/>
-                    </a:p>
-                  </a:txBody>
-                  <a:tcPr/>
-                </a:tc>
-                <a:extLst>
-                  <a:ext uri="{0D108BD9-81ED-4DB2-BD59-A6C34878D82A}">
-                    <a16:rowId xmlns:a16="http://schemas.microsoft.com/office/drawing/2014/main" val="2937231779"/>
-                  </a:ext>
-                </a:extLst>
-              </a:tr>
-              <a:tr h="361950">
-                <a:tc>
-                  <a:txBody>
-                    <a:bodyPr/>
-                    <a:lstStyle/>
-                    <a:p>
-                      <a:r>
-                        <a:rPr lang="en-US" dirty="0"/>
-                        <a:t>2016</a:t>
-                      </a:r>
-                    </a:p>
-                  </a:txBody>
-                  <a:tcPr/>
-                </a:tc>
-                <a:tc>
-                  <a:txBody>
-                    <a:bodyPr/>
-                    <a:lstStyle/>
-                    <a:p>
-                      <a:endParaRPr lang="en-US"/>
-                    </a:p>
-                  </a:txBody>
-                  <a:tcPr/>
-                </a:tc>
-                <a:extLst>
-                  <a:ext uri="{0D108BD9-81ED-4DB2-BD59-A6C34878D82A}">
-                    <a16:rowId xmlns:a16="http://schemas.microsoft.com/office/drawing/2014/main" val="2679218077"/>
-                  </a:ext>
-                </a:extLst>
-              </a:tr>
-              <a:tr h="361950">
-                <a:tc>
-                  <a:txBody>
-                    <a:bodyPr/>
-                    <a:lstStyle/>
-                    <a:p>
-                      <a:r>
-                        <a:rPr lang="en-US" dirty="0"/>
-                        <a:t>2017</a:t>
-                      </a:r>
-                    </a:p>
-                  </a:txBody>
-                  <a:tcPr/>
-                </a:tc>
-                <a:tc>
-                  <a:txBody>
-                    <a:bodyPr/>
-                    <a:lstStyle/>
-                    <a:p>
-                      <a:endParaRPr lang="en-US" dirty="0"/>
-                    </a:p>
-                  </a:txBody>
-                  <a:tcPr/>
-                </a:tc>
-                <a:extLst>
-                  <a:ext uri="{0D108BD9-81ED-4DB2-BD59-A6C34878D82A}">
-                    <a16:rowId xmlns:a16="http://schemas.microsoft.com/office/drawing/2014/main" val="3816339255"/>
-                  </a:ext>
-                </a:extLst>
-              </a:tr>
-            </a:tbl>
-          </a:graphicData>
-        </a:graphic>
-      </p:graphicFrame>
     </p:spTree>
     <p:extLst>
       <p:ext uri="{BB962C8B-B14F-4D97-AF65-F5344CB8AC3E}">
@@ -6347,120 +6187,15 @@
           <a:chExt cx="0" cy="0"/>
         </a:xfrm>
       </p:grpSpPr>
-      <p:sp>
-        <p:nvSpPr>
-          <p:cNvPr id="2" name="Title 1">
-            <a:extLst>
-              <a:ext uri="{FF2B5EF4-FFF2-40B4-BE49-F238E27FC236}">
-                <a16:creationId xmlns:a16="http://schemas.microsoft.com/office/drawing/2014/main" id="{12622C76-1B4D-46DB-91AF-97C1B84A2289}"/>
-              </a:ext>
-            </a:extLst>
-          </p:cNvPr>
-          <p:cNvSpPr>
-            <a:spLocks noGrp="1"/>
-          </p:cNvSpPr>
-          <p:nvPr>
-            <p:ph type="title"/>
-          </p:nvPr>
-        </p:nvSpPr>
-        <p:spPr>
-          <a:xfrm>
-            <a:off x="1228772" y="457200"/>
-            <a:ext cx="6815138" cy="685800"/>
-          </a:xfrm>
-        </p:spPr>
-        <p:txBody>
-          <a:bodyPr>
-            <a:noAutofit/>
-          </a:bodyPr>
-          <a:lstStyle/>
-          <a:p>
-            <a:pPr algn="ctr"/>
-            <a:r>
-              <a:rPr lang="en-US" sz="4000" dirty="0"/>
-              <a:t>Betting Recommendations</a:t>
-            </a:r>
-          </a:p>
-        </p:txBody>
-      </p:sp>
-      <p:sp>
-        <p:nvSpPr>
-          <p:cNvPr id="9" name="Content Placeholder 3">
-            <a:extLst>
-              <a:ext uri="{FF2B5EF4-FFF2-40B4-BE49-F238E27FC236}">
-                <a16:creationId xmlns:a16="http://schemas.microsoft.com/office/drawing/2014/main" id="{571828D7-AA7A-4F42-AFCE-35573AED3DC4}"/>
-              </a:ext>
-            </a:extLst>
-          </p:cNvPr>
-          <p:cNvSpPr>
-            <a:spLocks noGrp="1"/>
-          </p:cNvSpPr>
-          <p:nvPr>
-            <p:ph sz="half" idx="2"/>
-          </p:nvPr>
-        </p:nvSpPr>
-        <p:spPr>
-          <a:xfrm>
-            <a:off x="457200" y="1143000"/>
-            <a:ext cx="8229600" cy="2209800"/>
-          </a:xfrm>
-        </p:spPr>
-        <p:txBody>
-          <a:bodyPr>
-            <a:normAutofit fontScale="92500"/>
-          </a:bodyPr>
-          <a:lstStyle/>
-          <a:p>
-            <a:r>
-              <a:rPr lang="en-US" dirty="0"/>
-              <a:t>For every match in a year, we recommend the optimal team to bet on based on their predicted win rates and the actual betting odds</a:t>
-            </a:r>
-          </a:p>
-          <a:p>
-            <a:r>
-              <a:rPr lang="en-US" dirty="0"/>
-              <a:t>We can see that although in general it is better to bet on the predicted winning team, sometimes it is optimal to bet on the predicted losing team if the odds are favorable</a:t>
-            </a:r>
-          </a:p>
-          <a:p>
-            <a:endParaRPr lang="en-US" dirty="0"/>
-          </a:p>
-          <a:p>
-            <a:endParaRPr lang="en-US" dirty="0"/>
-          </a:p>
-        </p:txBody>
-      </p:sp>
-      <p:sp>
-        <p:nvSpPr>
-          <p:cNvPr id="5" name="Slide Number Placeholder 4"/>
-          <p:cNvSpPr>
-            <a:spLocks noGrp="1"/>
-          </p:cNvSpPr>
-          <p:nvPr>
-            <p:ph type="sldNum" sz="quarter" idx="12"/>
-          </p:nvPr>
-        </p:nvSpPr>
-        <p:spPr/>
-        <p:txBody>
-          <a:bodyPr/>
-          <a:lstStyle/>
-          <a:p>
-            <a:fld id="{B82CCC60-E8CD-4174-8B1A-7DF615B22EEF}" type="slidenum">
-              <a:rPr lang="en-US" smtClean="0"/>
-              <a:pPr/>
-              <a:t>9</a:t>
-            </a:fld>
-            <a:endParaRPr lang="en-US"/>
-          </a:p>
-        </p:txBody>
-      </p:sp>
       <p:pic>
         <p:nvPicPr>
-          <p:cNvPr id="6" name="Picture 5"/>
+          <p:cNvPr id="8" name="Content Placeholder 7"/>
           <p:cNvPicPr>
-            <a:picLocks noChangeAspect="1"/>
+            <a:picLocks noGrp="1" noChangeAspect="1"/>
           </p:cNvPicPr>
-          <p:nvPr/>
+          <p:nvPr>
+            <p:ph sz="half" idx="2"/>
+          </p:nvPr>
         </p:nvPicPr>
         <p:blipFill>
           <a:blip r:embed="rId2">
@@ -6476,18 +6211,131 @@
         </p:blipFill>
         <p:spPr>
           <a:xfrm>
-            <a:off x="762000" y="3505200"/>
-            <a:ext cx="7741619" cy="2241867"/>
+            <a:off x="3738282" y="1112246"/>
+            <a:ext cx="5052826" cy="5095543"/>
           </a:xfrm>
-          <a:prstGeom prst="rect">
-            <a:avLst/>
-          </a:prstGeom>
         </p:spPr>
       </p:pic>
+      <p:sp>
+        <p:nvSpPr>
+          <p:cNvPr id="7" name="Slide Number Placeholder 6"/>
+          <p:cNvSpPr>
+            <a:spLocks noGrp="1"/>
+          </p:cNvSpPr>
+          <p:nvPr>
+            <p:ph type="sldNum" sz="quarter" idx="12"/>
+          </p:nvPr>
+        </p:nvSpPr>
+        <p:spPr/>
+        <p:txBody>
+          <a:bodyPr/>
+          <a:lstStyle/>
+          <a:p>
+            <a:fld id="{B82CCC60-E8CD-4174-8B1A-7DF615B22EEF}" type="slidenum">
+              <a:rPr lang="en-US" smtClean="0"/>
+              <a:pPr/>
+              <a:t>9</a:t>
+            </a:fld>
+            <a:endParaRPr lang="en-US" dirty="0"/>
+          </a:p>
+        </p:txBody>
+      </p:sp>
+      <p:sp>
+        <p:nvSpPr>
+          <p:cNvPr id="9" name="Title 1">
+            <a:extLst>
+              <a:ext uri="{FF2B5EF4-FFF2-40B4-BE49-F238E27FC236}">
+                <a16:creationId xmlns:a16="http://schemas.microsoft.com/office/drawing/2014/main" id="{12622C76-1B4D-46DB-91AF-97C1B84A2289}"/>
+              </a:ext>
+            </a:extLst>
+          </p:cNvPr>
+          <p:cNvSpPr>
+            <a:spLocks noGrp="1"/>
+          </p:cNvSpPr>
+          <p:nvPr>
+            <p:ph type="title"/>
+          </p:nvPr>
+        </p:nvSpPr>
+        <p:spPr>
+          <a:xfrm>
+            <a:off x="1524000" y="381000"/>
+            <a:ext cx="6362702" cy="619457"/>
+          </a:xfrm>
+        </p:spPr>
+        <p:txBody>
+          <a:bodyPr>
+            <a:noAutofit/>
+          </a:bodyPr>
+          <a:lstStyle/>
+          <a:p>
+            <a:r>
+              <a:rPr lang="en-US" sz="4000" dirty="0"/>
+              <a:t>Predicted </a:t>
+            </a:r>
+            <a:r>
+              <a:rPr lang="en-US" sz="4000" dirty="0" smtClean="0"/>
+              <a:t>2019 Win Rates </a:t>
+            </a:r>
+            <a:endParaRPr lang="en-US" sz="4000" dirty="0"/>
+          </a:p>
+        </p:txBody>
+      </p:sp>
+      <p:sp>
+        <p:nvSpPr>
+          <p:cNvPr id="10" name="Content Placeholder 3">
+            <a:extLst>
+              <a:ext uri="{FF2B5EF4-FFF2-40B4-BE49-F238E27FC236}">
+                <a16:creationId xmlns:a16="http://schemas.microsoft.com/office/drawing/2014/main" id="{571828D7-AA7A-4F42-AFCE-35573AED3DC4}"/>
+              </a:ext>
+            </a:extLst>
+          </p:cNvPr>
+          <p:cNvSpPr>
+            <a:spLocks noGrp="1"/>
+          </p:cNvSpPr>
+          <p:nvPr>
+            <p:ph sz="half" idx="2"/>
+          </p:nvPr>
+        </p:nvSpPr>
+        <p:spPr>
+          <a:xfrm>
+            <a:off x="381000" y="1219200"/>
+            <a:ext cx="3352800" cy="3505200"/>
+          </a:xfrm>
+        </p:spPr>
+        <p:txBody>
+          <a:bodyPr>
+            <a:normAutofit fontScale="92500" lnSpcReduction="20000"/>
+          </a:bodyPr>
+          <a:lstStyle/>
+          <a:p>
+            <a:endParaRPr lang="en-US" dirty="0" smtClean="0"/>
+          </a:p>
+          <a:p>
+            <a:r>
+              <a:rPr lang="en-US" dirty="0" smtClean="0"/>
+              <a:t>Overall reasonable predictions based on how well these teams usually perform</a:t>
+            </a:r>
+            <a:endParaRPr lang="en-US" dirty="0"/>
+          </a:p>
+          <a:p>
+            <a:r>
+              <a:rPr lang="en-US" dirty="0" smtClean="0"/>
+              <a:t>MIL had a strong season start despite being historically average</a:t>
+            </a:r>
+          </a:p>
+          <a:p>
+            <a:r>
+              <a:rPr lang="en-US" dirty="0" smtClean="0"/>
+              <a:t>GSW has many key players injured</a:t>
+            </a:r>
+            <a:endParaRPr lang="en-US" dirty="0"/>
+          </a:p>
+        </p:txBody>
+      </p:sp>
     </p:spTree>
     <p:extLst>
       <p:ext uri="{BB962C8B-B14F-4D97-AF65-F5344CB8AC3E}">
-        <p14:creationId xmlns:p14="http://schemas.microsoft.com/office/powerpoint/2010/main" val="2701532853"/>
+        <p14:creationId xmlns:p14="http://schemas.microsoft.com/office/powerpoint/2010/main" val="3754029976"/>
       </p:ext>
     </p:extLst>
   </p:cSld>

--- a/Presentation.pptx
+++ b/Presentation.pptx
@@ -5,10 +5,10 @@
     <p:sldMasterId id="2147483648" r:id="rId1"/>
   </p:sldMasterIdLst>
   <p:notesMasterIdLst>
-    <p:notesMasterId r:id="rId13"/>
+    <p:notesMasterId r:id="rId14"/>
   </p:notesMasterIdLst>
   <p:handoutMasterIdLst>
-    <p:handoutMasterId r:id="rId14"/>
+    <p:handoutMasterId r:id="rId15"/>
   </p:handoutMasterIdLst>
   <p:sldIdLst>
     <p:sldId id="256" r:id="rId2"/>
@@ -22,6 +22,7 @@
     <p:sldId id="275" r:id="rId10"/>
     <p:sldId id="270" r:id="rId11"/>
     <p:sldId id="271" r:id="rId12"/>
+    <p:sldId id="276" r:id="rId13"/>
   </p:sldIdLst>
   <p:sldSz cx="9144000" cy="6858000" type="screen4x3"/>
   <p:notesSz cx="6858000" cy="9144000"/>
@@ -4955,6 +4956,105 @@
     <p:extLst>
       <p:ext uri="{BB962C8B-B14F-4D97-AF65-F5344CB8AC3E}">
         <p14:creationId xmlns:p14="http://schemas.microsoft.com/office/powerpoint/2010/main" val="1169549698"/>
+      </p:ext>
+    </p:extLst>
+  </p:cSld>
+  <p:clrMapOvr>
+    <a:masterClrMapping/>
+  </p:clrMapOvr>
+</p:sld>
+</file>
+
+<file path=ppt/slides/slide12.xml><?xml version="1.0" encoding="utf-8"?>
+<p:sld xmlns:a="http://schemas.openxmlformats.org/drawingml/2006/main" xmlns:r="http://schemas.openxmlformats.org/officeDocument/2006/relationships" xmlns:p="http://schemas.openxmlformats.org/presentationml/2006/main">
+  <p:cSld>
+    <p:spTree>
+      <p:nvGrpSpPr>
+        <p:cNvPr id="1" name=""/>
+        <p:cNvGrpSpPr/>
+        <p:nvPr/>
+      </p:nvGrpSpPr>
+      <p:grpSpPr>
+        <a:xfrm>
+          <a:off x="0" y="0"/>
+          <a:ext cx="0" cy="0"/>
+          <a:chOff x="0" y="0"/>
+          <a:chExt cx="0" cy="0"/>
+        </a:xfrm>
+      </p:grpSpPr>
+      <p:sp>
+        <p:nvSpPr>
+          <p:cNvPr id="2" name="Title 1"/>
+          <p:cNvSpPr>
+            <a:spLocks noGrp="1"/>
+          </p:cNvSpPr>
+          <p:nvPr>
+            <p:ph type="title"/>
+          </p:nvPr>
+        </p:nvSpPr>
+        <p:spPr>
+          <a:xfrm>
+            <a:off x="1828800" y="2590800"/>
+            <a:ext cx="5486400" cy="762000"/>
+          </a:xfrm>
+        </p:spPr>
+        <p:txBody>
+          <a:bodyPr>
+            <a:normAutofit fontScale="90000"/>
+          </a:bodyPr>
+          <a:lstStyle/>
+          <a:p>
+            <a:pPr algn="ctr"/>
+            <a:r>
+              <a:rPr lang="en-US" dirty="0" smtClean="0"/>
+              <a:t>Thank you for listening</a:t>
+            </a:r>
+            <a:br>
+              <a:rPr lang="en-US" dirty="0" smtClean="0"/>
+            </a:br>
+            <a:r>
+              <a:rPr lang="en-US" dirty="0"/>
+              <a:t/>
+            </a:r>
+            <a:br>
+              <a:rPr lang="en-US" dirty="0"/>
+            </a:br>
+            <a:r>
+              <a:rPr lang="en-US" dirty="0" smtClean="0"/>
+              <a:t>Questions?</a:t>
+            </a:r>
+            <a:endParaRPr lang="en-US" dirty="0"/>
+          </a:p>
+        </p:txBody>
+      </p:sp>
+      <p:sp>
+        <p:nvSpPr>
+          <p:cNvPr id="7" name="Slide Number Placeholder 6"/>
+          <p:cNvSpPr>
+            <a:spLocks noGrp="1"/>
+          </p:cNvSpPr>
+          <p:nvPr>
+            <p:ph type="sldNum" sz="quarter" idx="12"/>
+          </p:nvPr>
+        </p:nvSpPr>
+        <p:spPr/>
+        <p:txBody>
+          <a:bodyPr/>
+          <a:lstStyle/>
+          <a:p>
+            <a:fld id="{B82CCC60-E8CD-4174-8B1A-7DF615B22EEF}" type="slidenum">
+              <a:rPr lang="en-US" smtClean="0"/>
+              <a:pPr/>
+              <a:t>12</a:t>
+            </a:fld>
+            <a:endParaRPr lang="en-US" dirty="0"/>
+          </a:p>
+        </p:txBody>
+      </p:sp>
+    </p:spTree>
+    <p:extLst>
+      <p:ext uri="{BB962C8B-B14F-4D97-AF65-F5344CB8AC3E}">
+        <p14:creationId xmlns:p14="http://schemas.microsoft.com/office/powerpoint/2010/main" val="229076081"/>
       </p:ext>
     </p:extLst>
   </p:cSld>
